--- a/Presentations/ARM_PPTs/Ch4_ARMv8_Registers.pptx
+++ b/Presentations/ARM_PPTs/Ch4_ARMv8_Registers.pptx
@@ -6,16 +6,9 @@
   </p:sldMasterIdLst>
   <p:sldIdLst>
     <p:sldId id="256" r:id="rId2"/>
-    <p:sldId id="257" r:id="rId3"/>
-    <p:sldId id="258" r:id="rId4"/>
-    <p:sldId id="259" r:id="rId5"/>
-    <p:sldId id="260" r:id="rId6"/>
-    <p:sldId id="265" r:id="rId7"/>
-    <p:sldId id="266" r:id="rId8"/>
-    <p:sldId id="261" r:id="rId9"/>
-    <p:sldId id="262" r:id="rId10"/>
-    <p:sldId id="263" r:id="rId11"/>
-    <p:sldId id="264" r:id="rId12"/>
+    <p:sldId id="262" r:id="rId3"/>
+    <p:sldId id="263" r:id="rId4"/>
+    <p:sldId id="264" r:id="rId5"/>
   </p:sldIdLst>
   <p:sldSz cx="12192000" cy="6858000"/>
   <p:notesSz cx="6858000" cy="9144000"/>
@@ -5800,7 +5793,20 @@
             <a:pPr algn="ctr"/>
             <a:r>
               <a:rPr lang="en-US" dirty="0"/>
-              <a:t>ARMv8 Registers</a:t>
+              <a:t>ARMv8 </a:t>
+            </a:r>
+            <a:br>
+              <a:rPr lang="en-US" dirty="0"/>
+            </a:br>
+            <a:r>
+              <a:rPr lang="en-US" b="1" dirty="0">
+                <a:latin typeface="Arial-BoldMT"/>
+              </a:rPr>
+              <a:t>Core Architecture  + </a:t>
+            </a:r>
+            <a:r>
+              <a:rPr lang="en-US" dirty="0"/>
+              <a:t>Registers</a:t>
             </a:r>
           </a:p>
         </p:txBody>
@@ -5844,128 +5850,6 @@
     <p:extLst>
       <p:ext uri="{BB962C8B-B14F-4D97-AF65-F5344CB8AC3E}">
         <p14:creationId xmlns:p14="http://schemas.microsoft.com/office/powerpoint/2010/main" val="3750661658"/>
-      </p:ext>
-    </p:extLst>
-  </p:cSld>
-  <p:clrMapOvr>
-    <a:masterClrMapping/>
-  </p:clrMapOvr>
-</p:sld>
-</file>
-
-<file path=ppt/slides/slide10.xml><?xml version="1.0" encoding="utf-8"?>
-<p:sld xmlns:a="http://schemas.openxmlformats.org/drawingml/2006/main" xmlns:r="http://schemas.openxmlformats.org/officeDocument/2006/relationships" xmlns:p="http://schemas.openxmlformats.org/presentationml/2006/main">
-  <p:cSld>
-    <p:spTree>
-      <p:nvGrpSpPr>
-        <p:cNvPr id="1" name=""/>
-        <p:cNvGrpSpPr/>
-        <p:nvPr/>
-      </p:nvGrpSpPr>
-      <p:grpSpPr>
-        <a:xfrm>
-          <a:off x="0" y="0"/>
-          <a:ext cx="0" cy="0"/>
-          <a:chOff x="0" y="0"/>
-          <a:chExt cx="0" cy="0"/>
-        </a:xfrm>
-      </p:grpSpPr>
-      <p:sp>
-        <p:nvSpPr>
-          <p:cNvPr id="4" name="Rectangle 3"/>
-          <p:cNvSpPr/>
-          <p:nvPr/>
-        </p:nvSpPr>
-        <p:spPr>
-          <a:xfrm>
-            <a:off x="265286" y="316496"/>
-            <a:ext cx="9010599" cy="369332"/>
-          </a:xfrm>
-          <a:prstGeom prst="rect">
-            <a:avLst/>
-          </a:prstGeom>
-        </p:spPr>
-        <p:txBody>
-          <a:bodyPr wrap="square">
-            <a:spAutoFit/>
-          </a:bodyPr>
-          <a:lstStyle/>
-          <a:p>
-            <a:r>
-              <a:rPr lang="en-US" b="1" dirty="0">
-                <a:latin typeface="Arial-BoldMT"/>
-              </a:rPr>
-              <a:t>Fundamentals of ARMv8</a:t>
-            </a:r>
-            <a:endParaRPr lang="en-US" dirty="0"/>
-          </a:p>
-        </p:txBody>
-      </p:sp>
-    </p:spTree>
-    <p:extLst>
-      <p:ext uri="{BB962C8B-B14F-4D97-AF65-F5344CB8AC3E}">
-        <p14:creationId xmlns:p14="http://schemas.microsoft.com/office/powerpoint/2010/main" val="4005841578"/>
-      </p:ext>
-    </p:extLst>
-  </p:cSld>
-  <p:clrMapOvr>
-    <a:masterClrMapping/>
-  </p:clrMapOvr>
-</p:sld>
-</file>
-
-<file path=ppt/slides/slide11.xml><?xml version="1.0" encoding="utf-8"?>
-<p:sld xmlns:a="http://schemas.openxmlformats.org/drawingml/2006/main" xmlns:r="http://schemas.openxmlformats.org/officeDocument/2006/relationships" xmlns:p="http://schemas.openxmlformats.org/presentationml/2006/main">
-  <p:cSld>
-    <p:spTree>
-      <p:nvGrpSpPr>
-        <p:cNvPr id="1" name=""/>
-        <p:cNvGrpSpPr/>
-        <p:nvPr/>
-      </p:nvGrpSpPr>
-      <p:grpSpPr>
-        <a:xfrm>
-          <a:off x="0" y="0"/>
-          <a:ext cx="0" cy="0"/>
-          <a:chOff x="0" y="0"/>
-          <a:chExt cx="0" cy="0"/>
-        </a:xfrm>
-      </p:grpSpPr>
-      <p:sp>
-        <p:nvSpPr>
-          <p:cNvPr id="4" name="Rectangle 3"/>
-          <p:cNvSpPr/>
-          <p:nvPr/>
-        </p:nvSpPr>
-        <p:spPr>
-          <a:xfrm>
-            <a:off x="265286" y="316496"/>
-            <a:ext cx="9010599" cy="369332"/>
-          </a:xfrm>
-          <a:prstGeom prst="rect">
-            <a:avLst/>
-          </a:prstGeom>
-        </p:spPr>
-        <p:txBody>
-          <a:bodyPr wrap="square">
-            <a:spAutoFit/>
-          </a:bodyPr>
-          <a:lstStyle/>
-          <a:p>
-            <a:r>
-              <a:rPr lang="en-US" b="1" dirty="0">
-                <a:latin typeface="Arial-BoldMT"/>
-              </a:rPr>
-              <a:t>Fundamentals of ARMv8</a:t>
-            </a:r>
-            <a:endParaRPr lang="en-US" dirty="0"/>
-          </a:p>
-        </p:txBody>
-      </p:sp>
-    </p:spTree>
-    <p:extLst>
-      <p:ext uri="{BB962C8B-B14F-4D97-AF65-F5344CB8AC3E}">
-        <p14:creationId xmlns:p14="http://schemas.microsoft.com/office/powerpoint/2010/main" val="500158562"/>
       </p:ext>
     </p:extLst>
   </p:cSld>
@@ -6017,269 +5901,16 @@
               <a:rPr lang="en-US" b="1" dirty="0">
                 <a:latin typeface="Arial-BoldMT"/>
               </a:rPr>
-              <a:t>Fundamentals of ARMv8 – Exception Levels</a:t>
-            </a:r>
-            <a:endParaRPr lang="en-US" dirty="0"/>
-          </a:p>
-        </p:txBody>
-      </p:sp>
-      <p:sp>
-        <p:nvSpPr>
-          <p:cNvPr id="5" name="Rectangle 4"/>
-          <p:cNvSpPr/>
-          <p:nvPr/>
-        </p:nvSpPr>
-        <p:spPr>
-          <a:xfrm>
-            <a:off x="705815" y="1090219"/>
-            <a:ext cx="6218434" cy="1477328"/>
-          </a:xfrm>
-          <a:prstGeom prst="rect">
-            <a:avLst/>
-          </a:prstGeom>
-        </p:spPr>
-        <p:txBody>
-          <a:bodyPr wrap="none">
-            <a:spAutoFit/>
-          </a:bodyPr>
-          <a:lstStyle/>
-          <a:p>
-            <a:pPr marL="285750" indent="-285750" algn="just">
-              <a:buFont typeface="Arial" panose="020B0604020202020204" pitchFamily="34" charset="0"/>
-              <a:buChar char="•"/>
-            </a:pPr>
-            <a:r>
-              <a:rPr lang="en-US" dirty="0">
-                <a:latin typeface="TimesNewRomanPSMT"/>
-              </a:rPr>
-              <a:t>In ARMv8, execution occurs at one of four </a:t>
-            </a:r>
-            <a:r>
-              <a:rPr lang="en-US" i="1" dirty="0">
-                <a:latin typeface="TimesNewRomanPS-ItalicMT"/>
-              </a:rPr>
-              <a:t>Exception levels…</a:t>
-            </a:r>
-          </a:p>
-          <a:p>
-            <a:pPr algn="just"/>
-            <a:endParaRPr lang="en-US" b="1" dirty="0"/>
-          </a:p>
-          <a:p>
-            <a:pPr algn="just"/>
-            <a:r>
-              <a:rPr lang="en-US" b="1" dirty="0"/>
-              <a:t>	</a:t>
-            </a:r>
-            <a:r>
-              <a:rPr lang="en-US" sz="1200" b="1" dirty="0"/>
-              <a:t>EL0 - </a:t>
-            </a:r>
-            <a:r>
-              <a:rPr lang="en-US" sz="1200" dirty="0"/>
-              <a:t>Normal user applications.</a:t>
-            </a:r>
-          </a:p>
-          <a:p>
-            <a:pPr algn="just"/>
-            <a:r>
-              <a:rPr lang="en-US" sz="1200" b="1" dirty="0"/>
-              <a:t>	EL1 - </a:t>
-            </a:r>
-            <a:r>
-              <a:rPr lang="en-US" sz="1200" dirty="0"/>
-              <a:t>Operating system kernel typically described as </a:t>
-            </a:r>
-            <a:r>
-              <a:rPr lang="en-US" sz="1200" i="1" dirty="0"/>
-              <a:t>privileged</a:t>
-            </a:r>
-            <a:r>
-              <a:rPr lang="en-US" sz="1200" dirty="0"/>
-              <a:t>.</a:t>
-            </a:r>
-          </a:p>
-          <a:p>
-            <a:pPr algn="just"/>
-            <a:r>
-              <a:rPr lang="en-US" sz="1200" b="1" dirty="0"/>
-              <a:t>	EL2 - </a:t>
-            </a:r>
-            <a:r>
-              <a:rPr lang="en-US" sz="1200" dirty="0"/>
-              <a:t>Hypervisor.</a:t>
-            </a:r>
-          </a:p>
-          <a:p>
-            <a:pPr algn="just"/>
-            <a:r>
-              <a:rPr lang="en-US" sz="1200" b="1" dirty="0"/>
-              <a:t>	EL3 - </a:t>
-            </a:r>
-            <a:r>
-              <a:rPr lang="en-US" sz="1200" dirty="0"/>
-              <a:t>Low-level firmware, including the Secure Monitor.</a:t>
-            </a:r>
-          </a:p>
-        </p:txBody>
-      </p:sp>
-      <p:pic>
-        <p:nvPicPr>
-          <p:cNvPr id="6" name="Picture 5"/>
-          <p:cNvPicPr>
-            <a:picLocks noChangeAspect="1"/>
-          </p:cNvPicPr>
-          <p:nvPr/>
-        </p:nvPicPr>
-        <p:blipFill>
-          <a:blip r:embed="rId2"/>
-          <a:stretch>
-            <a:fillRect/>
-          </a:stretch>
-        </p:blipFill>
-        <p:spPr>
-          <a:xfrm>
-            <a:off x="1715295" y="3084635"/>
-            <a:ext cx="5250978" cy="3380922"/>
-          </a:xfrm>
-          <a:prstGeom prst="rect">
-            <a:avLst/>
-          </a:prstGeom>
-          <a:effectLst>
-            <a:outerShdw blurRad="63500" sx="102000" sy="102000" algn="ctr" rotWithShape="0">
-              <a:prstClr val="black">
-                <a:alpha val="40000"/>
-              </a:prstClr>
-            </a:outerShdw>
-          </a:effectLst>
-        </p:spPr>
-      </p:pic>
-      <p:sp>
-        <p:nvSpPr>
-          <p:cNvPr id="8" name="Rectangle: Rounded Corners 7"/>
-          <p:cNvSpPr/>
-          <p:nvPr/>
-        </p:nvSpPr>
-        <p:spPr>
-          <a:xfrm>
-            <a:off x="7296703" y="4775096"/>
-            <a:ext cx="3596054" cy="1732085"/>
-          </a:xfrm>
-          <a:prstGeom prst="roundRect">
-            <a:avLst/>
-          </a:prstGeom>
-        </p:spPr>
-        <p:style>
-          <a:lnRef idx="2">
-            <a:schemeClr val="accent1">
-              <a:shade val="50000"/>
-            </a:schemeClr>
-          </a:lnRef>
-          <a:fillRef idx="1">
-            <a:schemeClr val="accent1"/>
-          </a:fillRef>
-          <a:effectRef idx="0">
-            <a:schemeClr val="accent1"/>
-          </a:effectRef>
-          <a:fontRef idx="minor">
-            <a:schemeClr val="lt1"/>
-          </a:fontRef>
-        </p:style>
-        <p:txBody>
-          <a:bodyPr rtlCol="0" anchor="ctr"/>
-          <a:lstStyle/>
-          <a:p>
-            <a:pPr algn="just"/>
-            <a:r>
-              <a:rPr lang="en-US" sz="1200" dirty="0">
-                <a:latin typeface="TimesNewRomanPSMT"/>
-              </a:rPr>
-              <a:t>An application ,  Kernel of an operating system or a Hypervisor, each execute in their respective Exception level. </a:t>
-            </a:r>
-          </a:p>
-          <a:p>
-            <a:pPr algn="just"/>
-            <a:endParaRPr lang="en-US" sz="1200" dirty="0">
-              <a:latin typeface="TimesNewRomanPSMT"/>
-            </a:endParaRPr>
-          </a:p>
-          <a:p>
-            <a:pPr algn="just"/>
-            <a:r>
-              <a:rPr lang="en-US" sz="1200" dirty="0">
-                <a:latin typeface="TimesNewRomanPSMT"/>
-              </a:rPr>
-              <a:t>An exception to this rule is </a:t>
-            </a:r>
-            <a:r>
-              <a:rPr lang="en-US" sz="1200" b="1" dirty="0">
-                <a:latin typeface="TimesNewRomanPSMT"/>
-              </a:rPr>
-              <a:t>in-kernel hypervisors</a:t>
-            </a:r>
-          </a:p>
-          <a:p>
-            <a:pPr algn="just"/>
-            <a:r>
-              <a:rPr lang="en-US" sz="1200" dirty="0">
-                <a:latin typeface="TimesNewRomanPSMT"/>
-              </a:rPr>
-              <a:t>such as </a:t>
-            </a:r>
-            <a:r>
-              <a:rPr lang="en-US" sz="1200" b="1" dirty="0">
-                <a:latin typeface="TimesNewRomanPSMT"/>
-              </a:rPr>
-              <a:t>KVM</a:t>
-            </a:r>
-            <a:r>
-              <a:rPr lang="en-US" sz="1200" dirty="0">
-                <a:latin typeface="TimesNewRomanPSMT"/>
-              </a:rPr>
-              <a:t>, which operate across </a:t>
-            </a:r>
-            <a:r>
-              <a:rPr lang="en-US" sz="1200" i="1" dirty="0">
-                <a:latin typeface="TimesNewRomanPS-ItalicMT"/>
-              </a:rPr>
-              <a:t>both </a:t>
-            </a:r>
-            <a:r>
-              <a:rPr lang="en-US" sz="1200" b="1" dirty="0">
-                <a:latin typeface="TimesNewRomanPSMT"/>
-              </a:rPr>
-              <a:t>EL2</a:t>
-            </a:r>
-            <a:r>
-              <a:rPr lang="en-US" sz="1200" dirty="0">
-                <a:latin typeface="TimesNewRomanPSMT"/>
-              </a:rPr>
-              <a:t> and </a:t>
-            </a:r>
-            <a:r>
-              <a:rPr lang="en-US" sz="1200" b="1" dirty="0">
-                <a:latin typeface="TimesNewRomanPSMT"/>
-              </a:rPr>
-              <a:t>EL1</a:t>
-            </a:r>
-            <a:r>
-              <a:rPr lang="en-US" sz="1200" dirty="0">
-                <a:latin typeface="TimesNewRomanPSMT"/>
-              </a:rPr>
-              <a:t>.</a:t>
-            </a:r>
-            <a:endParaRPr lang="en-US" sz="1200" dirty="0"/>
-          </a:p>
-          <a:p>
-            <a:pPr algn="ctr"/>
-            <a:endParaRPr lang="en-US" sz="1200" dirty="0"/>
+              <a:t>Core Architecture of ARMv8</a:t>
+            </a:r>
+            <a:endParaRPr lang="en-US" dirty="0"/>
           </a:p>
         </p:txBody>
       </p:sp>
     </p:spTree>
     <p:extLst>
       <p:ext uri="{BB962C8B-B14F-4D97-AF65-F5344CB8AC3E}">
-        <p14:creationId xmlns:p14="http://schemas.microsoft.com/office/powerpoint/2010/main" val="1431000783"/>
+        <p14:creationId xmlns:p14="http://schemas.microsoft.com/office/powerpoint/2010/main" val="647475373"/>
       </p:ext>
     </p:extLst>
   </p:cSld>
@@ -6331,273 +5962,16 @@
               <a:rPr lang="en-US" b="1" dirty="0">
                 <a:latin typeface="Arial-BoldMT"/>
               </a:rPr>
-              <a:t>Fundamentals of ARMv8 – Security States</a:t>
-            </a:r>
-            <a:endParaRPr lang="en-US" dirty="0"/>
-          </a:p>
-        </p:txBody>
-      </p:sp>
-      <p:sp>
-        <p:nvSpPr>
-          <p:cNvPr id="2" name="Rectangle 1"/>
-          <p:cNvSpPr/>
-          <p:nvPr/>
-        </p:nvSpPr>
-        <p:spPr>
-          <a:xfrm>
-            <a:off x="265285" y="892186"/>
-            <a:ext cx="7572119" cy="2262158"/>
-          </a:xfrm>
-          <a:prstGeom prst="rect">
-            <a:avLst/>
-          </a:prstGeom>
-        </p:spPr>
-        <p:txBody>
-          <a:bodyPr wrap="square">
-            <a:spAutoFit/>
-          </a:bodyPr>
-          <a:lstStyle/>
-          <a:p>
-            <a:r>
-              <a:rPr lang="en-US" sz="1200" dirty="0">
-                <a:latin typeface="TimesNewRomanPSMT"/>
-              </a:rPr>
-              <a:t>* ARMv8-A provides two security states:</a:t>
-            </a:r>
-          </a:p>
-          <a:p>
-            <a:r>
-              <a:rPr lang="en-US" sz="1200" dirty="0">
-                <a:latin typeface="TimesNewRomanPSMT"/>
-              </a:rPr>
-              <a:t> 	* Secure and </a:t>
-            </a:r>
-          </a:p>
-          <a:p>
-            <a:r>
-              <a:rPr lang="en-US" sz="1200" dirty="0">
-                <a:latin typeface="TimesNewRomanPSMT"/>
-              </a:rPr>
-              <a:t>	* Non-secure (</a:t>
-            </a:r>
-            <a:r>
-              <a:rPr lang="en-US" sz="1200" i="1" dirty="0">
-                <a:latin typeface="TimesNewRomanPS-ItalicMT"/>
-              </a:rPr>
-              <a:t>Normal World)</a:t>
-            </a:r>
-            <a:r>
-              <a:rPr lang="en-US" sz="1200" dirty="0">
-                <a:latin typeface="TimesNewRomanPSMT"/>
-              </a:rPr>
-              <a:t> </a:t>
-            </a:r>
-          </a:p>
-          <a:p>
-            <a:endParaRPr lang="en-US" sz="1200" dirty="0">
-              <a:latin typeface="TimesNewRomanPSMT"/>
-            </a:endParaRPr>
-          </a:p>
-          <a:p>
-            <a:r>
-              <a:rPr lang="en-US" sz="1200" dirty="0">
-                <a:latin typeface="TimesNewRomanPSMT"/>
-              </a:rPr>
-              <a:t>* This enables an Operating System (OS) to run in parallel with a trusted OS on the same hardware, and provides protection against certain software attacks and hardware attacks. </a:t>
-            </a:r>
-          </a:p>
-          <a:p>
-            <a:endParaRPr lang="en-US" sz="1200" dirty="0">
-              <a:latin typeface="TimesNewRomanPSMT"/>
-            </a:endParaRPr>
-          </a:p>
-          <a:p>
-            <a:r>
-              <a:rPr lang="en-US" sz="1200" dirty="0">
-                <a:latin typeface="TimesNewRomanPSMT"/>
-              </a:rPr>
-              <a:t>* </a:t>
-            </a:r>
-            <a:r>
-              <a:rPr lang="en-US" sz="1200" b="1" dirty="0">
-                <a:latin typeface="TimesNewRomanPSMT"/>
-              </a:rPr>
-              <a:t>ARM </a:t>
-            </a:r>
-            <a:r>
-              <a:rPr lang="en-US" sz="1200" b="1" dirty="0" err="1">
-                <a:latin typeface="TimesNewRomanPSMT"/>
-              </a:rPr>
-              <a:t>TrustZone</a:t>
-            </a:r>
-            <a:r>
-              <a:rPr lang="en-US" sz="1200" dirty="0">
-                <a:latin typeface="TimesNewRomanPSMT"/>
-              </a:rPr>
-              <a:t> technology enables the system to be partitioned between the Normal and Secure worlds. </a:t>
-            </a:r>
-          </a:p>
-          <a:p>
-            <a:endParaRPr lang="en-US" sz="900" dirty="0">
-              <a:latin typeface="TimesNewRomanPSMT"/>
-            </a:endParaRPr>
-          </a:p>
-          <a:p>
-            <a:r>
-              <a:rPr lang="en-US" sz="1200" dirty="0">
-                <a:latin typeface="TimesNewRomanPSMT"/>
-              </a:rPr>
-              <a:t>* ARMv8-A also provides support for </a:t>
-            </a:r>
-            <a:r>
-              <a:rPr lang="en-US" sz="1200" b="1" dirty="0">
-                <a:latin typeface="TimesNewRomanPSMT"/>
-              </a:rPr>
-              <a:t>virtualization</a:t>
-            </a:r>
-            <a:r>
-              <a:rPr lang="en-US" sz="1200" dirty="0">
-                <a:latin typeface="TimesNewRomanPSMT"/>
-              </a:rPr>
-              <a:t>, though only in the Normal world. </a:t>
-            </a:r>
-          </a:p>
-          <a:p>
-            <a:pPr marL="628650" lvl="1" indent="-171450">
-              <a:buFont typeface="Arial" panose="020B0604020202020204" pitchFamily="34" charset="0"/>
-              <a:buChar char="•"/>
-            </a:pPr>
-            <a:r>
-              <a:rPr lang="en-US" sz="1200" dirty="0">
-                <a:latin typeface="TimesNewRomanPSMT"/>
-              </a:rPr>
-              <a:t>This means that hypervisor, or </a:t>
-            </a:r>
-            <a:r>
-              <a:rPr lang="en-US" sz="1200" b="1" dirty="0">
-                <a:latin typeface="TimesNewRomanPSMT"/>
-              </a:rPr>
-              <a:t>Virtual Machine Manager (VMM) </a:t>
-            </a:r>
-            <a:r>
-              <a:rPr lang="en-US" sz="1200" dirty="0">
-                <a:latin typeface="TimesNewRomanPSMT"/>
-              </a:rPr>
-              <a:t>code can run on the system and</a:t>
-            </a:r>
-          </a:p>
-          <a:p>
-            <a:r>
-              <a:rPr lang="en-US" sz="1200" b="1" dirty="0">
-                <a:latin typeface="TimesNewRomanPSMT"/>
-              </a:rPr>
-              <a:t>host multiple guest operating systems</a:t>
-            </a:r>
-            <a:r>
-              <a:rPr lang="en-US" sz="1200" dirty="0">
-                <a:latin typeface="TimesNewRomanPSMT"/>
-              </a:rPr>
-              <a:t>.</a:t>
-            </a:r>
-          </a:p>
-        </p:txBody>
-      </p:sp>
-      <p:pic>
-        <p:nvPicPr>
-          <p:cNvPr id="3" name="Picture 2"/>
-          <p:cNvPicPr>
-            <a:picLocks noChangeAspect="1"/>
-          </p:cNvPicPr>
-          <p:nvPr/>
-        </p:nvPicPr>
-        <p:blipFill>
-          <a:blip r:embed="rId2"/>
-          <a:stretch>
-            <a:fillRect/>
-          </a:stretch>
-        </p:blipFill>
-        <p:spPr>
-          <a:xfrm>
-            <a:off x="1703765" y="3406868"/>
-            <a:ext cx="6133640" cy="3228976"/>
-          </a:xfrm>
-          <a:prstGeom prst="rect">
-            <a:avLst/>
-          </a:prstGeom>
-          <a:effectLst>
-            <a:outerShdw blurRad="63500" sx="102000" sy="102000" algn="ctr" rotWithShape="0">
-              <a:prstClr val="black">
-                <a:alpha val="40000"/>
-              </a:prstClr>
-            </a:outerShdw>
-          </a:effectLst>
-        </p:spPr>
-      </p:pic>
-      <p:sp>
-        <p:nvSpPr>
-          <p:cNvPr id="5" name="Rectangle: Rounded Corners 4"/>
-          <p:cNvSpPr/>
-          <p:nvPr/>
-        </p:nvSpPr>
-        <p:spPr>
-          <a:xfrm>
-            <a:off x="8229600" y="5389684"/>
-            <a:ext cx="2989384" cy="888023"/>
-          </a:xfrm>
-          <a:prstGeom prst="roundRect">
-            <a:avLst/>
-          </a:prstGeom>
-        </p:spPr>
-        <p:style>
-          <a:lnRef idx="2">
-            <a:schemeClr val="accent1">
-              <a:shade val="50000"/>
-            </a:schemeClr>
-          </a:lnRef>
-          <a:fillRef idx="1">
-            <a:schemeClr val="accent1"/>
-          </a:fillRef>
-          <a:effectRef idx="0">
-            <a:schemeClr val="accent1"/>
-          </a:effectRef>
-          <a:fontRef idx="minor">
-            <a:schemeClr val="lt1"/>
-          </a:fontRef>
-        </p:style>
-        <p:txBody>
-          <a:bodyPr rtlCol="0" anchor="ctr"/>
-          <a:lstStyle/>
-          <a:p>
-            <a:pPr algn="just"/>
-            <a:r>
-              <a:rPr lang="en-US" sz="1200" dirty="0">
-                <a:latin typeface="TimesNewRomanPSMT"/>
-              </a:rPr>
-              <a:t>In </a:t>
-            </a:r>
-            <a:r>
-              <a:rPr lang="en-US" sz="1200" b="1" dirty="0">
-                <a:solidFill>
-                  <a:schemeClr val="tx1"/>
-                </a:solidFill>
-                <a:latin typeface="TimesNewRomanPSMT"/>
-              </a:rPr>
-              <a:t>ARMv7-A</a:t>
-            </a:r>
-            <a:r>
-              <a:rPr lang="en-US" sz="1200" dirty="0">
-                <a:latin typeface="TimesNewRomanPSMT"/>
-              </a:rPr>
-              <a:t> architecture, the Secure monitor acts as a gateway for moving between the Normal and Secure worlds.</a:t>
-            </a:r>
-            <a:endParaRPr lang="en-US" sz="1200" dirty="0"/>
+              <a:t>Fundamentals of ARMv8</a:t>
+            </a:r>
+            <a:endParaRPr lang="en-US" dirty="0"/>
           </a:p>
         </p:txBody>
       </p:sp>
     </p:spTree>
     <p:extLst>
       <p:ext uri="{BB962C8B-B14F-4D97-AF65-F5344CB8AC3E}">
-        <p14:creationId xmlns:p14="http://schemas.microsoft.com/office/powerpoint/2010/main" val="2334802442"/>
+        <p14:creationId xmlns:p14="http://schemas.microsoft.com/office/powerpoint/2010/main" val="4005841578"/>
       </p:ext>
     </p:extLst>
   </p:cSld>
@@ -6655,1863 +6029,10 @@
           </a:p>
         </p:txBody>
       </p:sp>
-      <p:sp>
-        <p:nvSpPr>
-          <p:cNvPr id="2" name="Rectangle: Rounded Corners 1"/>
-          <p:cNvSpPr/>
-          <p:nvPr/>
-        </p:nvSpPr>
-        <p:spPr>
-          <a:xfrm>
-            <a:off x="4097215" y="940805"/>
-            <a:ext cx="2110154" cy="413238"/>
-          </a:xfrm>
-          <a:prstGeom prst="roundRect">
-            <a:avLst/>
-          </a:prstGeom>
-        </p:spPr>
-        <p:style>
-          <a:lnRef idx="2">
-            <a:schemeClr val="accent1">
-              <a:shade val="50000"/>
-            </a:schemeClr>
-          </a:lnRef>
-          <a:fillRef idx="1">
-            <a:schemeClr val="accent1"/>
-          </a:fillRef>
-          <a:effectRef idx="0">
-            <a:schemeClr val="accent1"/>
-          </a:effectRef>
-          <a:fontRef idx="minor">
-            <a:schemeClr val="lt1"/>
-          </a:fontRef>
-        </p:style>
-        <p:txBody>
-          <a:bodyPr rtlCol="0" anchor="ctr"/>
-          <a:lstStyle/>
-          <a:p>
-            <a:pPr algn="ctr"/>
-            <a:r>
-              <a:rPr lang="en-US" sz="1200" dirty="0"/>
-              <a:t>Execution States in ARMv8</a:t>
-            </a:r>
-          </a:p>
-        </p:txBody>
-      </p:sp>
-      <p:sp>
-        <p:nvSpPr>
-          <p:cNvPr id="5" name="Rectangle: Rounded Corners 4"/>
-          <p:cNvSpPr/>
-          <p:nvPr/>
-        </p:nvSpPr>
-        <p:spPr>
-          <a:xfrm>
-            <a:off x="1066800" y="1784783"/>
-            <a:ext cx="2110154" cy="413238"/>
-          </a:xfrm>
-          <a:prstGeom prst="roundRect">
-            <a:avLst/>
-          </a:prstGeom>
-        </p:spPr>
-        <p:style>
-          <a:lnRef idx="2">
-            <a:schemeClr val="accent1">
-              <a:shade val="50000"/>
-            </a:schemeClr>
-          </a:lnRef>
-          <a:fillRef idx="1">
-            <a:schemeClr val="accent1"/>
-          </a:fillRef>
-          <a:effectRef idx="0">
-            <a:schemeClr val="accent1"/>
-          </a:effectRef>
-          <a:fontRef idx="minor">
-            <a:schemeClr val="lt1"/>
-          </a:fontRef>
-        </p:style>
-        <p:txBody>
-          <a:bodyPr rtlCol="0" anchor="ctr"/>
-          <a:lstStyle/>
-          <a:p>
-            <a:pPr algn="ctr"/>
-            <a:r>
-              <a:rPr lang="en-US" sz="1200" dirty="0" err="1"/>
-              <a:t>Aarch</a:t>
-            </a:r>
-            <a:r>
-              <a:rPr lang="en-US" sz="1200" dirty="0"/>
-              <a:t> 64</a:t>
-            </a:r>
-          </a:p>
-          <a:p>
-            <a:pPr algn="ctr"/>
-            <a:r>
-              <a:rPr lang="en-US" sz="1000" dirty="0"/>
-              <a:t>[GPR 64bit]</a:t>
-            </a:r>
-          </a:p>
-        </p:txBody>
-      </p:sp>
-      <p:sp>
-        <p:nvSpPr>
-          <p:cNvPr id="6" name="Rectangle: Rounded Corners 5"/>
-          <p:cNvSpPr/>
-          <p:nvPr/>
-        </p:nvSpPr>
-        <p:spPr>
-          <a:xfrm>
-            <a:off x="6951077" y="1784783"/>
-            <a:ext cx="2110154" cy="413238"/>
-          </a:xfrm>
-          <a:prstGeom prst="roundRect">
-            <a:avLst/>
-          </a:prstGeom>
-        </p:spPr>
-        <p:style>
-          <a:lnRef idx="2">
-            <a:schemeClr val="accent1">
-              <a:shade val="50000"/>
-            </a:schemeClr>
-          </a:lnRef>
-          <a:fillRef idx="1">
-            <a:schemeClr val="accent1"/>
-          </a:fillRef>
-          <a:effectRef idx="0">
-            <a:schemeClr val="accent1"/>
-          </a:effectRef>
-          <a:fontRef idx="minor">
-            <a:schemeClr val="lt1"/>
-          </a:fontRef>
-        </p:style>
-        <p:txBody>
-          <a:bodyPr rtlCol="0" anchor="ctr"/>
-          <a:lstStyle/>
-          <a:p>
-            <a:pPr algn="ctr"/>
-            <a:r>
-              <a:rPr lang="en-US" sz="1200" dirty="0" err="1"/>
-              <a:t>Aarch</a:t>
-            </a:r>
-            <a:r>
-              <a:rPr lang="en-US" sz="1200" dirty="0"/>
-              <a:t> 32</a:t>
-            </a:r>
-          </a:p>
-          <a:p>
-            <a:pPr algn="ctr"/>
-            <a:r>
-              <a:rPr lang="en-US" sz="1000" dirty="0"/>
-              <a:t>[GPR 32bit]</a:t>
-            </a:r>
-            <a:endParaRPr lang="en-US" sz="1200" dirty="0"/>
-          </a:p>
-        </p:txBody>
-      </p:sp>
-      <p:cxnSp>
-        <p:nvCxnSpPr>
-          <p:cNvPr id="7" name="Straight Arrow Connector 6"/>
-          <p:cNvCxnSpPr>
-            <a:stCxn id="2" idx="1"/>
-            <a:endCxn id="5" idx="3"/>
-          </p:cNvCxnSpPr>
-          <p:nvPr/>
-        </p:nvCxnSpPr>
-        <p:spPr>
-          <a:xfrm flipH="1">
-            <a:off x="3176954" y="1147424"/>
-            <a:ext cx="920261" cy="843978"/>
-          </a:xfrm>
-          <a:prstGeom prst="straightConnector1">
-            <a:avLst/>
-          </a:prstGeom>
-          <a:ln>
-            <a:tailEnd type="triangle"/>
-          </a:ln>
-        </p:spPr>
-        <p:style>
-          <a:lnRef idx="1">
-            <a:schemeClr val="accent1"/>
-          </a:lnRef>
-          <a:fillRef idx="0">
-            <a:schemeClr val="accent1"/>
-          </a:fillRef>
-          <a:effectRef idx="0">
-            <a:schemeClr val="accent1"/>
-          </a:effectRef>
-          <a:fontRef idx="minor">
-            <a:schemeClr val="tx1"/>
-          </a:fontRef>
-        </p:style>
-      </p:cxnSp>
-      <p:cxnSp>
-        <p:nvCxnSpPr>
-          <p:cNvPr id="9" name="Straight Arrow Connector 8"/>
-          <p:cNvCxnSpPr>
-            <a:stCxn id="2" idx="3"/>
-            <a:endCxn id="6" idx="1"/>
-          </p:cNvCxnSpPr>
-          <p:nvPr/>
-        </p:nvCxnSpPr>
-        <p:spPr>
-          <a:xfrm>
-            <a:off x="6207369" y="1147424"/>
-            <a:ext cx="743708" cy="843978"/>
-          </a:xfrm>
-          <a:prstGeom prst="straightConnector1">
-            <a:avLst/>
-          </a:prstGeom>
-          <a:ln>
-            <a:tailEnd type="triangle"/>
-          </a:ln>
-        </p:spPr>
-        <p:style>
-          <a:lnRef idx="1">
-            <a:schemeClr val="accent1"/>
-          </a:lnRef>
-          <a:fillRef idx="0">
-            <a:schemeClr val="accent1"/>
-          </a:fillRef>
-          <a:effectRef idx="0">
-            <a:schemeClr val="accent1"/>
-          </a:effectRef>
-          <a:fontRef idx="minor">
-            <a:schemeClr val="tx1"/>
-          </a:fontRef>
-        </p:style>
-      </p:cxnSp>
-      <p:sp>
-        <p:nvSpPr>
-          <p:cNvPr id="14" name="Rectangle 13"/>
-          <p:cNvSpPr/>
-          <p:nvPr/>
-        </p:nvSpPr>
-        <p:spPr>
-          <a:xfrm>
-            <a:off x="9755065" y="156796"/>
-            <a:ext cx="2338754" cy="888023"/>
-          </a:xfrm>
-          <a:prstGeom prst="rect">
-            <a:avLst/>
-          </a:prstGeom>
-        </p:spPr>
-        <p:style>
-          <a:lnRef idx="2">
-            <a:schemeClr val="accent1">
-              <a:shade val="50000"/>
-            </a:schemeClr>
-          </a:lnRef>
-          <a:fillRef idx="1">
-            <a:schemeClr val="accent1"/>
-          </a:fillRef>
-          <a:effectRef idx="0">
-            <a:schemeClr val="accent1"/>
-          </a:effectRef>
-          <a:fontRef idx="minor">
-            <a:schemeClr val="lt1"/>
-          </a:fontRef>
-        </p:style>
-        <p:txBody>
-          <a:bodyPr rtlCol="0" anchor="ctr"/>
-          <a:lstStyle/>
-          <a:p>
-            <a:r>
-              <a:rPr lang="en-US" sz="1050" u="sng" dirty="0"/>
-              <a:t>Legends</a:t>
-            </a:r>
-            <a:r>
-              <a:rPr lang="en-US" sz="1050" dirty="0"/>
-              <a:t> : </a:t>
-            </a:r>
-          </a:p>
-          <a:p>
-            <a:endParaRPr lang="en-US" sz="1050" dirty="0"/>
-          </a:p>
-          <a:p>
-            <a:r>
-              <a:rPr lang="en-US" sz="1050" dirty="0"/>
-              <a:t>GPR – General Purpose Registers</a:t>
-            </a:r>
-          </a:p>
-        </p:txBody>
-      </p:sp>
-      <p:sp>
-        <p:nvSpPr>
-          <p:cNvPr id="15" name="TextBox 14"/>
-          <p:cNvSpPr txBox="1"/>
-          <p:nvPr/>
-        </p:nvSpPr>
-        <p:spPr>
-          <a:xfrm>
-            <a:off x="1107831" y="2727866"/>
-            <a:ext cx="2028092" cy="707886"/>
-          </a:xfrm>
-          <a:prstGeom prst="rect">
-            <a:avLst/>
-          </a:prstGeom>
-          <a:gradFill>
-            <a:gsLst>
-              <a:gs pos="0">
-                <a:schemeClr val="accent1">
-                  <a:lumMod val="5000"/>
-                  <a:lumOff val="95000"/>
-                </a:schemeClr>
-              </a:gs>
-              <a:gs pos="74000">
-                <a:schemeClr val="accent1">
-                  <a:lumMod val="45000"/>
-                  <a:lumOff val="55000"/>
-                </a:schemeClr>
-              </a:gs>
-              <a:gs pos="83000">
-                <a:schemeClr val="accent1">
-                  <a:lumMod val="45000"/>
-                  <a:lumOff val="55000"/>
-                </a:schemeClr>
-              </a:gs>
-              <a:gs pos="100000">
-                <a:schemeClr val="accent1">
-                  <a:lumMod val="30000"/>
-                  <a:lumOff val="70000"/>
-                </a:schemeClr>
-              </a:gs>
-            </a:gsLst>
-            <a:lin ang="5400000" scaled="1"/>
-          </a:gradFill>
-          <a:ln>
-            <a:solidFill>
-              <a:schemeClr val="accent1"/>
-            </a:solidFill>
-          </a:ln>
-          <a:effectLst>
-            <a:outerShdw blurRad="152400" dist="1612900" dir="5400000" sx="90000" sy="-19000" rotWithShape="0">
-              <a:prstClr val="black">
-                <a:alpha val="15000"/>
-              </a:prstClr>
-            </a:outerShdw>
-            <a:reflection blurRad="6350" stA="50000" endA="300" endPos="55500" dist="101600" dir="5400000" sy="-100000" algn="bl" rotWithShape="0"/>
-          </a:effectLst>
-        </p:spPr>
-        <p:txBody>
-          <a:bodyPr wrap="square" rtlCol="0">
-            <a:spAutoFit/>
-          </a:bodyPr>
-          <a:lstStyle>
-            <a:defPPr>
-              <a:defRPr lang="en-US"/>
-            </a:defPPr>
-            <a:lvl1pPr marL="171450" indent="-171450">
-              <a:buFont typeface="Arial" panose="020B0604020202020204" pitchFamily="34" charset="0"/>
-              <a:buChar char="•"/>
-              <a:defRPr sz="1000"/>
-            </a:lvl1pPr>
-          </a:lstStyle>
-          <a:p>
-            <a:r>
-              <a:rPr lang="en-US" dirty="0"/>
-              <a:t>Privilege level is determined by Exception Level (EL 0,1,2,3).</a:t>
-            </a:r>
-          </a:p>
-          <a:p>
-            <a:r>
-              <a:rPr lang="en-US" dirty="0"/>
-              <a:t>Executes A64 instruction set.</a:t>
-            </a:r>
-          </a:p>
-        </p:txBody>
-      </p:sp>
-      <p:sp>
-        <p:nvSpPr>
-          <p:cNvPr id="16" name="TextBox 15"/>
-          <p:cNvSpPr txBox="1"/>
-          <p:nvPr/>
-        </p:nvSpPr>
-        <p:spPr>
-          <a:xfrm>
-            <a:off x="6992108" y="2727866"/>
-            <a:ext cx="2028092" cy="861774"/>
-          </a:xfrm>
-          <a:prstGeom prst="rect">
-            <a:avLst/>
-          </a:prstGeom>
-          <a:gradFill>
-            <a:gsLst>
-              <a:gs pos="0">
-                <a:schemeClr val="accent1">
-                  <a:lumMod val="5000"/>
-                  <a:lumOff val="95000"/>
-                </a:schemeClr>
-              </a:gs>
-              <a:gs pos="74000">
-                <a:schemeClr val="accent1">
-                  <a:lumMod val="45000"/>
-                  <a:lumOff val="55000"/>
-                </a:schemeClr>
-              </a:gs>
-              <a:gs pos="83000">
-                <a:schemeClr val="accent1">
-                  <a:lumMod val="45000"/>
-                  <a:lumOff val="55000"/>
-                </a:schemeClr>
-              </a:gs>
-              <a:gs pos="100000">
-                <a:schemeClr val="accent1">
-                  <a:lumMod val="30000"/>
-                  <a:lumOff val="70000"/>
-                </a:schemeClr>
-              </a:gs>
-            </a:gsLst>
-            <a:lin ang="5400000" scaled="1"/>
-          </a:gradFill>
-          <a:ln>
-            <a:solidFill>
-              <a:schemeClr val="accent1"/>
-            </a:solidFill>
-          </a:ln>
-          <a:effectLst>
-            <a:outerShdw blurRad="152400" dist="1612900" dir="5400000" sx="90000" sy="-19000" rotWithShape="0">
-              <a:prstClr val="black">
-                <a:alpha val="15000"/>
-              </a:prstClr>
-            </a:outerShdw>
-            <a:reflection blurRad="6350" stA="50000" endA="300" endPos="55500" dist="101600" dir="5400000" sy="-100000" algn="bl" rotWithShape="0"/>
-          </a:effectLst>
-        </p:spPr>
-        <p:txBody>
-          <a:bodyPr wrap="square" rtlCol="0">
-            <a:spAutoFit/>
-          </a:bodyPr>
-          <a:lstStyle/>
-          <a:p>
-            <a:pPr marL="171450" indent="-171450">
-              <a:buFont typeface="Arial" panose="020B0604020202020204" pitchFamily="34" charset="0"/>
-              <a:buChar char="•"/>
-            </a:pPr>
-            <a:r>
-              <a:rPr lang="en-US" sz="1000" dirty="0"/>
-              <a:t>Retains ARMv7 definitions of </a:t>
-            </a:r>
-            <a:r>
-              <a:rPr lang="en-US" sz="1000" dirty="0" err="1"/>
-              <a:t>priviledge</a:t>
-            </a:r>
-            <a:r>
-              <a:rPr lang="en-US" sz="1000" dirty="0"/>
-              <a:t>.</a:t>
-            </a:r>
-          </a:p>
-          <a:p>
-            <a:pPr marL="171450" indent="-171450">
-              <a:buFont typeface="Arial" panose="020B0604020202020204" pitchFamily="34" charset="0"/>
-              <a:buChar char="•"/>
-            </a:pPr>
-            <a:r>
-              <a:rPr lang="en-US" sz="1000" dirty="0"/>
-              <a:t>Executes either A32 (aka ARM) or T32 (Thumb) instruction sets.</a:t>
-            </a:r>
-          </a:p>
-        </p:txBody>
-      </p:sp>
-      <p:cxnSp>
-        <p:nvCxnSpPr>
-          <p:cNvPr id="18" name="Straight Connector 17"/>
-          <p:cNvCxnSpPr>
-            <a:stCxn id="5" idx="2"/>
-            <a:endCxn id="15" idx="0"/>
-          </p:cNvCxnSpPr>
-          <p:nvPr/>
-        </p:nvCxnSpPr>
-        <p:spPr>
-          <a:xfrm>
-            <a:off x="2121877" y="2198021"/>
-            <a:ext cx="0" cy="529845"/>
-          </a:xfrm>
-          <a:prstGeom prst="line">
-            <a:avLst/>
-          </a:prstGeom>
-          <a:ln w="31750"/>
-        </p:spPr>
-        <p:style>
-          <a:lnRef idx="1">
-            <a:schemeClr val="accent2"/>
-          </a:lnRef>
-          <a:fillRef idx="0">
-            <a:schemeClr val="accent2"/>
-          </a:fillRef>
-          <a:effectRef idx="0">
-            <a:schemeClr val="accent2"/>
-          </a:effectRef>
-          <a:fontRef idx="minor">
-            <a:schemeClr val="tx1"/>
-          </a:fontRef>
-        </p:style>
-      </p:cxnSp>
-      <p:cxnSp>
-        <p:nvCxnSpPr>
-          <p:cNvPr id="20" name="Straight Connector 19"/>
-          <p:cNvCxnSpPr>
-            <a:stCxn id="6" idx="2"/>
-            <a:endCxn id="16" idx="0"/>
-          </p:cNvCxnSpPr>
-          <p:nvPr/>
-        </p:nvCxnSpPr>
-        <p:spPr>
-          <a:xfrm>
-            <a:off x="8006154" y="2198021"/>
-            <a:ext cx="0" cy="529845"/>
-          </a:xfrm>
-          <a:prstGeom prst="line">
-            <a:avLst/>
-          </a:prstGeom>
-          <a:ln w="31750"/>
-        </p:spPr>
-        <p:style>
-          <a:lnRef idx="1">
-            <a:schemeClr val="accent2"/>
-          </a:lnRef>
-          <a:fillRef idx="0">
-            <a:schemeClr val="accent2"/>
-          </a:fillRef>
-          <a:effectRef idx="0">
-            <a:schemeClr val="accent2"/>
-          </a:effectRef>
-          <a:fontRef idx="minor">
-            <a:schemeClr val="tx1"/>
-          </a:fontRef>
-        </p:style>
-      </p:cxnSp>
-      <p:pic>
-        <p:nvPicPr>
-          <p:cNvPr id="21" name="Picture 20"/>
-          <p:cNvPicPr>
-            <a:picLocks noChangeAspect="1"/>
-          </p:cNvPicPr>
-          <p:nvPr/>
-        </p:nvPicPr>
-        <p:blipFill>
-          <a:blip r:embed="rId2"/>
-          <a:stretch>
-            <a:fillRect/>
-          </a:stretch>
-        </p:blipFill>
-        <p:spPr>
-          <a:xfrm>
-            <a:off x="168281" y="3965597"/>
-            <a:ext cx="4356094" cy="2543314"/>
-          </a:xfrm>
-          <a:prstGeom prst="rect">
-            <a:avLst/>
-          </a:prstGeom>
-          <a:effectLst>
-            <a:outerShdw blurRad="63500" sx="102000" sy="102000" algn="ctr" rotWithShape="0">
-              <a:prstClr val="black">
-                <a:alpha val="40000"/>
-              </a:prstClr>
-            </a:outerShdw>
-          </a:effectLst>
-        </p:spPr>
-      </p:pic>
-      <p:pic>
-        <p:nvPicPr>
-          <p:cNvPr id="22" name="Picture 21"/>
-          <p:cNvPicPr>
-            <a:picLocks noChangeAspect="1"/>
-          </p:cNvPicPr>
-          <p:nvPr/>
-        </p:nvPicPr>
-        <p:blipFill>
-          <a:blip r:embed="rId3"/>
-          <a:stretch>
-            <a:fillRect/>
-          </a:stretch>
-        </p:blipFill>
-        <p:spPr>
-          <a:xfrm>
-            <a:off x="5700239" y="3965597"/>
-            <a:ext cx="4611829" cy="2543314"/>
-          </a:xfrm>
-          <a:prstGeom prst="rect">
-            <a:avLst/>
-          </a:prstGeom>
-          <a:effectLst>
-            <a:outerShdw blurRad="63500" sx="102000" sy="102000" algn="ctr" rotWithShape="0">
-              <a:prstClr val="black">
-                <a:alpha val="40000"/>
-              </a:prstClr>
-            </a:outerShdw>
-          </a:effectLst>
-        </p:spPr>
-      </p:pic>
-      <p:cxnSp>
-        <p:nvCxnSpPr>
-          <p:cNvPr id="24" name="Straight Connector 23"/>
-          <p:cNvCxnSpPr/>
-          <p:nvPr/>
-        </p:nvCxnSpPr>
-        <p:spPr>
-          <a:xfrm>
-            <a:off x="5152292" y="1883888"/>
-            <a:ext cx="0" cy="4625023"/>
-          </a:xfrm>
-          <a:prstGeom prst="line">
-            <a:avLst/>
-          </a:prstGeom>
-          <a:ln w="34925"/>
-        </p:spPr>
-        <p:style>
-          <a:lnRef idx="1">
-            <a:schemeClr val="dk1"/>
-          </a:lnRef>
-          <a:fillRef idx="0">
-            <a:schemeClr val="dk1"/>
-          </a:fillRef>
-          <a:effectRef idx="0">
-            <a:schemeClr val="dk1"/>
-          </a:effectRef>
-          <a:fontRef idx="minor">
-            <a:schemeClr val="tx1"/>
-          </a:fontRef>
-        </p:style>
-      </p:cxnSp>
     </p:spTree>
     <p:extLst>
       <p:ext uri="{BB962C8B-B14F-4D97-AF65-F5344CB8AC3E}">
-        <p14:creationId xmlns:p14="http://schemas.microsoft.com/office/powerpoint/2010/main" val="2880313637"/>
-      </p:ext>
-    </p:extLst>
-  </p:cSld>
-  <p:clrMapOvr>
-    <a:masterClrMapping/>
-  </p:clrMapOvr>
-</p:sld>
-</file>
-
-<file path=ppt/slides/slide5.xml><?xml version="1.0" encoding="utf-8"?>
-<p:sld xmlns:a="http://schemas.openxmlformats.org/drawingml/2006/main" xmlns:r="http://schemas.openxmlformats.org/officeDocument/2006/relationships" xmlns:p="http://schemas.openxmlformats.org/presentationml/2006/main">
-  <p:cSld>
-    <p:spTree>
-      <p:nvGrpSpPr>
-        <p:cNvPr id="1" name=""/>
-        <p:cNvGrpSpPr/>
-        <p:nvPr/>
-      </p:nvGrpSpPr>
-      <p:grpSpPr>
-        <a:xfrm>
-          <a:off x="0" y="0"/>
-          <a:ext cx="0" cy="0"/>
-          <a:chOff x="0" y="0"/>
-          <a:chExt cx="0" cy="0"/>
-        </a:xfrm>
-      </p:grpSpPr>
-      <p:sp>
-        <p:nvSpPr>
-          <p:cNvPr id="4" name="Rectangle 3"/>
-          <p:cNvSpPr/>
-          <p:nvPr/>
-        </p:nvSpPr>
-        <p:spPr>
-          <a:xfrm>
-            <a:off x="265286" y="316496"/>
-            <a:ext cx="9010599" cy="369332"/>
-          </a:xfrm>
-          <a:prstGeom prst="rect">
-            <a:avLst/>
-          </a:prstGeom>
-        </p:spPr>
-        <p:txBody>
-          <a:bodyPr wrap="square">
-            <a:spAutoFit/>
-          </a:bodyPr>
-          <a:lstStyle/>
-          <a:p>
-            <a:r>
-              <a:rPr lang="en-US" b="1" dirty="0">
-                <a:latin typeface="Arial-BoldMT"/>
-              </a:rPr>
-              <a:t>Fundamentals of ARMv8 – Changing Exception Levels in ARMv7</a:t>
-            </a:r>
-            <a:endParaRPr lang="en-US" dirty="0"/>
-          </a:p>
-        </p:txBody>
-      </p:sp>
-      <p:sp>
-        <p:nvSpPr>
-          <p:cNvPr id="2" name="Rectangle 1"/>
-          <p:cNvSpPr/>
-          <p:nvPr/>
-        </p:nvSpPr>
-        <p:spPr>
-          <a:xfrm>
-            <a:off x="265286" y="942928"/>
-            <a:ext cx="6096000" cy="246221"/>
-          </a:xfrm>
-          <a:prstGeom prst="rect">
-            <a:avLst/>
-          </a:prstGeom>
-        </p:spPr>
-        <p:txBody>
-          <a:bodyPr>
-            <a:spAutoFit/>
-          </a:bodyPr>
-          <a:lstStyle/>
-          <a:p>
-            <a:pPr marL="171450" indent="-171450">
-              <a:buFont typeface="Arial" panose="020B0604020202020204" pitchFamily="34" charset="0"/>
-              <a:buChar char="•"/>
-            </a:pPr>
-            <a:r>
-              <a:rPr lang="en-US" sz="1000" dirty="0">
-                <a:latin typeface="Trebuchet MS (Body)"/>
-              </a:rPr>
-              <a:t>In the ARMv7 architecture, the processor mode can change under privileged software control.</a:t>
-            </a:r>
-          </a:p>
-        </p:txBody>
-      </p:sp>
-      <p:sp>
-        <p:nvSpPr>
-          <p:cNvPr id="3" name="Rectangle 2"/>
-          <p:cNvSpPr/>
-          <p:nvPr/>
-        </p:nvSpPr>
-        <p:spPr>
-          <a:xfrm>
-            <a:off x="265286" y="1246194"/>
-            <a:ext cx="10065676" cy="246221"/>
-          </a:xfrm>
-          <a:prstGeom prst="rect">
-            <a:avLst/>
-          </a:prstGeom>
-        </p:spPr>
-        <p:txBody>
-          <a:bodyPr wrap="square">
-            <a:spAutoFit/>
-          </a:bodyPr>
-          <a:lstStyle/>
-          <a:p>
-            <a:pPr marL="171450" indent="-171450">
-              <a:buFont typeface="Arial" panose="020B0604020202020204" pitchFamily="34" charset="0"/>
-              <a:buChar char="•"/>
-            </a:pPr>
-            <a:r>
-              <a:rPr lang="en-US" sz="1000" dirty="0">
-                <a:latin typeface="Trebuchet MS (Body)"/>
-              </a:rPr>
-              <a:t>When an exception occurs, the core saves the current execution state and the return address, enters the required mode, and possibly disables hardware interrupts.</a:t>
-            </a:r>
-          </a:p>
-        </p:txBody>
-      </p:sp>
-      <p:sp>
-        <p:nvSpPr>
-          <p:cNvPr id="5" name="Rectangle 4"/>
-          <p:cNvSpPr/>
-          <p:nvPr/>
-        </p:nvSpPr>
-        <p:spPr>
-          <a:xfrm>
-            <a:off x="265286" y="2531954"/>
-            <a:ext cx="4212888" cy="2554545"/>
-          </a:xfrm>
-          <a:prstGeom prst="rect">
-            <a:avLst/>
-          </a:prstGeom>
-        </p:spPr>
-        <p:txBody>
-          <a:bodyPr wrap="square">
-            <a:spAutoFit/>
-          </a:bodyPr>
-          <a:lstStyle/>
-          <a:p>
-            <a:r>
-              <a:rPr lang="en-US" sz="1000" u="sng" dirty="0">
-                <a:latin typeface="Trebuchet MS (Body)"/>
-              </a:rPr>
-              <a:t>:: </a:t>
-            </a:r>
-            <a:r>
-              <a:rPr lang="en-US" sz="1000" b="1" u="sng" dirty="0">
-                <a:latin typeface="Trebuchet MS (Body)"/>
-              </a:rPr>
-              <a:t>Sub-Systems and associated Privilege levels</a:t>
-            </a:r>
-            <a:r>
-              <a:rPr lang="en-US" sz="1000" b="1" dirty="0">
-                <a:latin typeface="Trebuchet MS (Body)"/>
-              </a:rPr>
-              <a:t> ::</a:t>
-            </a:r>
-          </a:p>
-          <a:p>
-            <a:endParaRPr lang="en-US" sz="1000" b="1" dirty="0">
-              <a:latin typeface="Trebuchet MS (Body)"/>
-            </a:endParaRPr>
-          </a:p>
-          <a:p>
-            <a:r>
-              <a:rPr lang="en-US" sz="1000" b="1" dirty="0">
-                <a:latin typeface="Trebuchet MS (Body)"/>
-              </a:rPr>
-              <a:t>Applications </a:t>
-            </a:r>
-            <a:r>
-              <a:rPr lang="en-US" sz="1000" dirty="0">
-                <a:latin typeface="Trebuchet MS (Body)"/>
-              </a:rPr>
-              <a:t>[PL0]	</a:t>
-            </a:r>
-          </a:p>
-          <a:p>
-            <a:pPr marL="171450" indent="-171450">
-              <a:buFont typeface="Arial" panose="020B0604020202020204" pitchFamily="34" charset="0"/>
-              <a:buChar char="•"/>
-            </a:pPr>
-            <a:r>
-              <a:rPr lang="en-US" sz="1000" dirty="0">
-                <a:latin typeface="Trebuchet MS (Body)"/>
-              </a:rPr>
-              <a:t>Unprivileged mode, lowest level of privilege. </a:t>
-            </a:r>
-          </a:p>
-          <a:p>
-            <a:endParaRPr lang="en-US" sz="1000" b="1" dirty="0">
-              <a:latin typeface="Trebuchet MS (Body)"/>
-            </a:endParaRPr>
-          </a:p>
-          <a:p>
-            <a:endParaRPr lang="en-US" sz="1000" b="1" dirty="0">
-              <a:latin typeface="Trebuchet MS (Body)"/>
-            </a:endParaRPr>
-          </a:p>
-          <a:p>
-            <a:r>
-              <a:rPr lang="en-US" sz="1000" b="1" dirty="0">
-                <a:latin typeface="Trebuchet MS (Body)"/>
-              </a:rPr>
-              <a:t>Operating systems</a:t>
-            </a:r>
-            <a:r>
-              <a:rPr lang="en-US" sz="1000" dirty="0">
-                <a:latin typeface="Trebuchet MS (Body)"/>
-              </a:rPr>
-              <a:t> [PL1] </a:t>
-            </a:r>
-          </a:p>
-          <a:p>
-            <a:endParaRPr lang="en-US" sz="1000" dirty="0">
-              <a:latin typeface="Trebuchet MS (Body)"/>
-            </a:endParaRPr>
-          </a:p>
-          <a:p>
-            <a:endParaRPr lang="en-US" sz="1000" dirty="0">
-              <a:latin typeface="Trebuchet MS (Body)"/>
-            </a:endParaRPr>
-          </a:p>
-          <a:p>
-            <a:r>
-              <a:rPr lang="en-US" sz="1000" b="1" dirty="0">
-                <a:latin typeface="Trebuchet MS (Body)"/>
-              </a:rPr>
-              <a:t>Hypervisor</a:t>
-            </a:r>
-            <a:r>
-              <a:rPr lang="en-US" sz="1000" dirty="0">
-                <a:latin typeface="Trebuchet MS (Body)"/>
-              </a:rPr>
-              <a:t> [PL2]	</a:t>
-            </a:r>
-          </a:p>
-          <a:p>
-            <a:pPr marL="171450" indent="-171450">
-              <a:buFont typeface="Arial" panose="020B0604020202020204" pitchFamily="34" charset="0"/>
-              <a:buChar char="•"/>
-            </a:pPr>
-            <a:r>
-              <a:rPr lang="en-US" sz="1000" dirty="0">
-                <a:latin typeface="Trebuchet MS (Body)"/>
-              </a:rPr>
-              <a:t>with the Virtualization extensions</a:t>
-            </a:r>
-          </a:p>
-          <a:p>
-            <a:endParaRPr lang="en-US" sz="1000" dirty="0">
-              <a:latin typeface="Trebuchet MS (Body)"/>
-            </a:endParaRPr>
-          </a:p>
-          <a:p>
-            <a:endParaRPr lang="en-US" sz="1000" dirty="0">
-              <a:latin typeface="Trebuchet MS (Body)"/>
-            </a:endParaRPr>
-          </a:p>
-          <a:p>
-            <a:r>
-              <a:rPr lang="en-US" sz="1000" b="1" dirty="0">
-                <a:latin typeface="Trebuchet MS (Body)"/>
-              </a:rPr>
-              <a:t>Secure monitor</a:t>
-            </a:r>
-            <a:r>
-              <a:rPr lang="en-US" sz="1000" dirty="0">
-                <a:latin typeface="Trebuchet MS (Body)"/>
-              </a:rPr>
-              <a:t> [PL1]	</a:t>
-            </a:r>
-          </a:p>
-          <a:p>
-            <a:pPr marL="171450" indent="-171450">
-              <a:buFont typeface="Arial" panose="020B0604020202020204" pitchFamily="34" charset="0"/>
-              <a:buChar char="•"/>
-            </a:pPr>
-            <a:r>
-              <a:rPr lang="en-US" sz="1000" dirty="0">
-                <a:latin typeface="Trebuchet MS (Body)"/>
-              </a:rPr>
-              <a:t>Acts as a gateway for moving between the Secure and Non-secure (Normal) worlds)</a:t>
-            </a:r>
-          </a:p>
-        </p:txBody>
-      </p:sp>
-      <p:pic>
-        <p:nvPicPr>
-          <p:cNvPr id="7" name="Picture 6"/>
-          <p:cNvPicPr>
-            <a:picLocks noChangeAspect="1"/>
-          </p:cNvPicPr>
-          <p:nvPr/>
-        </p:nvPicPr>
-        <p:blipFill>
-          <a:blip r:embed="rId2"/>
-          <a:stretch>
-            <a:fillRect/>
-          </a:stretch>
-        </p:blipFill>
-        <p:spPr>
-          <a:xfrm>
-            <a:off x="4692764" y="1762005"/>
-            <a:ext cx="7231643" cy="4852456"/>
-          </a:xfrm>
-          <a:prstGeom prst="rect">
-            <a:avLst/>
-          </a:prstGeom>
-          <a:effectLst>
-            <a:outerShdw blurRad="63500" sx="102000" sy="102000" algn="ctr" rotWithShape="0">
-              <a:prstClr val="black">
-                <a:alpha val="40000"/>
-              </a:prstClr>
-            </a:outerShdw>
-          </a:effectLst>
-        </p:spPr>
-      </p:pic>
-    </p:spTree>
-    <p:extLst>
-      <p:ext uri="{BB962C8B-B14F-4D97-AF65-F5344CB8AC3E}">
-        <p14:creationId xmlns:p14="http://schemas.microsoft.com/office/powerpoint/2010/main" val="2275306505"/>
-      </p:ext>
-    </p:extLst>
-  </p:cSld>
-  <p:clrMapOvr>
-    <a:masterClrMapping/>
-  </p:clrMapOvr>
-</p:sld>
-</file>
-
-<file path=ppt/slides/slide6.xml><?xml version="1.0" encoding="utf-8"?>
-<p:sld xmlns:a="http://schemas.openxmlformats.org/drawingml/2006/main" xmlns:r="http://schemas.openxmlformats.org/officeDocument/2006/relationships" xmlns:p="http://schemas.openxmlformats.org/presentationml/2006/main">
-  <p:cSld>
-    <p:spTree>
-      <p:nvGrpSpPr>
-        <p:cNvPr id="1" name=""/>
-        <p:cNvGrpSpPr/>
-        <p:nvPr/>
-      </p:nvGrpSpPr>
-      <p:grpSpPr>
-        <a:xfrm>
-          <a:off x="0" y="0"/>
-          <a:ext cx="0" cy="0"/>
-          <a:chOff x="0" y="0"/>
-          <a:chExt cx="0" cy="0"/>
-        </a:xfrm>
-      </p:grpSpPr>
-      <p:sp>
-        <p:nvSpPr>
-          <p:cNvPr id="4" name="Rectangle 3"/>
-          <p:cNvSpPr/>
-          <p:nvPr/>
-        </p:nvSpPr>
-        <p:spPr>
-          <a:xfrm>
-            <a:off x="265286" y="316496"/>
-            <a:ext cx="9010599" cy="369332"/>
-          </a:xfrm>
-          <a:prstGeom prst="rect">
-            <a:avLst/>
-          </a:prstGeom>
-        </p:spPr>
-        <p:txBody>
-          <a:bodyPr wrap="square">
-            <a:spAutoFit/>
-          </a:bodyPr>
-          <a:lstStyle/>
-          <a:p>
-            <a:r>
-              <a:rPr lang="en-US" b="1" dirty="0">
-                <a:latin typeface="Arial-BoldMT"/>
-              </a:rPr>
-              <a:t>Fundamentals of ARMv8 – Exception Levels in ARMv7</a:t>
-            </a:r>
-            <a:endParaRPr lang="en-US" dirty="0"/>
-          </a:p>
-        </p:txBody>
-      </p:sp>
-      <p:sp>
-        <p:nvSpPr>
-          <p:cNvPr id="2" name="Rectangle 1"/>
-          <p:cNvSpPr/>
-          <p:nvPr/>
-        </p:nvSpPr>
-        <p:spPr>
-          <a:xfrm>
-            <a:off x="265286" y="942928"/>
-            <a:ext cx="6096000" cy="246221"/>
-          </a:xfrm>
-          <a:prstGeom prst="rect">
-            <a:avLst/>
-          </a:prstGeom>
-        </p:spPr>
-        <p:txBody>
-          <a:bodyPr>
-            <a:spAutoFit/>
-          </a:bodyPr>
-          <a:lstStyle/>
-          <a:p>
-            <a:pPr marL="171450" indent="-171450">
-              <a:buFont typeface="Arial" panose="020B0604020202020204" pitchFamily="34" charset="0"/>
-              <a:buChar char="•"/>
-            </a:pPr>
-            <a:r>
-              <a:rPr lang="en-US" sz="1000" dirty="0">
-                <a:latin typeface="Trebuchet MS (Body)"/>
-              </a:rPr>
-              <a:t>Privilege Level Table in previous slide summarized as a block diagram below </a:t>
-            </a:r>
-          </a:p>
-        </p:txBody>
-      </p:sp>
-      <p:pic>
-        <p:nvPicPr>
-          <p:cNvPr id="8" name="Picture 7"/>
-          <p:cNvPicPr>
-            <a:picLocks noChangeAspect="1"/>
-          </p:cNvPicPr>
-          <p:nvPr/>
-        </p:nvPicPr>
-        <p:blipFill>
-          <a:blip r:embed="rId2"/>
-          <a:stretch>
-            <a:fillRect/>
-          </a:stretch>
-        </p:blipFill>
-        <p:spPr>
-          <a:xfrm>
-            <a:off x="3039537" y="1446249"/>
-            <a:ext cx="4429125" cy="5172075"/>
-          </a:xfrm>
-          <a:prstGeom prst="rect">
-            <a:avLst/>
-          </a:prstGeom>
-          <a:effectLst>
-            <a:outerShdw blurRad="63500" sx="102000" sy="102000" algn="ctr" rotWithShape="0">
-              <a:prstClr val="black">
-                <a:alpha val="40000"/>
-              </a:prstClr>
-            </a:outerShdw>
-          </a:effectLst>
-        </p:spPr>
-      </p:pic>
-    </p:spTree>
-    <p:extLst>
-      <p:ext uri="{BB962C8B-B14F-4D97-AF65-F5344CB8AC3E}">
-        <p14:creationId xmlns:p14="http://schemas.microsoft.com/office/powerpoint/2010/main" val="2553256882"/>
-      </p:ext>
-    </p:extLst>
-  </p:cSld>
-  <p:clrMapOvr>
-    <a:masterClrMapping/>
-  </p:clrMapOvr>
-</p:sld>
-</file>
-
-<file path=ppt/slides/slide7.xml><?xml version="1.0" encoding="utf-8"?>
-<p:sld xmlns:a="http://schemas.openxmlformats.org/drawingml/2006/main" xmlns:r="http://schemas.openxmlformats.org/officeDocument/2006/relationships" xmlns:p="http://schemas.openxmlformats.org/presentationml/2006/main">
-  <p:cSld>
-    <p:spTree>
-      <p:nvGrpSpPr>
-        <p:cNvPr id="1" name=""/>
-        <p:cNvGrpSpPr/>
-        <p:nvPr/>
-      </p:nvGrpSpPr>
-      <p:grpSpPr>
-        <a:xfrm>
-          <a:off x="0" y="0"/>
-          <a:ext cx="0" cy="0"/>
-          <a:chOff x="0" y="0"/>
-          <a:chExt cx="0" cy="0"/>
-        </a:xfrm>
-      </p:grpSpPr>
-      <p:sp>
-        <p:nvSpPr>
-          <p:cNvPr id="4" name="Rectangle 3"/>
-          <p:cNvSpPr/>
-          <p:nvPr/>
-        </p:nvSpPr>
-        <p:spPr>
-          <a:xfrm>
-            <a:off x="265286" y="316496"/>
-            <a:ext cx="9010599" cy="369332"/>
-          </a:xfrm>
-          <a:prstGeom prst="rect">
-            <a:avLst/>
-          </a:prstGeom>
-        </p:spPr>
-        <p:txBody>
-          <a:bodyPr wrap="square">
-            <a:spAutoFit/>
-          </a:bodyPr>
-          <a:lstStyle/>
-          <a:p>
-            <a:r>
-              <a:rPr lang="en-US" b="1" dirty="0">
-                <a:latin typeface="Arial-BoldMT"/>
-              </a:rPr>
-              <a:t>Fundamentals of ARMv8 – Exception Levels in ARMv8</a:t>
-            </a:r>
-            <a:endParaRPr lang="en-US" dirty="0"/>
-          </a:p>
-        </p:txBody>
-      </p:sp>
-      <p:sp>
-        <p:nvSpPr>
-          <p:cNvPr id="3" name="Rectangle 2"/>
-          <p:cNvSpPr/>
-          <p:nvPr/>
-        </p:nvSpPr>
-        <p:spPr>
-          <a:xfrm>
-            <a:off x="265285" y="890719"/>
-            <a:ext cx="11583003" cy="553998"/>
-          </a:xfrm>
-          <a:prstGeom prst="rect">
-            <a:avLst/>
-          </a:prstGeom>
-        </p:spPr>
-        <p:txBody>
-          <a:bodyPr>
-            <a:spAutoFit/>
-          </a:bodyPr>
-          <a:lstStyle/>
-          <a:p>
-            <a:pPr marL="171450" indent="-171450">
-              <a:buFont typeface="Arial" panose="020B0604020202020204" pitchFamily="34" charset="0"/>
-              <a:buChar char="•"/>
-            </a:pPr>
-            <a:r>
-              <a:rPr lang="en-US" sz="1000" dirty="0">
-                <a:latin typeface="Trebuchet MS (Body)"/>
-              </a:rPr>
-              <a:t>In AArch64, the processor modes are mapped onto the Exception levels as in </a:t>
-            </a:r>
-            <a:r>
-              <a:rPr lang="en-US" sz="1000" dirty="0">
-                <a:solidFill>
-                  <a:srgbClr val="00B0F0"/>
-                </a:solidFill>
-                <a:latin typeface="Trebuchet MS (Body)"/>
-              </a:rPr>
-              <a:t>Figure 3-6</a:t>
-            </a:r>
-            <a:r>
-              <a:rPr lang="en-US" sz="1000" dirty="0">
-                <a:latin typeface="Trebuchet MS (Body)"/>
-              </a:rPr>
-              <a:t>. </a:t>
-            </a:r>
-          </a:p>
-          <a:p>
-            <a:pPr marL="171450" indent="-171450">
-              <a:buFont typeface="Arial" panose="020B0604020202020204" pitchFamily="34" charset="0"/>
-              <a:buChar char="•"/>
-            </a:pPr>
-            <a:endParaRPr lang="en-US" sz="1000" dirty="0">
-              <a:latin typeface="Trebuchet MS (Body)"/>
-            </a:endParaRPr>
-          </a:p>
-          <a:p>
-            <a:pPr marL="171450" indent="-171450">
-              <a:buFont typeface="Arial" panose="020B0604020202020204" pitchFamily="34" charset="0"/>
-              <a:buChar char="•"/>
-            </a:pPr>
-            <a:r>
-              <a:rPr lang="en-US" sz="1000" dirty="0">
-                <a:latin typeface="Trebuchet MS (Body)"/>
-              </a:rPr>
-              <a:t>Like ARMv7 (AArch32) when an exception is taken, the processor changes to the Exception level (mode) that supports the handling of the exception.</a:t>
-            </a:r>
-          </a:p>
-        </p:txBody>
-      </p:sp>
-      <p:pic>
-        <p:nvPicPr>
-          <p:cNvPr id="5" name="Picture 4"/>
-          <p:cNvPicPr>
-            <a:picLocks noChangeAspect="1"/>
-          </p:cNvPicPr>
-          <p:nvPr/>
-        </p:nvPicPr>
-        <p:blipFill>
-          <a:blip r:embed="rId2"/>
-          <a:stretch>
-            <a:fillRect/>
-          </a:stretch>
-        </p:blipFill>
-        <p:spPr>
-          <a:xfrm>
-            <a:off x="1097290" y="1517849"/>
-            <a:ext cx="7346589" cy="3361587"/>
-          </a:xfrm>
-          <a:prstGeom prst="rect">
-            <a:avLst/>
-          </a:prstGeom>
-          <a:effectLst>
-            <a:outerShdw blurRad="63500" sx="102000" sy="102000" algn="ctr" rotWithShape="0">
-              <a:prstClr val="black">
-                <a:alpha val="40000"/>
-              </a:prstClr>
-            </a:outerShdw>
-          </a:effectLst>
-        </p:spPr>
-      </p:pic>
-      <p:sp>
-        <p:nvSpPr>
-          <p:cNvPr id="6" name="TextBox 5"/>
-          <p:cNvSpPr txBox="1"/>
-          <p:nvPr/>
-        </p:nvSpPr>
-        <p:spPr>
-          <a:xfrm>
-            <a:off x="265285" y="5452900"/>
-            <a:ext cx="10267568" cy="1354217"/>
-          </a:xfrm>
-          <a:prstGeom prst="rect">
-            <a:avLst/>
-          </a:prstGeom>
-          <a:gradFill>
-            <a:gsLst>
-              <a:gs pos="0">
-                <a:schemeClr val="accent1">
-                  <a:lumMod val="5000"/>
-                  <a:lumOff val="95000"/>
-                </a:schemeClr>
-              </a:gs>
-              <a:gs pos="74000">
-                <a:schemeClr val="accent1">
-                  <a:lumMod val="45000"/>
-                  <a:lumOff val="55000"/>
-                </a:schemeClr>
-              </a:gs>
-              <a:gs pos="83000">
-                <a:schemeClr val="accent1">
-                  <a:lumMod val="45000"/>
-                  <a:lumOff val="55000"/>
-                </a:schemeClr>
-              </a:gs>
-              <a:gs pos="100000">
-                <a:schemeClr val="accent1">
-                  <a:lumMod val="30000"/>
-                  <a:lumOff val="70000"/>
-                </a:schemeClr>
-              </a:gs>
-            </a:gsLst>
-            <a:lin ang="5400000" scaled="1"/>
-          </a:gradFill>
-          <a:effectLst>
-            <a:outerShdw blurRad="63500" sx="102000" sy="102000" algn="ctr" rotWithShape="0">
-              <a:prstClr val="black">
-                <a:alpha val="40000"/>
-              </a:prstClr>
-            </a:outerShdw>
-          </a:effectLst>
-        </p:spPr>
-        <p:txBody>
-          <a:bodyPr wrap="square">
-            <a:spAutoFit/>
-          </a:bodyPr>
-          <a:lstStyle>
-            <a:defPPr>
-              <a:defRPr lang="en-US"/>
-            </a:defPPr>
-            <a:lvl1pPr marL="171450" indent="-171450">
-              <a:buFont typeface="Arial" panose="020B0604020202020204" pitchFamily="34" charset="0"/>
-              <a:buChar char="•"/>
-              <a:defRPr sz="1000">
-                <a:latin typeface="Trebuchet MS (Body)"/>
-              </a:defRPr>
-            </a:lvl1pPr>
-          </a:lstStyle>
-          <a:p>
-            <a:pPr marL="0" indent="0">
-              <a:buNone/>
-            </a:pPr>
-            <a:r>
-              <a:rPr lang="en-US" sz="1200" dirty="0">
-                <a:solidFill>
-                  <a:schemeClr val="accent2"/>
-                </a:solidFill>
-              </a:rPr>
-              <a:t>Exception Level Hopping rule(s)</a:t>
-            </a:r>
-          </a:p>
-          <a:p>
-            <a:pPr marL="742950" lvl="1" indent="-285750">
-              <a:buFont typeface="Wingdings" panose="05000000000000000000" pitchFamily="2" charset="2"/>
-              <a:buChar char="q"/>
-            </a:pPr>
-            <a:r>
-              <a:rPr lang="en-US" sz="1000" dirty="0"/>
-              <a:t>Moves to a higher Exception level, (say EL0 </a:t>
-            </a:r>
-            <a:r>
-              <a:rPr lang="en-US" sz="1000" dirty="0">
-                <a:sym typeface="Wingdings" panose="05000000000000000000" pitchFamily="2" charset="2"/>
-              </a:rPr>
-              <a:t></a:t>
-            </a:r>
-            <a:r>
-              <a:rPr lang="en-US" sz="1000" dirty="0"/>
-              <a:t> EL1), indicate increased software execution privilege.</a:t>
-            </a:r>
-          </a:p>
-          <a:p>
-            <a:pPr marL="742950" lvl="1" indent="-285750">
-              <a:buFont typeface="Wingdings" panose="05000000000000000000" pitchFamily="2" charset="2"/>
-              <a:buChar char="q"/>
-            </a:pPr>
-            <a:r>
-              <a:rPr lang="en-US" sz="1000" dirty="0"/>
-              <a:t>exception cannot be taken to a lower Exception level.</a:t>
-            </a:r>
-          </a:p>
-          <a:p>
-            <a:pPr marL="742950" lvl="1" indent="-285750">
-              <a:buFont typeface="Wingdings" panose="05000000000000000000" pitchFamily="2" charset="2"/>
-              <a:buChar char="q"/>
-            </a:pPr>
-            <a:r>
-              <a:rPr lang="en-US" sz="1000" dirty="0"/>
-              <a:t>There is no exception handling at level EL0, exceptions must be handled at a higher Exception level.</a:t>
-            </a:r>
-          </a:p>
-          <a:p>
-            <a:pPr marL="742950" lvl="1" indent="-285750">
-              <a:buFont typeface="Wingdings" panose="05000000000000000000" pitchFamily="2" charset="2"/>
-              <a:buChar char="q"/>
-            </a:pPr>
-            <a:r>
-              <a:rPr lang="en-US" sz="1000" dirty="0"/>
-              <a:t>Execution of an exception handler starts, at an Exception level higher than EL0, from a defined vector that relates to the exception taken.</a:t>
-            </a:r>
-          </a:p>
-          <a:p>
-            <a:pPr marL="742950" lvl="1" indent="-285750">
-              <a:buFont typeface="Wingdings" panose="05000000000000000000" pitchFamily="2" charset="2"/>
-              <a:buChar char="q"/>
-            </a:pPr>
-            <a:r>
-              <a:rPr lang="en-US" sz="1000" dirty="0"/>
-              <a:t>Ending exception handling and returning to the previous Exception level is performed by executing the </a:t>
-            </a:r>
-            <a:r>
-              <a:rPr lang="en-US" sz="1000" b="1" dirty="0">
-                <a:solidFill>
-                  <a:schemeClr val="accent2"/>
-                </a:solidFill>
-              </a:rPr>
-              <a:t>ERET</a:t>
-            </a:r>
-            <a:r>
-              <a:rPr lang="en-US" sz="1000" dirty="0"/>
-              <a:t> instruction</a:t>
-            </a:r>
-          </a:p>
-          <a:p>
-            <a:pPr marL="742950" lvl="1" indent="-285750">
-              <a:buFont typeface="Wingdings" panose="05000000000000000000" pitchFamily="2" charset="2"/>
-              <a:buChar char="q"/>
-            </a:pPr>
-            <a:r>
-              <a:rPr lang="en-US" sz="1000" dirty="0">
-                <a:latin typeface="+mn-lt"/>
-              </a:rPr>
-              <a:t>Returning from an exception can stay at the same Exception level or enter a lower Exception level. (except when retuning from EL3 to a Non-secure state.) </a:t>
-            </a:r>
-          </a:p>
-          <a:p>
-            <a:endParaRPr lang="en-US" dirty="0"/>
-          </a:p>
-        </p:txBody>
-      </p:sp>
-      <p:sp>
-        <p:nvSpPr>
-          <p:cNvPr id="7" name="Rectangle: Rounded Corners 6"/>
-          <p:cNvSpPr/>
-          <p:nvPr/>
-        </p:nvSpPr>
-        <p:spPr>
-          <a:xfrm>
-            <a:off x="8902460" y="3011626"/>
-            <a:ext cx="2764673" cy="1958195"/>
-          </a:xfrm>
-          <a:prstGeom prst="roundRect">
-            <a:avLst/>
-          </a:prstGeom>
-        </p:spPr>
-        <p:style>
-          <a:lnRef idx="2">
-            <a:schemeClr val="accent1">
-              <a:shade val="50000"/>
-            </a:schemeClr>
-          </a:lnRef>
-          <a:fillRef idx="1">
-            <a:schemeClr val="accent1"/>
-          </a:fillRef>
-          <a:effectRef idx="0">
-            <a:schemeClr val="accent1"/>
-          </a:effectRef>
-          <a:fontRef idx="minor">
-            <a:schemeClr val="lt1"/>
-          </a:fontRef>
-        </p:style>
-        <p:txBody>
-          <a:bodyPr rtlCol="0" anchor="ctr"/>
-          <a:lstStyle/>
-          <a:p>
-            <a:r>
-              <a:rPr lang="en-US" sz="1100" u="sng" dirty="0"/>
-              <a:t>Sources of Exception Level Hopping</a:t>
-            </a:r>
-          </a:p>
-          <a:p>
-            <a:endParaRPr lang="en-US" sz="1000" dirty="0"/>
-          </a:p>
-          <a:p>
-            <a:r>
-              <a:rPr lang="en-US" sz="1000" dirty="0"/>
-              <a:t>— Memory system aborts. </a:t>
-            </a:r>
-          </a:p>
-          <a:p>
-            <a:r>
-              <a:rPr lang="en-US" sz="1000" dirty="0"/>
-              <a:t>— Interrupts such as IRQ and FIQ.</a:t>
-            </a:r>
-          </a:p>
-          <a:p>
-            <a:r>
-              <a:rPr lang="en-US" sz="1000" dirty="0"/>
-              <a:t>— Undefined instructions.</a:t>
-            </a:r>
-          </a:p>
-          <a:p>
-            <a:r>
-              <a:rPr lang="en-US" sz="1000" dirty="0"/>
-              <a:t>— System calls. These permit unprivileged software to make a system call to an operating system.</a:t>
-            </a:r>
-          </a:p>
-          <a:p>
-            <a:r>
-              <a:rPr lang="en-US" sz="1000" dirty="0"/>
-              <a:t>— Secure monitor or hypervisor traps.</a:t>
-            </a:r>
-          </a:p>
-        </p:txBody>
-      </p:sp>
-    </p:spTree>
-    <p:extLst>
-      <p:ext uri="{BB962C8B-B14F-4D97-AF65-F5344CB8AC3E}">
-        <p14:creationId xmlns:p14="http://schemas.microsoft.com/office/powerpoint/2010/main" val="3400132291"/>
-      </p:ext>
-    </p:extLst>
-  </p:cSld>
-  <p:clrMapOvr>
-    <a:masterClrMapping/>
-  </p:clrMapOvr>
-</p:sld>
-</file>
-
-<file path=ppt/slides/slide8.xml><?xml version="1.0" encoding="utf-8"?>
-<p:sld xmlns:a="http://schemas.openxmlformats.org/drawingml/2006/main" xmlns:r="http://schemas.openxmlformats.org/officeDocument/2006/relationships" xmlns:p="http://schemas.openxmlformats.org/presentationml/2006/main">
-  <p:cSld>
-    <p:spTree>
-      <p:nvGrpSpPr>
-        <p:cNvPr id="1" name=""/>
-        <p:cNvGrpSpPr/>
-        <p:nvPr/>
-      </p:nvGrpSpPr>
-      <p:grpSpPr>
-        <a:xfrm>
-          <a:off x="0" y="0"/>
-          <a:ext cx="0" cy="0"/>
-          <a:chOff x="0" y="0"/>
-          <a:chExt cx="0" cy="0"/>
-        </a:xfrm>
-      </p:grpSpPr>
-      <p:sp>
-        <p:nvSpPr>
-          <p:cNvPr id="4" name="Rectangle 3"/>
-          <p:cNvSpPr/>
-          <p:nvPr/>
-        </p:nvSpPr>
-        <p:spPr>
-          <a:xfrm>
-            <a:off x="265286" y="316496"/>
-            <a:ext cx="9010599" cy="369332"/>
-          </a:xfrm>
-          <a:prstGeom prst="rect">
-            <a:avLst/>
-          </a:prstGeom>
-        </p:spPr>
-        <p:txBody>
-          <a:bodyPr wrap="square">
-            <a:spAutoFit/>
-          </a:bodyPr>
-          <a:lstStyle/>
-          <a:p>
-            <a:r>
-              <a:rPr lang="en-US" b="1" dirty="0">
-                <a:latin typeface="Arial-BoldMT"/>
-              </a:rPr>
-              <a:t>Fundamentals of ARMv8 – Changing Execution State</a:t>
-            </a:r>
-            <a:endParaRPr lang="en-US" dirty="0"/>
-          </a:p>
-        </p:txBody>
-      </p:sp>
-      <p:sp>
-        <p:nvSpPr>
-          <p:cNvPr id="2" name="Rectangle 1"/>
-          <p:cNvSpPr/>
-          <p:nvPr/>
-        </p:nvSpPr>
-        <p:spPr>
-          <a:xfrm>
-            <a:off x="265285" y="933164"/>
-            <a:ext cx="10897295" cy="861774"/>
-          </a:xfrm>
-          <a:prstGeom prst="rect">
-            <a:avLst/>
-          </a:prstGeom>
-          <a:gradFill>
-            <a:gsLst>
-              <a:gs pos="0">
-                <a:schemeClr val="accent1">
-                  <a:lumMod val="5000"/>
-                  <a:lumOff val="95000"/>
-                </a:schemeClr>
-              </a:gs>
-              <a:gs pos="74000">
-                <a:schemeClr val="accent1">
-                  <a:lumMod val="45000"/>
-                  <a:lumOff val="55000"/>
-                </a:schemeClr>
-              </a:gs>
-              <a:gs pos="83000">
-                <a:schemeClr val="accent1">
-                  <a:lumMod val="45000"/>
-                  <a:lumOff val="55000"/>
-                </a:schemeClr>
-              </a:gs>
-              <a:gs pos="100000">
-                <a:schemeClr val="accent1">
-                  <a:lumMod val="30000"/>
-                  <a:lumOff val="70000"/>
-                </a:schemeClr>
-              </a:gs>
-            </a:gsLst>
-            <a:lin ang="5400000" scaled="1"/>
-          </a:gradFill>
-          <a:effectLst>
-            <a:outerShdw blurRad="63500" sx="102000" sy="102000" algn="ctr" rotWithShape="0">
-              <a:prstClr val="black">
-                <a:alpha val="40000"/>
-              </a:prstClr>
-            </a:outerShdw>
-          </a:effectLst>
-        </p:spPr>
-        <p:txBody>
-          <a:bodyPr wrap="square">
-            <a:spAutoFit/>
-          </a:bodyPr>
-          <a:lstStyle/>
-          <a:p>
-            <a:r>
-              <a:rPr lang="en-US" sz="1400" b="1" u="sng" dirty="0" err="1">
-                <a:latin typeface="TimesNewRomanPSMT"/>
-              </a:rPr>
-              <a:t>Usecase</a:t>
-            </a:r>
-            <a:r>
-              <a:rPr lang="en-US" sz="1400" b="1" dirty="0">
-                <a:latin typeface="TimesNewRomanPSMT"/>
-              </a:rPr>
-              <a:t> : </a:t>
-            </a:r>
-          </a:p>
-          <a:p>
-            <a:pPr marL="171450" indent="-171450">
-              <a:buFont typeface="Arial" panose="020B0604020202020204" pitchFamily="34" charset="0"/>
-              <a:buChar char="•"/>
-            </a:pPr>
-            <a:r>
-              <a:rPr lang="en-US" sz="1200" dirty="0">
-                <a:latin typeface="TimesNewRomanPSMT"/>
-              </a:rPr>
-              <a:t>There are times when you must change the execution state of your system. </a:t>
-            </a:r>
-          </a:p>
-          <a:p>
-            <a:pPr marL="171450" indent="-171450">
-              <a:buFont typeface="Arial" panose="020B0604020202020204" pitchFamily="34" charset="0"/>
-              <a:buChar char="•"/>
-            </a:pPr>
-            <a:r>
-              <a:rPr lang="en-US" sz="1200" dirty="0">
-                <a:latin typeface="TimesNewRomanPSMT"/>
-              </a:rPr>
-              <a:t>Lets suppose, you are running a 64-bit operating system, and want to run a 32-bit application at EL0. </a:t>
-            </a:r>
-          </a:p>
-          <a:p>
-            <a:pPr marL="171450" indent="-171450">
-              <a:buFont typeface="Arial" panose="020B0604020202020204" pitchFamily="34" charset="0"/>
-              <a:buChar char="•"/>
-            </a:pPr>
-            <a:r>
-              <a:rPr lang="en-US" sz="1200" dirty="0">
-                <a:latin typeface="TimesNewRomanPSMT"/>
-              </a:rPr>
-              <a:t>To do this, the system must change to AArch32. When the application has completed or execution returns to the OS, the system can switch back to AArch64.</a:t>
-            </a:r>
-            <a:endParaRPr lang="en-US" sz="1200" dirty="0"/>
-          </a:p>
-        </p:txBody>
-      </p:sp>
-      <p:pic>
-        <p:nvPicPr>
-          <p:cNvPr id="5" name="Picture 4"/>
-          <p:cNvPicPr>
-            <a:picLocks noChangeAspect="1"/>
-          </p:cNvPicPr>
-          <p:nvPr/>
-        </p:nvPicPr>
-        <p:blipFill>
-          <a:blip r:embed="rId2"/>
-          <a:stretch>
-            <a:fillRect/>
-          </a:stretch>
-        </p:blipFill>
-        <p:spPr>
-          <a:xfrm>
-            <a:off x="1871932" y="1958196"/>
-            <a:ext cx="7001688" cy="3124839"/>
-          </a:xfrm>
-          <a:prstGeom prst="rect">
-            <a:avLst/>
-          </a:prstGeom>
-          <a:effectLst>
-            <a:outerShdw blurRad="63500" sx="102000" sy="102000" algn="ctr" rotWithShape="0">
-              <a:prstClr val="black">
-                <a:alpha val="40000"/>
-              </a:prstClr>
-            </a:outerShdw>
-          </a:effectLst>
-        </p:spPr>
-      </p:pic>
-      <p:sp>
-        <p:nvSpPr>
-          <p:cNvPr id="6" name="Rectangle 5"/>
-          <p:cNvSpPr/>
-          <p:nvPr/>
-        </p:nvSpPr>
-        <p:spPr>
-          <a:xfrm>
-            <a:off x="187647" y="5337108"/>
-            <a:ext cx="10897295" cy="1384995"/>
-          </a:xfrm>
-          <a:prstGeom prst="rect">
-            <a:avLst/>
-          </a:prstGeom>
-          <a:gradFill>
-            <a:gsLst>
-              <a:gs pos="0">
-                <a:schemeClr val="accent1">
-                  <a:lumMod val="5000"/>
-                  <a:lumOff val="95000"/>
-                </a:schemeClr>
-              </a:gs>
-              <a:gs pos="74000">
-                <a:schemeClr val="accent1">
-                  <a:lumMod val="45000"/>
-                  <a:lumOff val="55000"/>
-                </a:schemeClr>
-              </a:gs>
-              <a:gs pos="83000">
-                <a:schemeClr val="accent1">
-                  <a:lumMod val="45000"/>
-                  <a:lumOff val="55000"/>
-                </a:schemeClr>
-              </a:gs>
-              <a:gs pos="100000">
-                <a:schemeClr val="accent1">
-                  <a:lumMod val="30000"/>
-                  <a:lumOff val="70000"/>
-                </a:schemeClr>
-              </a:gs>
-            </a:gsLst>
-            <a:lin ang="5400000" scaled="1"/>
-          </a:gradFill>
-          <a:effectLst>
-            <a:outerShdw blurRad="63500" sx="102000" sy="102000" algn="ctr" rotWithShape="0">
-              <a:prstClr val="black">
-                <a:alpha val="40000"/>
-              </a:prstClr>
-            </a:outerShdw>
-          </a:effectLst>
-        </p:spPr>
-        <p:txBody>
-          <a:bodyPr wrap="square">
-            <a:spAutoFit/>
-          </a:bodyPr>
-          <a:lstStyle/>
-          <a:p>
-            <a:r>
-              <a:rPr lang="en-US" sz="1200" b="1" u="sng" dirty="0">
-                <a:latin typeface="TimesNewRomanPSMT"/>
-              </a:rPr>
-              <a:t>Method : </a:t>
-            </a:r>
-          </a:p>
-          <a:p>
-            <a:r>
-              <a:rPr lang="en-US" sz="1200" dirty="0">
-                <a:latin typeface="Trebuchet MS (Body)"/>
-              </a:rPr>
-              <a:t>To change between execution states at the same Exception level, you have to switch to a higher Exception level then return to the original Exception level. </a:t>
-            </a:r>
-          </a:p>
-          <a:p>
-            <a:endParaRPr lang="en-US" sz="1200" dirty="0">
-              <a:latin typeface="Trebuchet MS (Body)"/>
-            </a:endParaRPr>
-          </a:p>
-          <a:p>
-            <a:r>
-              <a:rPr lang="en-US" sz="1200" dirty="0">
-                <a:latin typeface="Trebuchet MS (Body)"/>
-              </a:rPr>
-              <a:t>For example, you might have 32-bit and 64-bit applications running under a 64-bit OS. </a:t>
-            </a:r>
-          </a:p>
-          <a:p>
-            <a:endParaRPr lang="en-US" sz="1200" dirty="0">
-              <a:latin typeface="Trebuchet MS (Body)"/>
-            </a:endParaRPr>
-          </a:p>
-          <a:p>
-            <a:r>
-              <a:rPr lang="en-US" sz="1200" dirty="0">
-                <a:latin typeface="Trebuchet MS (Body)"/>
-              </a:rPr>
-              <a:t>In this case, the 32-bit application can execute and generate a Supervisor Call (SVC) instruction, or receive an interrupt, causing a switch to EL1 and AArch64</a:t>
-            </a:r>
-            <a:r>
-              <a:rPr lang="en-US" sz="1200" dirty="0">
-                <a:latin typeface="TimesNewRomanPSMT"/>
-              </a:rPr>
-              <a:t>. </a:t>
-            </a:r>
-            <a:r>
-              <a:rPr lang="en-US" sz="1200" dirty="0"/>
-              <a:t>The OS can then do a task switch and return to EL0 in AArch64.</a:t>
-            </a:r>
-            <a:endParaRPr lang="en-US" sz="1000" dirty="0">
-              <a:latin typeface="TimesNewRomanPSMT"/>
-            </a:endParaRPr>
-          </a:p>
-        </p:txBody>
-      </p:sp>
-    </p:spTree>
-    <p:extLst>
-      <p:ext uri="{BB962C8B-B14F-4D97-AF65-F5344CB8AC3E}">
-        <p14:creationId xmlns:p14="http://schemas.microsoft.com/office/powerpoint/2010/main" val="67241938"/>
-      </p:ext>
-    </p:extLst>
-  </p:cSld>
-  <p:clrMapOvr>
-    <a:masterClrMapping/>
-  </p:clrMapOvr>
-</p:sld>
-</file>
-
-<file path=ppt/slides/slide9.xml><?xml version="1.0" encoding="utf-8"?>
-<p:sld xmlns:a="http://schemas.openxmlformats.org/drawingml/2006/main" xmlns:r="http://schemas.openxmlformats.org/officeDocument/2006/relationships" xmlns:p="http://schemas.openxmlformats.org/presentationml/2006/main">
-  <p:cSld>
-    <p:spTree>
-      <p:nvGrpSpPr>
-        <p:cNvPr id="1" name=""/>
-        <p:cNvGrpSpPr/>
-        <p:nvPr/>
-      </p:nvGrpSpPr>
-      <p:grpSpPr>
-        <a:xfrm>
-          <a:off x="0" y="0"/>
-          <a:ext cx="0" cy="0"/>
-          <a:chOff x="0" y="0"/>
-          <a:chExt cx="0" cy="0"/>
-        </a:xfrm>
-      </p:grpSpPr>
-      <p:sp>
-        <p:nvSpPr>
-          <p:cNvPr id="4" name="Rectangle 3"/>
-          <p:cNvSpPr/>
-          <p:nvPr/>
-        </p:nvSpPr>
-        <p:spPr>
-          <a:xfrm>
-            <a:off x="265286" y="316496"/>
-            <a:ext cx="9010599" cy="369332"/>
-          </a:xfrm>
-          <a:prstGeom prst="rect">
-            <a:avLst/>
-          </a:prstGeom>
-        </p:spPr>
-        <p:txBody>
-          <a:bodyPr wrap="square">
-            <a:spAutoFit/>
-          </a:bodyPr>
-          <a:lstStyle/>
-          <a:p>
-            <a:r>
-              <a:rPr lang="en-US" b="1" dirty="0">
-                <a:latin typeface="Arial-BoldMT"/>
-              </a:rPr>
-              <a:t>Fundamentals of ARMv8</a:t>
-            </a:r>
-            <a:endParaRPr lang="en-US" dirty="0"/>
-          </a:p>
-        </p:txBody>
-      </p:sp>
-    </p:spTree>
-    <p:extLst>
-      <p:ext uri="{BB962C8B-B14F-4D97-AF65-F5344CB8AC3E}">
-        <p14:creationId xmlns:p14="http://schemas.microsoft.com/office/powerpoint/2010/main" val="647475373"/>
+        <p14:creationId xmlns:p14="http://schemas.microsoft.com/office/powerpoint/2010/main" val="500158562"/>
       </p:ext>
     </p:extLst>
   </p:cSld>

--- a/Presentations/ARM_PPTs/Ch4_ARMv8_Registers.pptx
+++ b/Presentations/ARM_PPTs/Ch4_ARMv8_Registers.pptx
@@ -838,7 +838,7 @@
             <a:fld id="{B61BEF0D-F0BB-DE4B-95CE-6DB70DBA9567}" type="datetimeFigureOut">
               <a:rPr lang="en-US" dirty="0"/>
               <a:pPr/>
-              <a:t>5/18/2017</a:t>
+              <a:t>5/26/2017</a:t>
             </a:fld>
             <a:endParaRPr lang="en-US" dirty="0"/>
           </a:p>
@@ -1086,7 +1086,7 @@
             <a:fld id="{B61BEF0D-F0BB-DE4B-95CE-6DB70DBA9567}" type="datetimeFigureOut">
               <a:rPr lang="en-US" dirty="0"/>
               <a:pPr/>
-              <a:t>5/18/2017</a:t>
+              <a:t>5/26/2017</a:t>
             </a:fld>
             <a:endParaRPr lang="en-US" dirty="0"/>
           </a:p>
@@ -1397,7 +1397,7 @@
             <a:fld id="{B61BEF0D-F0BB-DE4B-95CE-6DB70DBA9567}" type="datetimeFigureOut">
               <a:rPr lang="en-US" dirty="0"/>
               <a:pPr/>
-              <a:t>5/18/2017</a:t>
+              <a:t>5/26/2017</a:t>
             </a:fld>
             <a:endParaRPr lang="en-US" dirty="0"/>
           </a:p>
@@ -1735,7 +1735,7 @@
             <a:fld id="{B61BEF0D-F0BB-DE4B-95CE-6DB70DBA9567}" type="datetimeFigureOut">
               <a:rPr lang="en-US" dirty="0"/>
               <a:pPr/>
-              <a:t>5/18/2017</a:t>
+              <a:t>5/26/2017</a:t>
             </a:fld>
             <a:endParaRPr lang="en-US" dirty="0"/>
           </a:p>
@@ -2046,7 +2046,7 @@
             <a:fld id="{B61BEF0D-F0BB-DE4B-95CE-6DB70DBA9567}" type="datetimeFigureOut">
               <a:rPr lang="en-US" dirty="0"/>
               <a:pPr/>
-              <a:t>5/18/2017</a:t>
+              <a:t>5/26/2017</a:t>
             </a:fld>
             <a:endParaRPr lang="en-US" dirty="0"/>
           </a:p>
@@ -2436,7 +2436,7 @@
             <a:fld id="{B61BEF0D-F0BB-DE4B-95CE-6DB70DBA9567}" type="datetimeFigureOut">
               <a:rPr lang="en-US" dirty="0"/>
               <a:pPr/>
-              <a:t>5/18/2017</a:t>
+              <a:t>5/26/2017</a:t>
             </a:fld>
             <a:endParaRPr lang="en-US" dirty="0"/>
           </a:p>
@@ -2602,7 +2602,7 @@
           <a:p>
             <a:fld id="{55C6B4A9-1611-4792-9094-5F34BCA07E0B}" type="datetimeFigureOut">
               <a:rPr lang="en-US" dirty="0"/>
-              <a:t>5/18/2017</a:t>
+              <a:t>5/26/2017</a:t>
             </a:fld>
             <a:endParaRPr lang="en-US" dirty="0"/>
           </a:p>
@@ -2778,7 +2778,7 @@
             <a:fld id="{B61BEF0D-F0BB-DE4B-95CE-6DB70DBA9567}" type="datetimeFigureOut">
               <a:rPr lang="en-US" dirty="0"/>
               <a:pPr/>
-              <a:t>5/18/2017</a:t>
+              <a:t>5/26/2017</a:t>
             </a:fld>
             <a:endParaRPr lang="en-US" dirty="0"/>
           </a:p>
@@ -2951,7 +2951,7 @@
             <a:fld id="{B61BEF0D-F0BB-DE4B-95CE-6DB70DBA9567}" type="datetimeFigureOut">
               <a:rPr lang="en-US" dirty="0"/>
               <a:pPr/>
-              <a:t>5/18/2017</a:t>
+              <a:t>5/26/2017</a:t>
             </a:fld>
             <a:endParaRPr lang="en-US" dirty="0"/>
           </a:p>
@@ -3195,7 +3195,7 @@
             <a:fld id="{B61BEF0D-F0BB-DE4B-95CE-6DB70DBA9567}" type="datetimeFigureOut">
               <a:rPr lang="en-US" dirty="0"/>
               <a:pPr/>
-              <a:t>5/18/2017</a:t>
+              <a:t>5/26/2017</a:t>
             </a:fld>
             <a:endParaRPr lang="en-US" dirty="0"/>
           </a:p>
@@ -3423,7 +3423,7 @@
           <a:p>
             <a:fld id="{EB712588-04B1-427B-82EE-E8DB90309F08}" type="datetimeFigureOut">
               <a:rPr lang="en-US" dirty="0"/>
-              <a:t>5/18/2017</a:t>
+              <a:t>5/26/2017</a:t>
             </a:fld>
             <a:endParaRPr lang="en-US" dirty="0"/>
           </a:p>
@@ -3793,7 +3793,7 @@
             <a:fld id="{B61BEF0D-F0BB-DE4B-95CE-6DB70DBA9567}" type="datetimeFigureOut">
               <a:rPr lang="en-US" dirty="0"/>
               <a:pPr/>
-              <a:t>5/18/2017</a:t>
+              <a:t>5/26/2017</a:t>
             </a:fld>
             <a:endParaRPr lang="en-US" dirty="0"/>
           </a:p>
@@ -3913,7 +3913,7 @@
             <a:fld id="{B61BEF0D-F0BB-DE4B-95CE-6DB70DBA9567}" type="datetimeFigureOut">
               <a:rPr lang="en-US" dirty="0"/>
               <a:pPr/>
-              <a:t>5/18/2017</a:t>
+              <a:t>5/26/2017</a:t>
             </a:fld>
             <a:endParaRPr lang="en-US" dirty="0"/>
           </a:p>
@@ -4005,7 +4005,7 @@
             <a:fld id="{B61BEF0D-F0BB-DE4B-95CE-6DB70DBA9567}" type="datetimeFigureOut">
               <a:rPr lang="en-US" dirty="0"/>
               <a:pPr/>
-              <a:t>5/18/2017</a:t>
+              <a:t>5/26/2017</a:t>
             </a:fld>
             <a:endParaRPr lang="en-US" dirty="0"/>
           </a:p>
@@ -4256,7 +4256,7 @@
           <a:p>
             <a:fld id="{42A54C80-263E-416B-A8E0-580EDEADCBDC}" type="datetimeFigureOut">
               <a:rPr lang="en-US" dirty="0"/>
-              <a:t>5/18/2017</a:t>
+              <a:t>5/26/2017</a:t>
             </a:fld>
             <a:endParaRPr lang="en-US" dirty="0"/>
           </a:p>
@@ -4515,7 +4515,7 @@
             <a:fld id="{B61BEF0D-F0BB-DE4B-95CE-6DB70DBA9567}" type="datetimeFigureOut">
               <a:rPr lang="en-US" dirty="0"/>
               <a:pPr/>
-              <a:t>5/18/2017</a:t>
+              <a:t>5/26/2017</a:t>
             </a:fld>
             <a:endParaRPr lang="en-US" dirty="0"/>
           </a:p>
@@ -5255,7 +5255,7 @@
             <a:fld id="{B61BEF0D-F0BB-DE4B-95CE-6DB70DBA9567}" type="datetimeFigureOut">
               <a:rPr lang="en-US" dirty="0"/>
               <a:pPr/>
-              <a:t>5/18/2017</a:t>
+              <a:t>5/26/2017</a:t>
             </a:fld>
             <a:endParaRPr lang="en-US" dirty="0"/>
           </a:p>
@@ -5785,7 +5785,12 @@
             <p:ph type="ctrTitle"/>
           </p:nvPr>
         </p:nvSpPr>
-        <p:spPr/>
+        <p:spPr>
+          <a:xfrm>
+            <a:off x="1542236" y="2404534"/>
+            <a:ext cx="7766936" cy="1646302"/>
+          </a:xfrm>
+        </p:spPr>
         <p:txBody>
           <a:bodyPr/>
           <a:lstStyle/>
@@ -5798,12 +5803,6 @@
             <a:br>
               <a:rPr lang="en-US" dirty="0"/>
             </a:br>
-            <a:r>
-              <a:rPr lang="en-US" b="1" dirty="0">
-                <a:latin typeface="Arial-BoldMT"/>
-              </a:rPr>
-              <a:t>Core Architecture  + </a:t>
-            </a:r>
             <a:r>
               <a:rPr lang="en-US" dirty="0"/>
               <a:t>Registers</a:t>

--- a/Presentations/ARM_PPTs/Ch4_ARMv8_Registers.pptx
+++ b/Presentations/ARM_PPTs/Ch4_ARMv8_Registers.pptx
@@ -838,7 +838,7 @@
             <a:fld id="{B61BEF0D-F0BB-DE4B-95CE-6DB70DBA9567}" type="datetimeFigureOut">
               <a:rPr lang="en-US" dirty="0"/>
               <a:pPr/>
-              <a:t>5/26/2017</a:t>
+              <a:t>6/3/2017</a:t>
             </a:fld>
             <a:endParaRPr lang="en-US" dirty="0"/>
           </a:p>
@@ -1086,7 +1086,7 @@
             <a:fld id="{B61BEF0D-F0BB-DE4B-95CE-6DB70DBA9567}" type="datetimeFigureOut">
               <a:rPr lang="en-US" dirty="0"/>
               <a:pPr/>
-              <a:t>5/26/2017</a:t>
+              <a:t>6/3/2017</a:t>
             </a:fld>
             <a:endParaRPr lang="en-US" dirty="0"/>
           </a:p>
@@ -1397,7 +1397,7 @@
             <a:fld id="{B61BEF0D-F0BB-DE4B-95CE-6DB70DBA9567}" type="datetimeFigureOut">
               <a:rPr lang="en-US" dirty="0"/>
               <a:pPr/>
-              <a:t>5/26/2017</a:t>
+              <a:t>6/3/2017</a:t>
             </a:fld>
             <a:endParaRPr lang="en-US" dirty="0"/>
           </a:p>
@@ -1735,7 +1735,7 @@
             <a:fld id="{B61BEF0D-F0BB-DE4B-95CE-6DB70DBA9567}" type="datetimeFigureOut">
               <a:rPr lang="en-US" dirty="0"/>
               <a:pPr/>
-              <a:t>5/26/2017</a:t>
+              <a:t>6/3/2017</a:t>
             </a:fld>
             <a:endParaRPr lang="en-US" dirty="0"/>
           </a:p>
@@ -2046,7 +2046,7 @@
             <a:fld id="{B61BEF0D-F0BB-DE4B-95CE-6DB70DBA9567}" type="datetimeFigureOut">
               <a:rPr lang="en-US" dirty="0"/>
               <a:pPr/>
-              <a:t>5/26/2017</a:t>
+              <a:t>6/3/2017</a:t>
             </a:fld>
             <a:endParaRPr lang="en-US" dirty="0"/>
           </a:p>
@@ -2436,7 +2436,7 @@
             <a:fld id="{B61BEF0D-F0BB-DE4B-95CE-6DB70DBA9567}" type="datetimeFigureOut">
               <a:rPr lang="en-US" dirty="0"/>
               <a:pPr/>
-              <a:t>5/26/2017</a:t>
+              <a:t>6/3/2017</a:t>
             </a:fld>
             <a:endParaRPr lang="en-US" dirty="0"/>
           </a:p>
@@ -2602,7 +2602,7 @@
           <a:p>
             <a:fld id="{55C6B4A9-1611-4792-9094-5F34BCA07E0B}" type="datetimeFigureOut">
               <a:rPr lang="en-US" dirty="0"/>
-              <a:t>5/26/2017</a:t>
+              <a:t>6/3/2017</a:t>
             </a:fld>
             <a:endParaRPr lang="en-US" dirty="0"/>
           </a:p>
@@ -2778,7 +2778,7 @@
             <a:fld id="{B61BEF0D-F0BB-DE4B-95CE-6DB70DBA9567}" type="datetimeFigureOut">
               <a:rPr lang="en-US" dirty="0"/>
               <a:pPr/>
-              <a:t>5/26/2017</a:t>
+              <a:t>6/3/2017</a:t>
             </a:fld>
             <a:endParaRPr lang="en-US" dirty="0"/>
           </a:p>
@@ -2951,7 +2951,7 @@
             <a:fld id="{B61BEF0D-F0BB-DE4B-95CE-6DB70DBA9567}" type="datetimeFigureOut">
               <a:rPr lang="en-US" dirty="0"/>
               <a:pPr/>
-              <a:t>5/26/2017</a:t>
+              <a:t>6/3/2017</a:t>
             </a:fld>
             <a:endParaRPr lang="en-US" dirty="0"/>
           </a:p>
@@ -3195,7 +3195,7 @@
             <a:fld id="{B61BEF0D-F0BB-DE4B-95CE-6DB70DBA9567}" type="datetimeFigureOut">
               <a:rPr lang="en-US" dirty="0"/>
               <a:pPr/>
-              <a:t>5/26/2017</a:t>
+              <a:t>6/3/2017</a:t>
             </a:fld>
             <a:endParaRPr lang="en-US" dirty="0"/>
           </a:p>
@@ -3423,7 +3423,7 @@
           <a:p>
             <a:fld id="{EB712588-04B1-427B-82EE-E8DB90309F08}" type="datetimeFigureOut">
               <a:rPr lang="en-US" dirty="0"/>
-              <a:t>5/26/2017</a:t>
+              <a:t>6/3/2017</a:t>
             </a:fld>
             <a:endParaRPr lang="en-US" dirty="0"/>
           </a:p>
@@ -3793,7 +3793,7 @@
             <a:fld id="{B61BEF0D-F0BB-DE4B-95CE-6DB70DBA9567}" type="datetimeFigureOut">
               <a:rPr lang="en-US" dirty="0"/>
               <a:pPr/>
-              <a:t>5/26/2017</a:t>
+              <a:t>6/3/2017</a:t>
             </a:fld>
             <a:endParaRPr lang="en-US" dirty="0"/>
           </a:p>
@@ -3913,7 +3913,7 @@
             <a:fld id="{B61BEF0D-F0BB-DE4B-95CE-6DB70DBA9567}" type="datetimeFigureOut">
               <a:rPr lang="en-US" dirty="0"/>
               <a:pPr/>
-              <a:t>5/26/2017</a:t>
+              <a:t>6/3/2017</a:t>
             </a:fld>
             <a:endParaRPr lang="en-US" dirty="0"/>
           </a:p>
@@ -4005,7 +4005,7 @@
             <a:fld id="{B61BEF0D-F0BB-DE4B-95CE-6DB70DBA9567}" type="datetimeFigureOut">
               <a:rPr lang="en-US" dirty="0"/>
               <a:pPr/>
-              <a:t>5/26/2017</a:t>
+              <a:t>6/3/2017</a:t>
             </a:fld>
             <a:endParaRPr lang="en-US" dirty="0"/>
           </a:p>
@@ -4256,7 +4256,7 @@
           <a:p>
             <a:fld id="{42A54C80-263E-416B-A8E0-580EDEADCBDC}" type="datetimeFigureOut">
               <a:rPr lang="en-US" dirty="0"/>
-              <a:t>5/26/2017</a:t>
+              <a:t>6/3/2017</a:t>
             </a:fld>
             <a:endParaRPr lang="en-US" dirty="0"/>
           </a:p>
@@ -4515,7 +4515,7 @@
             <a:fld id="{B61BEF0D-F0BB-DE4B-95CE-6DB70DBA9567}" type="datetimeFigureOut">
               <a:rPr lang="en-US" dirty="0"/>
               <a:pPr/>
-              <a:t>5/26/2017</a:t>
+              <a:t>6/3/2017</a:t>
             </a:fld>
             <a:endParaRPr lang="en-US" dirty="0"/>
           </a:p>
@@ -5255,7 +5255,7 @@
             <a:fld id="{B61BEF0D-F0BB-DE4B-95CE-6DB70DBA9567}" type="datetimeFigureOut">
               <a:rPr lang="en-US" dirty="0"/>
               <a:pPr/>
-              <a:t>5/26/2017</a:t>
+              <a:t>6/3/2017</a:t>
             </a:fld>
             <a:endParaRPr lang="en-US" dirty="0"/>
           </a:p>
@@ -5900,12 +5900,141 @@
               <a:rPr lang="en-US" b="1" dirty="0">
                 <a:latin typeface="Arial-BoldMT"/>
               </a:rPr>
-              <a:t>Core Architecture of ARMv8</a:t>
-            </a:r>
-            <a:endParaRPr lang="en-US" dirty="0"/>
-          </a:p>
-        </p:txBody>
-      </p:sp>
+              <a:t>ARMv8 registers</a:t>
+            </a:r>
+            <a:endParaRPr lang="en-US" dirty="0"/>
+          </a:p>
+        </p:txBody>
+      </p:sp>
+      <p:sp>
+        <p:nvSpPr>
+          <p:cNvPr id="2" name="Rectangle 1"/>
+          <p:cNvSpPr/>
+          <p:nvPr/>
+        </p:nvSpPr>
+        <p:spPr>
+          <a:xfrm>
+            <a:off x="2986454" y="848389"/>
+            <a:ext cx="8997462" cy="307777"/>
+          </a:xfrm>
+          <a:prstGeom prst="rect">
+            <a:avLst/>
+          </a:prstGeom>
+        </p:spPr>
+        <p:txBody>
+          <a:bodyPr wrap="square">
+            <a:spAutoFit/>
+          </a:bodyPr>
+          <a:lstStyle/>
+          <a:p>
+            <a:r>
+              <a:rPr lang="en-US" sz="1400" dirty="0">
+                <a:latin typeface="TimesNewRomanPSMT"/>
+              </a:rPr>
+              <a:t>AArch64 execution state provides 31 </a:t>
+            </a:r>
+            <a:r>
+              <a:rPr lang="en-US" sz="1400" dirty="0">
+                <a:latin typeface="SymbolMT"/>
+              </a:rPr>
+              <a:t>× </a:t>
+            </a:r>
+            <a:r>
+              <a:rPr lang="en-US" sz="1400" dirty="0">
+                <a:latin typeface="TimesNewRomanPSMT"/>
+              </a:rPr>
+              <a:t>64-bit general-purpose registers accessible at all times and in all Exception levels.</a:t>
+            </a:r>
+            <a:endParaRPr lang="en-US" sz="1400" dirty="0"/>
+          </a:p>
+        </p:txBody>
+      </p:sp>
+      <p:sp>
+        <p:nvSpPr>
+          <p:cNvPr id="3" name="Rectangle 2"/>
+          <p:cNvSpPr/>
+          <p:nvPr/>
+        </p:nvSpPr>
+        <p:spPr>
+          <a:xfrm>
+            <a:off x="2986453" y="1789165"/>
+            <a:ext cx="6588370" cy="307777"/>
+          </a:xfrm>
+          <a:prstGeom prst="rect">
+            <a:avLst/>
+          </a:prstGeom>
+        </p:spPr>
+        <p:txBody>
+          <a:bodyPr wrap="square">
+            <a:spAutoFit/>
+          </a:bodyPr>
+          <a:lstStyle/>
+          <a:p>
+            <a:r>
+              <a:rPr lang="en-US" sz="1400" dirty="0">
+                <a:latin typeface="TimesNewRomanPSMT"/>
+              </a:rPr>
+              <a:t>Each register is 64 bits wide and they are generally referred to as registers X0-X30.</a:t>
+            </a:r>
+            <a:endParaRPr lang="en-US" sz="1400" dirty="0"/>
+          </a:p>
+        </p:txBody>
+      </p:sp>
+      <p:sp>
+        <p:nvSpPr>
+          <p:cNvPr id="5" name="Rectangle 4"/>
+          <p:cNvSpPr/>
+          <p:nvPr/>
+        </p:nvSpPr>
+        <p:spPr>
+          <a:xfrm>
+            <a:off x="2986453" y="2516751"/>
+            <a:ext cx="8909539" cy="307777"/>
+          </a:xfrm>
+          <a:prstGeom prst="rect">
+            <a:avLst/>
+          </a:prstGeom>
+        </p:spPr>
+        <p:txBody>
+          <a:bodyPr wrap="square">
+            <a:spAutoFit/>
+          </a:bodyPr>
+          <a:lstStyle/>
+          <a:p>
+            <a:r>
+              <a:rPr lang="en-US" sz="1400" dirty="0">
+                <a:latin typeface="TimesNewRomanPSMT"/>
+              </a:rPr>
+              <a:t>Each AArch64 64-bit general-purpose register (X0-X30) also has a 32-bit (W0-W30) form.</a:t>
+            </a:r>
+            <a:endParaRPr lang="en-US" sz="1400" dirty="0"/>
+          </a:p>
+        </p:txBody>
+      </p:sp>
+      <p:pic>
+        <p:nvPicPr>
+          <p:cNvPr id="6" name="Picture 5"/>
+          <p:cNvPicPr>
+            <a:picLocks noChangeAspect="1"/>
+          </p:cNvPicPr>
+          <p:nvPr/>
+        </p:nvPicPr>
+        <p:blipFill>
+          <a:blip r:embed="rId2"/>
+          <a:stretch>
+            <a:fillRect/>
+          </a:stretch>
+        </p:blipFill>
+        <p:spPr>
+          <a:xfrm>
+            <a:off x="553915" y="795447"/>
+            <a:ext cx="2209075" cy="5904291"/>
+          </a:xfrm>
+          <a:prstGeom prst="rect">
+            <a:avLst/>
+          </a:prstGeom>
+        </p:spPr>
+      </p:pic>
     </p:spTree>
     <p:extLst>
       <p:ext uri="{BB962C8B-B14F-4D97-AF65-F5344CB8AC3E}">
@@ -5961,12 +6090,106 @@
               <a:rPr lang="en-US" b="1" dirty="0">
                 <a:latin typeface="Arial-BoldMT"/>
               </a:rPr>
-              <a:t>Fundamentals of ARMv8</a:t>
-            </a:r>
-            <a:endParaRPr lang="en-US" dirty="0"/>
-          </a:p>
-        </p:txBody>
-      </p:sp>
+              <a:t>ARMv8 registers</a:t>
+            </a:r>
+            <a:endParaRPr lang="en-US" dirty="0"/>
+          </a:p>
+        </p:txBody>
+      </p:sp>
+      <p:sp>
+        <p:nvSpPr>
+          <p:cNvPr id="3" name="Rectangle 2"/>
+          <p:cNvSpPr/>
+          <p:nvPr/>
+        </p:nvSpPr>
+        <p:spPr>
+          <a:xfrm>
+            <a:off x="1236784" y="1118774"/>
+            <a:ext cx="8909539" cy="307777"/>
+          </a:xfrm>
+          <a:prstGeom prst="rect">
+            <a:avLst/>
+          </a:prstGeom>
+        </p:spPr>
+        <p:txBody>
+          <a:bodyPr wrap="square">
+            <a:spAutoFit/>
+          </a:bodyPr>
+          <a:lstStyle/>
+          <a:p>
+            <a:r>
+              <a:rPr lang="en-US" sz="1400" dirty="0">
+                <a:latin typeface="TimesNewRomanPSMT"/>
+              </a:rPr>
+              <a:t>Each AArch64 64-bit general-purpose register (X0-X30) also has a 32-bit (W0-W30) form.</a:t>
+            </a:r>
+            <a:endParaRPr lang="en-US" sz="1400" dirty="0"/>
+          </a:p>
+        </p:txBody>
+      </p:sp>
+      <p:grpSp>
+        <p:nvGrpSpPr>
+          <p:cNvPr id="6" name="Group 5"/>
+          <p:cNvGrpSpPr/>
+          <p:nvPr/>
+        </p:nvGrpSpPr>
+        <p:grpSpPr>
+          <a:xfrm>
+            <a:off x="1324970" y="1859497"/>
+            <a:ext cx="7812786" cy="2289983"/>
+            <a:chOff x="1324970" y="1859497"/>
+            <a:chExt cx="7812786" cy="2289983"/>
+          </a:xfrm>
+        </p:grpSpPr>
+        <p:pic>
+          <p:nvPicPr>
+            <p:cNvPr id="2" name="Picture 1"/>
+            <p:cNvPicPr>
+              <a:picLocks noChangeAspect="1"/>
+            </p:cNvPicPr>
+            <p:nvPr/>
+          </p:nvPicPr>
+          <p:blipFill>
+            <a:blip r:embed="rId2"/>
+            <a:stretch>
+              <a:fillRect/>
+            </a:stretch>
+          </p:blipFill>
+          <p:spPr>
+            <a:xfrm>
+              <a:off x="1324970" y="1859497"/>
+              <a:ext cx="7812786" cy="2016858"/>
+            </a:xfrm>
+            <a:prstGeom prst="rect">
+              <a:avLst/>
+            </a:prstGeom>
+          </p:spPr>
+        </p:pic>
+        <p:pic>
+          <p:nvPicPr>
+            <p:cNvPr id="5" name="Picture 4"/>
+            <p:cNvPicPr>
+              <a:picLocks noChangeAspect="1"/>
+            </p:cNvPicPr>
+            <p:nvPr/>
+          </p:nvPicPr>
+          <p:blipFill>
+            <a:blip r:embed="rId3"/>
+            <a:stretch>
+              <a:fillRect/>
+            </a:stretch>
+          </p:blipFill>
+          <p:spPr>
+            <a:xfrm>
+              <a:off x="3327300" y="3781180"/>
+              <a:ext cx="3808126" cy="368300"/>
+            </a:xfrm>
+            <a:prstGeom prst="rect">
+              <a:avLst/>
+            </a:prstGeom>
+          </p:spPr>
+        </p:pic>
+      </p:grpSp>
     </p:spTree>
     <p:extLst>
       <p:ext uri="{BB962C8B-B14F-4D97-AF65-F5344CB8AC3E}">

--- a/Presentations/ARM_PPTs/Ch4_ARMv8_Registers.pptx
+++ b/Presentations/ARM_PPTs/Ch4_ARMv8_Registers.pptx
@@ -9,6 +9,20 @@
     <p:sldId id="262" r:id="rId3"/>
     <p:sldId id="263" r:id="rId4"/>
     <p:sldId id="264" r:id="rId5"/>
+    <p:sldId id="265" r:id="rId6"/>
+    <p:sldId id="266" r:id="rId7"/>
+    <p:sldId id="267" r:id="rId8"/>
+    <p:sldId id="268" r:id="rId9"/>
+    <p:sldId id="269" r:id="rId10"/>
+    <p:sldId id="270" r:id="rId11"/>
+    <p:sldId id="271" r:id="rId12"/>
+    <p:sldId id="272" r:id="rId13"/>
+    <p:sldId id="273" r:id="rId14"/>
+    <p:sldId id="276" r:id="rId15"/>
+    <p:sldId id="277" r:id="rId16"/>
+    <p:sldId id="275" r:id="rId17"/>
+    <p:sldId id="274" r:id="rId18"/>
+    <p:sldId id="278" r:id="rId19"/>
   </p:sldIdLst>
   <p:sldSz cx="12192000" cy="6858000"/>
   <p:notesSz cx="6858000" cy="9144000"/>
@@ -838,7 +852,7 @@
             <a:fld id="{B61BEF0D-F0BB-DE4B-95CE-6DB70DBA9567}" type="datetimeFigureOut">
               <a:rPr lang="en-US" dirty="0"/>
               <a:pPr/>
-              <a:t>6/3/2017</a:t>
+              <a:t>6/7/2017</a:t>
             </a:fld>
             <a:endParaRPr lang="en-US" dirty="0"/>
           </a:p>
@@ -1086,7 +1100,7 @@
             <a:fld id="{B61BEF0D-F0BB-DE4B-95CE-6DB70DBA9567}" type="datetimeFigureOut">
               <a:rPr lang="en-US" dirty="0"/>
               <a:pPr/>
-              <a:t>6/3/2017</a:t>
+              <a:t>6/7/2017</a:t>
             </a:fld>
             <a:endParaRPr lang="en-US" dirty="0"/>
           </a:p>
@@ -1397,7 +1411,7 @@
             <a:fld id="{B61BEF0D-F0BB-DE4B-95CE-6DB70DBA9567}" type="datetimeFigureOut">
               <a:rPr lang="en-US" dirty="0"/>
               <a:pPr/>
-              <a:t>6/3/2017</a:t>
+              <a:t>6/7/2017</a:t>
             </a:fld>
             <a:endParaRPr lang="en-US" dirty="0"/>
           </a:p>
@@ -1735,7 +1749,7 @@
             <a:fld id="{B61BEF0D-F0BB-DE4B-95CE-6DB70DBA9567}" type="datetimeFigureOut">
               <a:rPr lang="en-US" dirty="0"/>
               <a:pPr/>
-              <a:t>6/3/2017</a:t>
+              <a:t>6/7/2017</a:t>
             </a:fld>
             <a:endParaRPr lang="en-US" dirty="0"/>
           </a:p>
@@ -2046,7 +2060,7 @@
             <a:fld id="{B61BEF0D-F0BB-DE4B-95CE-6DB70DBA9567}" type="datetimeFigureOut">
               <a:rPr lang="en-US" dirty="0"/>
               <a:pPr/>
-              <a:t>6/3/2017</a:t>
+              <a:t>6/7/2017</a:t>
             </a:fld>
             <a:endParaRPr lang="en-US" dirty="0"/>
           </a:p>
@@ -2436,7 +2450,7 @@
             <a:fld id="{B61BEF0D-F0BB-DE4B-95CE-6DB70DBA9567}" type="datetimeFigureOut">
               <a:rPr lang="en-US" dirty="0"/>
               <a:pPr/>
-              <a:t>6/3/2017</a:t>
+              <a:t>6/7/2017</a:t>
             </a:fld>
             <a:endParaRPr lang="en-US" dirty="0"/>
           </a:p>
@@ -2602,7 +2616,7 @@
           <a:p>
             <a:fld id="{55C6B4A9-1611-4792-9094-5F34BCA07E0B}" type="datetimeFigureOut">
               <a:rPr lang="en-US" dirty="0"/>
-              <a:t>6/3/2017</a:t>
+              <a:t>6/7/2017</a:t>
             </a:fld>
             <a:endParaRPr lang="en-US" dirty="0"/>
           </a:p>
@@ -2778,7 +2792,7 @@
             <a:fld id="{B61BEF0D-F0BB-DE4B-95CE-6DB70DBA9567}" type="datetimeFigureOut">
               <a:rPr lang="en-US" dirty="0"/>
               <a:pPr/>
-              <a:t>6/3/2017</a:t>
+              <a:t>6/7/2017</a:t>
             </a:fld>
             <a:endParaRPr lang="en-US" dirty="0"/>
           </a:p>
@@ -2951,7 +2965,7 @@
             <a:fld id="{B61BEF0D-F0BB-DE4B-95CE-6DB70DBA9567}" type="datetimeFigureOut">
               <a:rPr lang="en-US" dirty="0"/>
               <a:pPr/>
-              <a:t>6/3/2017</a:t>
+              <a:t>6/7/2017</a:t>
             </a:fld>
             <a:endParaRPr lang="en-US" dirty="0"/>
           </a:p>
@@ -3195,7 +3209,7 @@
             <a:fld id="{B61BEF0D-F0BB-DE4B-95CE-6DB70DBA9567}" type="datetimeFigureOut">
               <a:rPr lang="en-US" dirty="0"/>
               <a:pPr/>
-              <a:t>6/3/2017</a:t>
+              <a:t>6/7/2017</a:t>
             </a:fld>
             <a:endParaRPr lang="en-US" dirty="0"/>
           </a:p>
@@ -3423,7 +3437,7 @@
           <a:p>
             <a:fld id="{EB712588-04B1-427B-82EE-E8DB90309F08}" type="datetimeFigureOut">
               <a:rPr lang="en-US" dirty="0"/>
-              <a:t>6/3/2017</a:t>
+              <a:t>6/7/2017</a:t>
             </a:fld>
             <a:endParaRPr lang="en-US" dirty="0"/>
           </a:p>
@@ -3793,7 +3807,7 @@
             <a:fld id="{B61BEF0D-F0BB-DE4B-95CE-6DB70DBA9567}" type="datetimeFigureOut">
               <a:rPr lang="en-US" dirty="0"/>
               <a:pPr/>
-              <a:t>6/3/2017</a:t>
+              <a:t>6/7/2017</a:t>
             </a:fld>
             <a:endParaRPr lang="en-US" dirty="0"/>
           </a:p>
@@ -3913,7 +3927,7 @@
             <a:fld id="{B61BEF0D-F0BB-DE4B-95CE-6DB70DBA9567}" type="datetimeFigureOut">
               <a:rPr lang="en-US" dirty="0"/>
               <a:pPr/>
-              <a:t>6/3/2017</a:t>
+              <a:t>6/7/2017</a:t>
             </a:fld>
             <a:endParaRPr lang="en-US" dirty="0"/>
           </a:p>
@@ -4005,7 +4019,7 @@
             <a:fld id="{B61BEF0D-F0BB-DE4B-95CE-6DB70DBA9567}" type="datetimeFigureOut">
               <a:rPr lang="en-US" dirty="0"/>
               <a:pPr/>
-              <a:t>6/3/2017</a:t>
+              <a:t>6/7/2017</a:t>
             </a:fld>
             <a:endParaRPr lang="en-US" dirty="0"/>
           </a:p>
@@ -4256,7 +4270,7 @@
           <a:p>
             <a:fld id="{42A54C80-263E-416B-A8E0-580EDEADCBDC}" type="datetimeFigureOut">
               <a:rPr lang="en-US" dirty="0"/>
-              <a:t>6/3/2017</a:t>
+              <a:t>6/7/2017</a:t>
             </a:fld>
             <a:endParaRPr lang="en-US" dirty="0"/>
           </a:p>
@@ -4515,7 +4529,7 @@
             <a:fld id="{B61BEF0D-F0BB-DE4B-95CE-6DB70DBA9567}" type="datetimeFigureOut">
               <a:rPr lang="en-US" dirty="0"/>
               <a:pPr/>
-              <a:t>6/3/2017</a:t>
+              <a:t>6/7/2017</a:t>
             </a:fld>
             <a:endParaRPr lang="en-US" dirty="0"/>
           </a:p>
@@ -5255,7 +5269,7 @@
             <a:fld id="{B61BEF0D-F0BB-DE4B-95CE-6DB70DBA9567}" type="datetimeFigureOut">
               <a:rPr lang="en-US" dirty="0"/>
               <a:pPr/>
-              <a:t>6/3/2017</a:t>
+              <a:t>6/7/2017</a:t>
             </a:fld>
             <a:endParaRPr lang="en-US" dirty="0"/>
           </a:p>
@@ -5858,6 +5872,3459 @@
 </p:sld>
 </file>
 
+<file path=ppt/slides/slide10.xml><?xml version="1.0" encoding="utf-8"?>
+<p:sld xmlns:a="http://schemas.openxmlformats.org/drawingml/2006/main" xmlns:r="http://schemas.openxmlformats.org/officeDocument/2006/relationships" xmlns:p="http://schemas.openxmlformats.org/presentationml/2006/main">
+  <p:cSld>
+    <p:spTree>
+      <p:nvGrpSpPr>
+        <p:cNvPr id="1" name=""/>
+        <p:cNvGrpSpPr/>
+        <p:nvPr/>
+      </p:nvGrpSpPr>
+      <p:grpSpPr>
+        <a:xfrm>
+          <a:off x="0" y="0"/>
+          <a:ext cx="0" cy="0"/>
+          <a:chOff x="0" y="0"/>
+          <a:chExt cx="0" cy="0"/>
+        </a:xfrm>
+      </p:grpSpPr>
+      <p:sp>
+        <p:nvSpPr>
+          <p:cNvPr id="4" name="Rectangle 3"/>
+          <p:cNvSpPr/>
+          <p:nvPr/>
+        </p:nvSpPr>
+        <p:spPr>
+          <a:xfrm>
+            <a:off x="265286" y="316496"/>
+            <a:ext cx="9010599" cy="369332"/>
+          </a:xfrm>
+          <a:prstGeom prst="rect">
+            <a:avLst/>
+          </a:prstGeom>
+        </p:spPr>
+        <p:txBody>
+          <a:bodyPr wrap="square">
+            <a:spAutoFit/>
+          </a:bodyPr>
+          <a:lstStyle/>
+          <a:p>
+            <a:r>
+              <a:rPr lang="en-US" b="1" dirty="0"/>
+              <a:t>AArch64 Special Registers - Saved Process Status Register (SPSR)</a:t>
+            </a:r>
+            <a:endParaRPr lang="en-US" dirty="0"/>
+          </a:p>
+        </p:txBody>
+      </p:sp>
+      <p:sp>
+        <p:nvSpPr>
+          <p:cNvPr id="2" name="Rectangle 1"/>
+          <p:cNvSpPr/>
+          <p:nvPr/>
+        </p:nvSpPr>
+        <p:spPr>
+          <a:xfrm>
+            <a:off x="571500" y="953896"/>
+            <a:ext cx="10744200" cy="369332"/>
+          </a:xfrm>
+          <a:prstGeom prst="rect">
+            <a:avLst/>
+          </a:prstGeom>
+        </p:spPr>
+        <p:txBody>
+          <a:bodyPr wrap="square">
+            <a:spAutoFit/>
+          </a:bodyPr>
+          <a:lstStyle/>
+          <a:p>
+            <a:r>
+              <a:rPr lang="en-US" dirty="0">
+                <a:latin typeface="TimesNewRomanPSMT"/>
+              </a:rPr>
+              <a:t>When taking an exception, the processor state is stored in the relevant </a:t>
+            </a:r>
+            <a:r>
+              <a:rPr lang="en-US" i="1" dirty="0">
+                <a:latin typeface="TimesNewRomanPS-ItalicMT"/>
+              </a:rPr>
+              <a:t>Saved Program Status Register </a:t>
+            </a:r>
+            <a:r>
+              <a:rPr lang="en-US" dirty="0">
+                <a:latin typeface="TimesNewRomanPSMT"/>
+              </a:rPr>
+              <a:t>(SPSR),</a:t>
+            </a:r>
+            <a:endParaRPr lang="en-US" dirty="0"/>
+          </a:p>
+        </p:txBody>
+      </p:sp>
+      <p:sp>
+        <p:nvSpPr>
+          <p:cNvPr id="3" name="Rectangle 2"/>
+          <p:cNvSpPr/>
+          <p:nvPr/>
+        </p:nvSpPr>
+        <p:spPr>
+          <a:xfrm>
+            <a:off x="571500" y="1466028"/>
+            <a:ext cx="10392508" cy="646331"/>
+          </a:xfrm>
+          <a:prstGeom prst="rect">
+            <a:avLst/>
+          </a:prstGeom>
+        </p:spPr>
+        <p:txBody>
+          <a:bodyPr wrap="square">
+            <a:spAutoFit/>
+          </a:bodyPr>
+          <a:lstStyle/>
+          <a:p>
+            <a:r>
+              <a:rPr lang="en-US" dirty="0">
+                <a:latin typeface="TimesNewRomanPSMT"/>
+              </a:rPr>
+              <a:t>SPSR holds the value of </a:t>
+            </a:r>
+            <a:r>
+              <a:rPr lang="en-US" sz="1400" dirty="0">
+                <a:latin typeface="LucidaSansTypewriteX"/>
+              </a:rPr>
+              <a:t>PSTATE </a:t>
+            </a:r>
+            <a:r>
+              <a:rPr lang="en-US" dirty="0">
+                <a:latin typeface="TimesNewRomanPSMT"/>
+              </a:rPr>
+              <a:t>before taking an exception and is used to restore the value of </a:t>
+            </a:r>
+            <a:r>
+              <a:rPr lang="en-US" sz="1400" dirty="0">
+                <a:latin typeface="LucidaSansTypewriteX"/>
+              </a:rPr>
+              <a:t>PSTATE </a:t>
+            </a:r>
+            <a:r>
+              <a:rPr lang="en-US" dirty="0">
+                <a:latin typeface="TimesNewRomanPSMT"/>
+              </a:rPr>
+              <a:t>when executing an exception return.</a:t>
+            </a:r>
+            <a:endParaRPr lang="en-US" dirty="0"/>
+          </a:p>
+        </p:txBody>
+      </p:sp>
+      <p:grpSp>
+        <p:nvGrpSpPr>
+          <p:cNvPr id="7" name="Group 6"/>
+          <p:cNvGrpSpPr/>
+          <p:nvPr/>
+        </p:nvGrpSpPr>
+        <p:grpSpPr>
+          <a:xfrm>
+            <a:off x="2372091" y="2472836"/>
+            <a:ext cx="6791325" cy="1070143"/>
+            <a:chOff x="2372091" y="2868490"/>
+            <a:chExt cx="6791325" cy="1070143"/>
+          </a:xfrm>
+        </p:grpSpPr>
+        <p:pic>
+          <p:nvPicPr>
+            <p:cNvPr id="5" name="Picture 4"/>
+            <p:cNvPicPr>
+              <a:picLocks noChangeAspect="1"/>
+            </p:cNvPicPr>
+            <p:nvPr/>
+          </p:nvPicPr>
+          <p:blipFill>
+            <a:blip r:embed="rId2"/>
+            <a:stretch>
+              <a:fillRect/>
+            </a:stretch>
+          </p:blipFill>
+          <p:spPr>
+            <a:xfrm>
+              <a:off x="2372091" y="2868490"/>
+              <a:ext cx="6791325" cy="857250"/>
+            </a:xfrm>
+            <a:prstGeom prst="rect">
+              <a:avLst/>
+            </a:prstGeom>
+          </p:spPr>
+        </p:pic>
+        <p:pic>
+          <p:nvPicPr>
+            <p:cNvPr id="6" name="Picture 5"/>
+            <p:cNvPicPr>
+              <a:picLocks noChangeAspect="1"/>
+            </p:cNvPicPr>
+            <p:nvPr/>
+          </p:nvPicPr>
+          <p:blipFill>
+            <a:blip r:embed="rId3"/>
+            <a:stretch>
+              <a:fillRect/>
+            </a:stretch>
+          </p:blipFill>
+          <p:spPr>
+            <a:xfrm>
+              <a:off x="8660463" y="3725740"/>
+              <a:ext cx="502953" cy="212893"/>
+            </a:xfrm>
+            <a:prstGeom prst="rect">
+              <a:avLst/>
+            </a:prstGeom>
+          </p:spPr>
+        </p:pic>
+      </p:grpSp>
+      <p:sp>
+        <p:nvSpPr>
+          <p:cNvPr id="8" name="Rectangle 7"/>
+          <p:cNvSpPr/>
+          <p:nvPr/>
+        </p:nvSpPr>
+        <p:spPr>
+          <a:xfrm>
+            <a:off x="571500" y="3542979"/>
+            <a:ext cx="5829300" cy="2862322"/>
+          </a:xfrm>
+          <a:prstGeom prst="rect">
+            <a:avLst/>
+          </a:prstGeom>
+        </p:spPr>
+        <p:txBody>
+          <a:bodyPr wrap="square">
+            <a:spAutoFit/>
+          </a:bodyPr>
+          <a:lstStyle/>
+          <a:p>
+            <a:r>
+              <a:rPr lang="pt-BR" b="1" dirty="0">
+                <a:latin typeface="TimesNewRomanPS-BoldMT"/>
+              </a:rPr>
+              <a:t>N </a:t>
+            </a:r>
+            <a:r>
+              <a:rPr lang="pt-BR" dirty="0">
+                <a:latin typeface="TimesNewRomanPSMT"/>
+              </a:rPr>
+              <a:t>Negative result (N flag).</a:t>
+            </a:r>
+          </a:p>
+          <a:p>
+            <a:r>
+              <a:rPr lang="pl-PL" b="1" dirty="0">
+                <a:latin typeface="TimesNewRomanPS-BoldMT"/>
+              </a:rPr>
+              <a:t>Z </a:t>
+            </a:r>
+            <a:r>
+              <a:rPr lang="pl-PL" dirty="0">
+                <a:latin typeface="TimesNewRomanPSMT"/>
+              </a:rPr>
+              <a:t>Zero result (Z) flag.</a:t>
+            </a:r>
+          </a:p>
+          <a:p>
+            <a:r>
+              <a:rPr lang="en-US" b="1" dirty="0">
+                <a:latin typeface="TimesNewRomanPS-BoldMT"/>
+              </a:rPr>
+              <a:t>C </a:t>
+            </a:r>
+            <a:r>
+              <a:rPr lang="en-US" dirty="0">
+                <a:latin typeface="TimesNewRomanPSMT"/>
+              </a:rPr>
+              <a:t>Carry out (C flag).</a:t>
+            </a:r>
+          </a:p>
+          <a:p>
+            <a:r>
+              <a:rPr lang="en-US" b="1" dirty="0">
+                <a:latin typeface="TimesNewRomanPS-BoldMT"/>
+              </a:rPr>
+              <a:t>V </a:t>
+            </a:r>
+            <a:r>
+              <a:rPr lang="en-US" dirty="0">
+                <a:latin typeface="TimesNewRomanPSMT"/>
+              </a:rPr>
+              <a:t>Overflow (V flag).</a:t>
+            </a:r>
+          </a:p>
+          <a:p>
+            <a:r>
+              <a:rPr lang="en-US" b="1" dirty="0"/>
+              <a:t>SS </a:t>
+            </a:r>
+            <a:r>
+              <a:rPr lang="en-US" dirty="0"/>
+              <a:t>Software Step.</a:t>
+            </a:r>
+          </a:p>
+          <a:p>
+            <a:r>
+              <a:rPr lang="en-US" b="1" dirty="0"/>
+              <a:t>IL </a:t>
+            </a:r>
+            <a:r>
+              <a:rPr lang="en-US" dirty="0"/>
+              <a:t>Illegal Execution State bit.</a:t>
+            </a:r>
+          </a:p>
+          <a:p>
+            <a:r>
+              <a:rPr lang="en-US" b="1" dirty="0"/>
+              <a:t>D </a:t>
+            </a:r>
+            <a:r>
+              <a:rPr lang="en-US" dirty="0"/>
+              <a:t>Process state Debug mask</a:t>
+            </a:r>
+          </a:p>
+          <a:p>
+            <a:r>
+              <a:rPr lang="en-US" b="1" dirty="0"/>
+              <a:t>A </a:t>
+            </a:r>
+            <a:r>
+              <a:rPr lang="en-US" dirty="0" err="1"/>
+              <a:t>SError</a:t>
+            </a:r>
+            <a:r>
+              <a:rPr lang="en-US" dirty="0"/>
+              <a:t> (System Error) mask bit.</a:t>
+            </a:r>
+          </a:p>
+          <a:p>
+            <a:r>
+              <a:rPr lang="en-US" b="1" dirty="0"/>
+              <a:t>I </a:t>
+            </a:r>
+            <a:r>
+              <a:rPr lang="en-US" dirty="0"/>
+              <a:t>IRQ mask bit.</a:t>
+            </a:r>
+          </a:p>
+          <a:p>
+            <a:r>
+              <a:rPr lang="en-US" b="1" dirty="0"/>
+              <a:t>F </a:t>
+            </a:r>
+            <a:r>
+              <a:rPr lang="en-US" dirty="0"/>
+              <a:t>FIQ mask bit.</a:t>
+            </a:r>
+          </a:p>
+        </p:txBody>
+      </p:sp>
+      <p:sp>
+        <p:nvSpPr>
+          <p:cNvPr id="9" name="Rectangle 8"/>
+          <p:cNvSpPr/>
+          <p:nvPr/>
+        </p:nvSpPr>
+        <p:spPr>
+          <a:xfrm>
+            <a:off x="5219700" y="3542979"/>
+            <a:ext cx="6096000" cy="1477328"/>
+          </a:xfrm>
+          <a:prstGeom prst="rect">
+            <a:avLst/>
+          </a:prstGeom>
+        </p:spPr>
+        <p:txBody>
+          <a:bodyPr>
+            <a:spAutoFit/>
+          </a:bodyPr>
+          <a:lstStyle/>
+          <a:p>
+            <a:r>
+              <a:rPr lang="en-US" b="1" dirty="0">
+                <a:latin typeface="TimesNewRomanPS-BoldMT"/>
+              </a:rPr>
+              <a:t>M[4] </a:t>
+            </a:r>
+            <a:r>
+              <a:rPr lang="en-US" dirty="0">
+                <a:latin typeface="TimesNewRomanPSMT"/>
+              </a:rPr>
+              <a:t>Execution state that the exception was taken from. A value of 0 indicates AArch64.</a:t>
+            </a:r>
+          </a:p>
+          <a:p>
+            <a:endParaRPr lang="en-US" dirty="0">
+              <a:latin typeface="TimesNewRomanPSMT"/>
+            </a:endParaRPr>
+          </a:p>
+          <a:p>
+            <a:r>
+              <a:rPr lang="en-US" b="1" dirty="0"/>
+              <a:t>M[3:0] </a:t>
+            </a:r>
+            <a:r>
+              <a:rPr lang="en-US" dirty="0"/>
+              <a:t>Mode or Exception level that an exception was taken from.</a:t>
+            </a:r>
+          </a:p>
+        </p:txBody>
+      </p:sp>
+    </p:spTree>
+    <p:extLst>
+      <p:ext uri="{BB962C8B-B14F-4D97-AF65-F5344CB8AC3E}">
+        <p14:creationId xmlns:p14="http://schemas.microsoft.com/office/powerpoint/2010/main" val="1257008951"/>
+      </p:ext>
+    </p:extLst>
+  </p:cSld>
+  <p:clrMapOvr>
+    <a:masterClrMapping/>
+  </p:clrMapOvr>
+</p:sld>
+</file>
+
+<file path=ppt/slides/slide11.xml><?xml version="1.0" encoding="utf-8"?>
+<p:sld xmlns:a="http://schemas.openxmlformats.org/drawingml/2006/main" xmlns:r="http://schemas.openxmlformats.org/officeDocument/2006/relationships" xmlns:p="http://schemas.openxmlformats.org/presentationml/2006/main">
+  <p:cSld>
+    <p:spTree>
+      <p:nvGrpSpPr>
+        <p:cNvPr id="1" name=""/>
+        <p:cNvGrpSpPr/>
+        <p:nvPr/>
+      </p:nvGrpSpPr>
+      <p:grpSpPr>
+        <a:xfrm>
+          <a:off x="0" y="0"/>
+          <a:ext cx="0" cy="0"/>
+          <a:chOff x="0" y="0"/>
+          <a:chExt cx="0" cy="0"/>
+        </a:xfrm>
+      </p:grpSpPr>
+      <p:sp>
+        <p:nvSpPr>
+          <p:cNvPr id="4" name="Rectangle 3"/>
+          <p:cNvSpPr/>
+          <p:nvPr/>
+        </p:nvSpPr>
+        <p:spPr>
+          <a:xfrm>
+            <a:off x="265286" y="316496"/>
+            <a:ext cx="9010599" cy="369332"/>
+          </a:xfrm>
+          <a:prstGeom prst="rect">
+            <a:avLst/>
+          </a:prstGeom>
+        </p:spPr>
+        <p:txBody>
+          <a:bodyPr wrap="square">
+            <a:spAutoFit/>
+          </a:bodyPr>
+          <a:lstStyle/>
+          <a:p>
+            <a:r>
+              <a:rPr lang="en-US" b="1" dirty="0"/>
+              <a:t>AArch64 Special Registers – Processor States</a:t>
+            </a:r>
+            <a:endParaRPr lang="en-US" dirty="0"/>
+          </a:p>
+        </p:txBody>
+      </p:sp>
+      <p:sp>
+        <p:nvSpPr>
+          <p:cNvPr id="2" name="Rectangle 1"/>
+          <p:cNvSpPr/>
+          <p:nvPr/>
+        </p:nvSpPr>
+        <p:spPr>
+          <a:xfrm>
+            <a:off x="643355" y="851696"/>
+            <a:ext cx="10550770" cy="369332"/>
+          </a:xfrm>
+          <a:prstGeom prst="rect">
+            <a:avLst/>
+          </a:prstGeom>
+        </p:spPr>
+        <p:txBody>
+          <a:bodyPr wrap="square">
+            <a:spAutoFit/>
+          </a:bodyPr>
+          <a:lstStyle/>
+          <a:p>
+            <a:r>
+              <a:rPr lang="en-US" dirty="0">
+                <a:latin typeface="TimesNewRomanPSMT"/>
+              </a:rPr>
+              <a:t>AArch64 does not have a direct equivalent of the ARMv7 </a:t>
+            </a:r>
+            <a:r>
+              <a:rPr lang="en-US" i="1" dirty="0">
+                <a:latin typeface="TimesNewRomanPS-ItalicMT"/>
+              </a:rPr>
+              <a:t>Current Program Status Register </a:t>
+            </a:r>
+            <a:r>
+              <a:rPr lang="en-US" dirty="0">
+                <a:latin typeface="TimesNewRomanPSMT"/>
+              </a:rPr>
+              <a:t>(CPSR).</a:t>
+            </a:r>
+            <a:endParaRPr lang="en-US" dirty="0"/>
+          </a:p>
+        </p:txBody>
+      </p:sp>
+      <p:sp>
+        <p:nvSpPr>
+          <p:cNvPr id="3" name="Rectangle 2"/>
+          <p:cNvSpPr/>
+          <p:nvPr/>
+        </p:nvSpPr>
+        <p:spPr>
+          <a:xfrm>
+            <a:off x="643356" y="1386897"/>
+            <a:ext cx="11630706" cy="646331"/>
+          </a:xfrm>
+          <a:prstGeom prst="rect">
+            <a:avLst/>
+          </a:prstGeom>
+        </p:spPr>
+        <p:txBody>
+          <a:bodyPr wrap="square">
+            <a:spAutoFit/>
+          </a:bodyPr>
+          <a:lstStyle/>
+          <a:p>
+            <a:r>
+              <a:rPr lang="en-US" dirty="0">
+                <a:latin typeface="TimesNewRomanPSMT"/>
+              </a:rPr>
+              <a:t>In AArch64, the components of the traditional CPSR are supplied as fields that can be made accessible independently. </a:t>
+            </a:r>
+          </a:p>
+          <a:p>
+            <a:r>
+              <a:rPr lang="en-US" dirty="0">
+                <a:latin typeface="TimesNewRomanPSMT"/>
+              </a:rPr>
+              <a:t>These are referred to collectively as </a:t>
+            </a:r>
+            <a:r>
+              <a:rPr lang="en-US" i="1" dirty="0">
+                <a:latin typeface="TimesNewRomanPS-ItalicMT"/>
+              </a:rPr>
+              <a:t>Processor State </a:t>
+            </a:r>
+            <a:r>
+              <a:rPr lang="en-US" dirty="0">
+                <a:latin typeface="TimesNewRomanPSMT"/>
+              </a:rPr>
+              <a:t>(</a:t>
+            </a:r>
+            <a:r>
+              <a:rPr lang="en-US" sz="1400" dirty="0">
+                <a:latin typeface="LucidaSansTypewriteX"/>
+              </a:rPr>
+              <a:t>PSTATE</a:t>
+            </a:r>
+            <a:r>
+              <a:rPr lang="en-US" dirty="0">
+                <a:latin typeface="TimesNewRomanPSMT"/>
+              </a:rPr>
+              <a:t>).</a:t>
+            </a:r>
+            <a:endParaRPr lang="en-US" dirty="0"/>
+          </a:p>
+        </p:txBody>
+      </p:sp>
+      <p:grpSp>
+        <p:nvGrpSpPr>
+          <p:cNvPr id="7" name="Group 6"/>
+          <p:cNvGrpSpPr/>
+          <p:nvPr/>
+        </p:nvGrpSpPr>
+        <p:grpSpPr>
+          <a:xfrm>
+            <a:off x="9548448" y="1960685"/>
+            <a:ext cx="2051172" cy="4756638"/>
+            <a:chOff x="4324742" y="2082763"/>
+            <a:chExt cx="2034661" cy="4775237"/>
+          </a:xfrm>
+        </p:grpSpPr>
+        <p:pic>
+          <p:nvPicPr>
+            <p:cNvPr id="5" name="Picture 4"/>
+            <p:cNvPicPr>
+              <a:picLocks noChangeAspect="1"/>
+            </p:cNvPicPr>
+            <p:nvPr/>
+          </p:nvPicPr>
+          <p:blipFill>
+            <a:blip r:embed="rId2"/>
+            <a:stretch>
+              <a:fillRect/>
+            </a:stretch>
+          </p:blipFill>
+          <p:spPr>
+            <a:xfrm>
+              <a:off x="4324742" y="2292961"/>
+              <a:ext cx="2034661" cy="4565039"/>
+            </a:xfrm>
+            <a:prstGeom prst="rect">
+              <a:avLst/>
+            </a:prstGeom>
+          </p:spPr>
+        </p:pic>
+        <p:pic>
+          <p:nvPicPr>
+            <p:cNvPr id="6" name="Picture 5"/>
+            <p:cNvPicPr>
+              <a:picLocks noChangeAspect="1"/>
+            </p:cNvPicPr>
+            <p:nvPr/>
+          </p:nvPicPr>
+          <p:blipFill>
+            <a:blip r:embed="rId3"/>
+            <a:stretch>
+              <a:fillRect/>
+            </a:stretch>
+          </p:blipFill>
+          <p:spPr>
+            <a:xfrm>
+              <a:off x="4475286" y="2082763"/>
+              <a:ext cx="1753903" cy="227782"/>
+            </a:xfrm>
+            <a:prstGeom prst="rect">
+              <a:avLst/>
+            </a:prstGeom>
+          </p:spPr>
+        </p:pic>
+      </p:grpSp>
+      <p:sp>
+        <p:nvSpPr>
+          <p:cNvPr id="8" name="Rectangle 7"/>
+          <p:cNvSpPr/>
+          <p:nvPr/>
+        </p:nvSpPr>
+        <p:spPr>
+          <a:xfrm>
+            <a:off x="643355" y="2633146"/>
+            <a:ext cx="8140159" cy="1477328"/>
+          </a:xfrm>
+          <a:prstGeom prst="rect">
+            <a:avLst/>
+          </a:prstGeom>
+        </p:spPr>
+        <p:txBody>
+          <a:bodyPr wrap="square">
+            <a:spAutoFit/>
+          </a:bodyPr>
+          <a:lstStyle/>
+          <a:p>
+            <a:r>
+              <a:rPr lang="en-US" dirty="0">
+                <a:latin typeface="TimesNewRomanPSMT"/>
+              </a:rPr>
+              <a:t>In AArch64, you return from an exception by executing the </a:t>
+            </a:r>
+            <a:r>
+              <a:rPr lang="en-US" sz="1400" dirty="0">
+                <a:latin typeface="LucidaSansTypewriteX"/>
+              </a:rPr>
+              <a:t>ERET </a:t>
+            </a:r>
+            <a:r>
+              <a:rPr lang="en-US" dirty="0">
+                <a:latin typeface="TimesNewRomanPSMT"/>
+              </a:rPr>
+              <a:t>instruction, and this causes the </a:t>
+            </a:r>
+            <a:r>
+              <a:rPr lang="en-US" dirty="0" err="1">
+                <a:latin typeface="TimesNewRomanPSMT"/>
+              </a:rPr>
+              <a:t>SPSR_EL</a:t>
+            </a:r>
+            <a:r>
+              <a:rPr lang="en-US" i="1" dirty="0" err="1">
+                <a:latin typeface="TimesNewRomanPS-ItalicMT"/>
+              </a:rPr>
+              <a:t>n</a:t>
+            </a:r>
+            <a:r>
+              <a:rPr lang="en-US" i="1" dirty="0">
+                <a:latin typeface="TimesNewRomanPS-ItalicMT"/>
+              </a:rPr>
+              <a:t> </a:t>
+            </a:r>
+            <a:r>
+              <a:rPr lang="en-US" dirty="0">
+                <a:latin typeface="TimesNewRomanPSMT"/>
+              </a:rPr>
+              <a:t>to be copied into </a:t>
+            </a:r>
+            <a:r>
+              <a:rPr lang="en-US" sz="1400" dirty="0">
+                <a:latin typeface="LucidaSansTypewriteX"/>
+              </a:rPr>
+              <a:t>PSTATE</a:t>
+            </a:r>
+            <a:r>
+              <a:rPr lang="en-US" dirty="0">
+                <a:latin typeface="TimesNewRomanPSMT"/>
+              </a:rPr>
+              <a:t>. This restores the ALU flags, execution state, Exception level, and the processor branches. </a:t>
+            </a:r>
+          </a:p>
+          <a:p>
+            <a:endParaRPr lang="en-US" dirty="0">
+              <a:latin typeface="TimesNewRomanPSMT"/>
+            </a:endParaRPr>
+          </a:p>
+          <a:p>
+            <a:r>
+              <a:rPr lang="en-US" dirty="0">
+                <a:latin typeface="TimesNewRomanPSMT"/>
+              </a:rPr>
+              <a:t>From here, you continue execution from the address in </a:t>
+            </a:r>
+            <a:r>
+              <a:rPr lang="en-US" dirty="0" err="1">
+                <a:latin typeface="TimesNewRomanPSMT"/>
+              </a:rPr>
+              <a:t>ELR_EL</a:t>
+            </a:r>
+            <a:r>
+              <a:rPr lang="en-US" i="1" dirty="0" err="1">
+                <a:latin typeface="TimesNewRomanPS-ItalicMT"/>
+              </a:rPr>
+              <a:t>n</a:t>
+            </a:r>
+            <a:r>
+              <a:rPr lang="en-US" dirty="0">
+                <a:latin typeface="TimesNewRomanPSMT"/>
+              </a:rPr>
+              <a:t>.</a:t>
+            </a:r>
+            <a:endParaRPr lang="en-US" dirty="0"/>
+          </a:p>
+        </p:txBody>
+      </p:sp>
+      <p:sp>
+        <p:nvSpPr>
+          <p:cNvPr id="9" name="Rectangle 8"/>
+          <p:cNvSpPr/>
+          <p:nvPr/>
+        </p:nvSpPr>
+        <p:spPr>
+          <a:xfrm>
+            <a:off x="643355" y="4710392"/>
+            <a:ext cx="4775859" cy="369332"/>
+          </a:xfrm>
+          <a:prstGeom prst="rect">
+            <a:avLst/>
+          </a:prstGeom>
+        </p:spPr>
+        <p:txBody>
+          <a:bodyPr wrap="none">
+            <a:spAutoFit/>
+          </a:bodyPr>
+          <a:lstStyle/>
+          <a:p>
+            <a:r>
+              <a:rPr lang="en-US" sz="1400" dirty="0">
+                <a:latin typeface="LucidaSansTypewriteX"/>
+              </a:rPr>
+              <a:t>PSTATE</a:t>
+            </a:r>
+            <a:r>
+              <a:rPr lang="en-US" dirty="0">
+                <a:latin typeface="TimesNewRomanPSMT"/>
+              </a:rPr>
+              <a:t>.{N, Z, C, V} fields can be accessed at EL0.</a:t>
+            </a:r>
+            <a:endParaRPr lang="en-US" dirty="0"/>
+          </a:p>
+        </p:txBody>
+      </p:sp>
+      <p:sp>
+        <p:nvSpPr>
+          <p:cNvPr id="10" name="Rectangle 9"/>
+          <p:cNvSpPr/>
+          <p:nvPr/>
+        </p:nvSpPr>
+        <p:spPr>
+          <a:xfrm>
+            <a:off x="643354" y="5079724"/>
+            <a:ext cx="8140159" cy="369332"/>
+          </a:xfrm>
+          <a:prstGeom prst="rect">
+            <a:avLst/>
+          </a:prstGeom>
+        </p:spPr>
+        <p:txBody>
+          <a:bodyPr wrap="square">
+            <a:spAutoFit/>
+          </a:bodyPr>
+          <a:lstStyle/>
+          <a:p>
+            <a:r>
+              <a:rPr lang="en-US" dirty="0">
+                <a:latin typeface="TimesNewRomanPSMT"/>
+              </a:rPr>
+              <a:t>All other </a:t>
+            </a:r>
+            <a:r>
+              <a:rPr lang="en-US" sz="1400" dirty="0">
+                <a:latin typeface="LucidaSansTypewriteX"/>
+              </a:rPr>
+              <a:t>PSTATE </a:t>
+            </a:r>
+            <a:r>
+              <a:rPr lang="en-US" dirty="0">
+                <a:latin typeface="TimesNewRomanPSMT"/>
+              </a:rPr>
+              <a:t>fields can be accessed at EL1 or higher and are </a:t>
+            </a:r>
+            <a:r>
+              <a:rPr lang="en-US" sz="1400" dirty="0">
+                <a:latin typeface="TimesNewRomanPSMT"/>
+              </a:rPr>
+              <a:t>UNDEFINED </a:t>
+            </a:r>
+            <a:r>
+              <a:rPr lang="en-US" dirty="0">
+                <a:latin typeface="TimesNewRomanPSMT"/>
+              </a:rPr>
+              <a:t>at EL0.</a:t>
+            </a:r>
+            <a:endParaRPr lang="en-US" dirty="0"/>
+          </a:p>
+        </p:txBody>
+      </p:sp>
+    </p:spTree>
+    <p:extLst>
+      <p:ext uri="{BB962C8B-B14F-4D97-AF65-F5344CB8AC3E}">
+        <p14:creationId xmlns:p14="http://schemas.microsoft.com/office/powerpoint/2010/main" val="1217516263"/>
+      </p:ext>
+    </p:extLst>
+  </p:cSld>
+  <p:clrMapOvr>
+    <a:masterClrMapping/>
+  </p:clrMapOvr>
+</p:sld>
+</file>
+
+<file path=ppt/slides/slide12.xml><?xml version="1.0" encoding="utf-8"?>
+<p:sld xmlns:a="http://schemas.openxmlformats.org/drawingml/2006/main" xmlns:r="http://schemas.openxmlformats.org/officeDocument/2006/relationships" xmlns:p="http://schemas.openxmlformats.org/presentationml/2006/main">
+  <p:cSld>
+    <p:spTree>
+      <p:nvGrpSpPr>
+        <p:cNvPr id="1" name=""/>
+        <p:cNvGrpSpPr/>
+        <p:nvPr/>
+      </p:nvGrpSpPr>
+      <p:grpSpPr>
+        <a:xfrm>
+          <a:off x="0" y="0"/>
+          <a:ext cx="0" cy="0"/>
+          <a:chOff x="0" y="0"/>
+          <a:chExt cx="0" cy="0"/>
+        </a:xfrm>
+      </p:grpSpPr>
+      <p:sp>
+        <p:nvSpPr>
+          <p:cNvPr id="4" name="Rectangle 3"/>
+          <p:cNvSpPr/>
+          <p:nvPr/>
+        </p:nvSpPr>
+        <p:spPr>
+          <a:xfrm>
+            <a:off x="265286" y="316496"/>
+            <a:ext cx="9010599" cy="369332"/>
+          </a:xfrm>
+          <a:prstGeom prst="rect">
+            <a:avLst/>
+          </a:prstGeom>
+        </p:spPr>
+        <p:txBody>
+          <a:bodyPr wrap="square">
+            <a:spAutoFit/>
+          </a:bodyPr>
+          <a:lstStyle/>
+          <a:p>
+            <a:r>
+              <a:rPr lang="en-US" b="1" dirty="0"/>
+              <a:t>AArch64 Special Registers – System Registers</a:t>
+            </a:r>
+            <a:endParaRPr lang="en-US" dirty="0"/>
+          </a:p>
+        </p:txBody>
+      </p:sp>
+      <p:sp>
+        <p:nvSpPr>
+          <p:cNvPr id="2" name="Rectangle 1"/>
+          <p:cNvSpPr/>
+          <p:nvPr/>
+        </p:nvSpPr>
+        <p:spPr>
+          <a:xfrm>
+            <a:off x="915811" y="905580"/>
+            <a:ext cx="5737468" cy="369332"/>
+          </a:xfrm>
+          <a:prstGeom prst="rect">
+            <a:avLst/>
+          </a:prstGeom>
+        </p:spPr>
+        <p:txBody>
+          <a:bodyPr wrap="none">
+            <a:spAutoFit/>
+          </a:bodyPr>
+          <a:lstStyle/>
+          <a:p>
+            <a:r>
+              <a:rPr lang="en-US" dirty="0">
+                <a:latin typeface="TimesNewRomanPSMT"/>
+              </a:rPr>
+              <a:t>System Configuration is controlled through system registers</a:t>
+            </a:r>
+            <a:endParaRPr lang="en-US" dirty="0"/>
+          </a:p>
+        </p:txBody>
+      </p:sp>
+      <p:sp>
+        <p:nvSpPr>
+          <p:cNvPr id="3" name="Rectangle 2"/>
+          <p:cNvSpPr/>
+          <p:nvPr/>
+        </p:nvSpPr>
+        <p:spPr>
+          <a:xfrm>
+            <a:off x="915811" y="1494664"/>
+            <a:ext cx="6096000" cy="369332"/>
+          </a:xfrm>
+          <a:prstGeom prst="rect">
+            <a:avLst/>
+          </a:prstGeom>
+        </p:spPr>
+        <p:txBody>
+          <a:bodyPr>
+            <a:spAutoFit/>
+          </a:bodyPr>
+          <a:lstStyle/>
+          <a:p>
+            <a:r>
+              <a:rPr lang="en-US" dirty="0">
+                <a:latin typeface="TimesNewRomanPSMT"/>
+              </a:rPr>
+              <a:t>Accessed using </a:t>
+            </a:r>
+            <a:r>
+              <a:rPr lang="en-US" sz="1400" dirty="0">
+                <a:latin typeface="LucidaSansTypewriteX"/>
+              </a:rPr>
+              <a:t>MSR </a:t>
+            </a:r>
+            <a:r>
+              <a:rPr lang="en-US" dirty="0">
+                <a:latin typeface="TimesNewRomanPSMT"/>
+              </a:rPr>
+              <a:t>and </a:t>
+            </a:r>
+            <a:r>
+              <a:rPr lang="en-US" sz="1400" dirty="0">
+                <a:latin typeface="LucidaSansTypewriteX"/>
+              </a:rPr>
+              <a:t>MRS </a:t>
+            </a:r>
+            <a:r>
+              <a:rPr lang="en-US" dirty="0">
+                <a:latin typeface="TimesNewRomanPSMT"/>
+              </a:rPr>
+              <a:t>instructions</a:t>
+            </a:r>
+            <a:endParaRPr lang="en-US" dirty="0"/>
+          </a:p>
+        </p:txBody>
+      </p:sp>
+      <p:sp>
+        <p:nvSpPr>
+          <p:cNvPr id="5" name="Rectangle 4"/>
+          <p:cNvSpPr/>
+          <p:nvPr/>
+        </p:nvSpPr>
+        <p:spPr>
+          <a:xfrm>
+            <a:off x="915811" y="2259595"/>
+            <a:ext cx="8799689" cy="1200329"/>
+          </a:xfrm>
+          <a:prstGeom prst="rect">
+            <a:avLst/>
+          </a:prstGeom>
+        </p:spPr>
+        <p:txBody>
+          <a:bodyPr wrap="square">
+            <a:spAutoFit/>
+          </a:bodyPr>
+          <a:lstStyle/>
+          <a:p>
+            <a:r>
+              <a:rPr lang="en-US" dirty="0">
+                <a:latin typeface="TimesNewRomanPSMT"/>
+              </a:rPr>
+              <a:t>The name of a register tells you the lowest Exception level that it can be accessed from.</a:t>
+            </a:r>
+            <a:endParaRPr lang="en-US" dirty="0"/>
+          </a:p>
+          <a:p>
+            <a:r>
+              <a:rPr lang="en-US" dirty="0">
+                <a:latin typeface="TimesNewRomanPSMT"/>
+              </a:rPr>
+              <a:t>For example:</a:t>
+            </a:r>
+          </a:p>
+          <a:p>
+            <a:r>
+              <a:rPr lang="en-US" dirty="0">
+                <a:latin typeface="TimesNewRomanPSMT"/>
+              </a:rPr>
+              <a:t>• TTBR0_EL1 is accessible from EL1, EL2, and EL3.</a:t>
+            </a:r>
+          </a:p>
+          <a:p>
+            <a:r>
+              <a:rPr lang="en-US" dirty="0">
+                <a:latin typeface="TimesNewRomanPSMT"/>
+              </a:rPr>
+              <a:t>• TTBR0_EL2 is accessible from EL2 and EL3.</a:t>
+            </a:r>
+          </a:p>
+        </p:txBody>
+      </p:sp>
+      <p:sp>
+        <p:nvSpPr>
+          <p:cNvPr id="6" name="Rectangle 5"/>
+          <p:cNvSpPr/>
+          <p:nvPr/>
+        </p:nvSpPr>
+        <p:spPr>
+          <a:xfrm>
+            <a:off x="915810" y="3670857"/>
+            <a:ext cx="9415151" cy="1754326"/>
+          </a:xfrm>
+          <a:prstGeom prst="rect">
+            <a:avLst/>
+          </a:prstGeom>
+        </p:spPr>
+        <p:txBody>
+          <a:bodyPr wrap="square">
+            <a:spAutoFit/>
+          </a:bodyPr>
+          <a:lstStyle/>
+          <a:p>
+            <a:r>
+              <a:rPr lang="en-US" dirty="0">
+                <a:latin typeface="TimesNewRomanPSMT"/>
+              </a:rPr>
+              <a:t>Registers that have the suffix </a:t>
+            </a:r>
+            <a:r>
+              <a:rPr lang="en-US" i="1" dirty="0">
+                <a:latin typeface="TimesNewRomanPS-ItalicMT"/>
+              </a:rPr>
+              <a:t>_</a:t>
+            </a:r>
+            <a:r>
+              <a:rPr lang="en-US" i="1" dirty="0" err="1">
+                <a:latin typeface="TimesNewRomanPS-ItalicMT"/>
+              </a:rPr>
+              <a:t>ELn</a:t>
+            </a:r>
+            <a:r>
+              <a:rPr lang="en-US" i="1" dirty="0">
+                <a:latin typeface="TimesNewRomanPS-ItalicMT"/>
+              </a:rPr>
+              <a:t> </a:t>
+            </a:r>
+            <a:r>
+              <a:rPr lang="en-US" dirty="0">
+                <a:latin typeface="TimesNewRomanPSMT"/>
+              </a:rPr>
+              <a:t>have a separate, banked copy in some or all of the levels, though usually not EL0. </a:t>
+            </a:r>
+          </a:p>
+          <a:p>
+            <a:endParaRPr lang="en-US" dirty="0">
+              <a:latin typeface="TimesNewRomanPSMT"/>
+            </a:endParaRPr>
+          </a:p>
+          <a:p>
+            <a:r>
+              <a:rPr lang="en-US" dirty="0" err="1">
+                <a:latin typeface="TimesNewRomanPSMT"/>
+              </a:rPr>
+              <a:t>Moslty</a:t>
+            </a:r>
+            <a:r>
+              <a:rPr lang="en-US" dirty="0">
+                <a:latin typeface="TimesNewRomanPSMT"/>
+              </a:rPr>
+              <a:t> System Registers are not accessible from EL0. Few system registers are accessible from EL0, although the </a:t>
+            </a:r>
+            <a:r>
+              <a:rPr lang="en-US" b="1" dirty="0">
+                <a:latin typeface="TimesNewRomanPSMT"/>
+              </a:rPr>
+              <a:t>Cache Type Register </a:t>
+            </a:r>
+            <a:r>
+              <a:rPr lang="en-US" dirty="0">
+                <a:latin typeface="TimesNewRomanPSMT"/>
+              </a:rPr>
+              <a:t>(CTR_EL0) is an example of one that can be accessible.</a:t>
+            </a:r>
+          </a:p>
+          <a:p>
+            <a:endParaRPr lang="en-US" dirty="0"/>
+          </a:p>
+        </p:txBody>
+      </p:sp>
+      <p:sp>
+        <p:nvSpPr>
+          <p:cNvPr id="7" name="Rectangle 6"/>
+          <p:cNvSpPr/>
+          <p:nvPr/>
+        </p:nvSpPr>
+        <p:spPr>
+          <a:xfrm>
+            <a:off x="915811" y="5514873"/>
+            <a:ext cx="8272151" cy="923330"/>
+          </a:xfrm>
+          <a:prstGeom prst="rect">
+            <a:avLst/>
+          </a:prstGeom>
+        </p:spPr>
+        <p:txBody>
+          <a:bodyPr wrap="square">
+            <a:spAutoFit/>
+          </a:bodyPr>
+          <a:lstStyle/>
+          <a:p>
+            <a:r>
+              <a:rPr lang="en-US" dirty="0">
+                <a:latin typeface="TimesNewRomanPSMT"/>
+              </a:rPr>
+              <a:t>Code to access system registers takes the following form:</a:t>
+            </a:r>
+          </a:p>
+          <a:p>
+            <a:r>
+              <a:rPr lang="en-US" dirty="0">
+                <a:latin typeface="LucidaSansTypewriteX"/>
+              </a:rPr>
+              <a:t>MRS     x0, TTBR0_EL1 		// Move TTBR0_EL1 into x0</a:t>
+            </a:r>
+          </a:p>
+          <a:p>
+            <a:r>
+              <a:rPr lang="en-US" dirty="0">
+                <a:latin typeface="LucidaSansTypewriteX"/>
+              </a:rPr>
+              <a:t>MSR     TTBR0_EL1, x0 		// Move x0 into TTBR0_EL1</a:t>
+            </a:r>
+            <a:endParaRPr lang="en-US" dirty="0"/>
+          </a:p>
+        </p:txBody>
+      </p:sp>
+    </p:spTree>
+    <p:extLst>
+      <p:ext uri="{BB962C8B-B14F-4D97-AF65-F5344CB8AC3E}">
+        <p14:creationId xmlns:p14="http://schemas.microsoft.com/office/powerpoint/2010/main" val="1124714583"/>
+      </p:ext>
+    </p:extLst>
+  </p:cSld>
+  <p:clrMapOvr>
+    <a:masterClrMapping/>
+  </p:clrMapOvr>
+</p:sld>
+</file>
+
+<file path=ppt/slides/slide13.xml><?xml version="1.0" encoding="utf-8"?>
+<p:sld xmlns:a="http://schemas.openxmlformats.org/drawingml/2006/main" xmlns:r="http://schemas.openxmlformats.org/officeDocument/2006/relationships" xmlns:p="http://schemas.openxmlformats.org/presentationml/2006/main">
+  <p:cSld>
+    <p:spTree>
+      <p:nvGrpSpPr>
+        <p:cNvPr id="1" name=""/>
+        <p:cNvGrpSpPr/>
+        <p:nvPr/>
+      </p:nvGrpSpPr>
+      <p:grpSpPr>
+        <a:xfrm>
+          <a:off x="0" y="0"/>
+          <a:ext cx="0" cy="0"/>
+          <a:chOff x="0" y="0"/>
+          <a:chExt cx="0" cy="0"/>
+        </a:xfrm>
+      </p:grpSpPr>
+      <p:sp>
+        <p:nvSpPr>
+          <p:cNvPr id="3" name="Rectangle 2"/>
+          <p:cNvSpPr/>
+          <p:nvPr/>
+        </p:nvSpPr>
+        <p:spPr>
+          <a:xfrm>
+            <a:off x="265286" y="316496"/>
+            <a:ext cx="9010599" cy="369332"/>
+          </a:xfrm>
+          <a:prstGeom prst="rect">
+            <a:avLst/>
+          </a:prstGeom>
+        </p:spPr>
+        <p:txBody>
+          <a:bodyPr wrap="square">
+            <a:spAutoFit/>
+          </a:bodyPr>
+          <a:lstStyle/>
+          <a:p>
+            <a:r>
+              <a:rPr lang="en-US" b="1" dirty="0"/>
+              <a:t>AArch64 Special Registers – System Registers – System Control Register</a:t>
+            </a:r>
+            <a:endParaRPr lang="en-US" dirty="0"/>
+          </a:p>
+        </p:txBody>
+      </p:sp>
+      <p:sp>
+        <p:nvSpPr>
+          <p:cNvPr id="2" name="Rectangle 1"/>
+          <p:cNvSpPr/>
+          <p:nvPr/>
+        </p:nvSpPr>
+        <p:spPr>
+          <a:xfrm>
+            <a:off x="501161" y="1006650"/>
+            <a:ext cx="8370277" cy="1200329"/>
+          </a:xfrm>
+          <a:prstGeom prst="rect">
+            <a:avLst/>
+          </a:prstGeom>
+        </p:spPr>
+        <p:txBody>
+          <a:bodyPr wrap="square">
+            <a:spAutoFit/>
+          </a:bodyPr>
+          <a:lstStyle/>
+          <a:p>
+            <a:r>
+              <a:rPr lang="en-US" dirty="0">
+                <a:latin typeface="TimesNewRomanPSMT"/>
+              </a:rPr>
+              <a:t>System Control Register controls </a:t>
+            </a:r>
+          </a:p>
+          <a:p>
+            <a:pPr marL="285750" indent="-285750">
+              <a:buFont typeface="Arial" panose="020B0604020202020204" pitchFamily="34" charset="0"/>
+              <a:buChar char="•"/>
+            </a:pPr>
+            <a:r>
+              <a:rPr lang="en-US" dirty="0">
+                <a:latin typeface="TimesNewRomanPSMT"/>
+              </a:rPr>
+              <a:t>	Standard memory, </a:t>
+            </a:r>
+          </a:p>
+          <a:p>
+            <a:pPr marL="285750" indent="-285750">
+              <a:buFont typeface="Arial" panose="020B0604020202020204" pitchFamily="34" charset="0"/>
+              <a:buChar char="•"/>
+            </a:pPr>
+            <a:r>
+              <a:rPr lang="en-US" dirty="0">
+                <a:latin typeface="TimesNewRomanPSMT"/>
+              </a:rPr>
+              <a:t>	System facilities and </a:t>
+            </a:r>
+          </a:p>
+          <a:p>
+            <a:pPr marL="285750" indent="-285750">
+              <a:buFont typeface="Arial" panose="020B0604020202020204" pitchFamily="34" charset="0"/>
+              <a:buChar char="•"/>
+            </a:pPr>
+            <a:r>
+              <a:rPr lang="en-US" dirty="0">
+                <a:latin typeface="TimesNewRomanPSMT"/>
+              </a:rPr>
+              <a:t>	Provides status information for functions that are implemented in the core.</a:t>
+            </a:r>
+            <a:endParaRPr lang="en-US" dirty="0"/>
+          </a:p>
+        </p:txBody>
+      </p:sp>
+      <p:grpSp>
+        <p:nvGrpSpPr>
+          <p:cNvPr id="7" name="Group 6"/>
+          <p:cNvGrpSpPr/>
+          <p:nvPr/>
+        </p:nvGrpSpPr>
+        <p:grpSpPr>
+          <a:xfrm>
+            <a:off x="1319463" y="2606849"/>
+            <a:ext cx="7078524" cy="3009163"/>
+            <a:chOff x="1310054" y="2129992"/>
+            <a:chExt cx="8169388" cy="3472902"/>
+          </a:xfrm>
+        </p:grpSpPr>
+        <p:pic>
+          <p:nvPicPr>
+            <p:cNvPr id="5" name="Picture 4"/>
+            <p:cNvPicPr>
+              <a:picLocks noChangeAspect="1"/>
+            </p:cNvPicPr>
+            <p:nvPr/>
+          </p:nvPicPr>
+          <p:blipFill>
+            <a:blip r:embed="rId2"/>
+            <a:stretch>
+              <a:fillRect/>
+            </a:stretch>
+          </p:blipFill>
+          <p:spPr>
+            <a:xfrm>
+              <a:off x="1310054" y="2129992"/>
+              <a:ext cx="8169388" cy="3243574"/>
+            </a:xfrm>
+            <a:prstGeom prst="rect">
+              <a:avLst/>
+            </a:prstGeom>
+          </p:spPr>
+        </p:pic>
+        <p:pic>
+          <p:nvPicPr>
+            <p:cNvPr id="6" name="Picture 5"/>
+            <p:cNvPicPr>
+              <a:picLocks noChangeAspect="1"/>
+            </p:cNvPicPr>
+            <p:nvPr/>
+          </p:nvPicPr>
+          <p:blipFill>
+            <a:blip r:embed="rId3"/>
+            <a:stretch>
+              <a:fillRect/>
+            </a:stretch>
+          </p:blipFill>
+          <p:spPr>
+            <a:xfrm>
+              <a:off x="7327561" y="5373566"/>
+              <a:ext cx="1948324" cy="229328"/>
+            </a:xfrm>
+            <a:prstGeom prst="rect">
+              <a:avLst/>
+            </a:prstGeom>
+          </p:spPr>
+        </p:pic>
+      </p:grpSp>
+      <p:sp>
+        <p:nvSpPr>
+          <p:cNvPr id="4" name="Star: 5 Points 3"/>
+          <p:cNvSpPr/>
+          <p:nvPr/>
+        </p:nvSpPr>
+        <p:spPr>
+          <a:xfrm>
+            <a:off x="8871438" y="4759678"/>
+            <a:ext cx="2189284" cy="1881443"/>
+          </a:xfrm>
+          <a:prstGeom prst="star5">
+            <a:avLst>
+              <a:gd name="adj" fmla="val 25823"/>
+              <a:gd name="hf" fmla="val 105146"/>
+              <a:gd name="vf" fmla="val 110557"/>
+            </a:avLst>
+          </a:prstGeom>
+        </p:spPr>
+        <p:style>
+          <a:lnRef idx="2">
+            <a:schemeClr val="accent1">
+              <a:shade val="50000"/>
+            </a:schemeClr>
+          </a:lnRef>
+          <a:fillRef idx="1">
+            <a:schemeClr val="accent1"/>
+          </a:fillRef>
+          <a:effectRef idx="0">
+            <a:schemeClr val="accent1"/>
+          </a:effectRef>
+          <a:fontRef idx="minor">
+            <a:schemeClr val="lt1"/>
+          </a:fontRef>
+        </p:style>
+        <p:txBody>
+          <a:bodyPr rtlCol="0" anchor="ctr"/>
+          <a:lstStyle/>
+          <a:p>
+            <a:pPr algn="ctr"/>
+            <a:r>
+              <a:rPr lang="en-US" sz="1400" dirty="0">
+                <a:latin typeface="TimesNewRomanPSMT"/>
+              </a:rPr>
+              <a:t>Not all bits are available above EL1</a:t>
+            </a:r>
+            <a:endParaRPr lang="en-US" sz="1400" dirty="0"/>
+          </a:p>
+          <a:p>
+            <a:pPr algn="ctr"/>
+            <a:endParaRPr lang="en-US" sz="1400" dirty="0"/>
+          </a:p>
+        </p:txBody>
+      </p:sp>
+    </p:spTree>
+    <p:extLst>
+      <p:ext uri="{BB962C8B-B14F-4D97-AF65-F5344CB8AC3E}">
+        <p14:creationId xmlns:p14="http://schemas.microsoft.com/office/powerpoint/2010/main" val="3349501556"/>
+      </p:ext>
+    </p:extLst>
+  </p:cSld>
+  <p:clrMapOvr>
+    <a:masterClrMapping/>
+  </p:clrMapOvr>
+</p:sld>
+</file>
+
+<file path=ppt/slides/slide14.xml><?xml version="1.0" encoding="utf-8"?>
+<p:sld xmlns:a="http://schemas.openxmlformats.org/drawingml/2006/main" xmlns:r="http://schemas.openxmlformats.org/officeDocument/2006/relationships" xmlns:p="http://schemas.openxmlformats.org/presentationml/2006/main">
+  <p:cSld>
+    <p:spTree>
+      <p:nvGrpSpPr>
+        <p:cNvPr id="1" name=""/>
+        <p:cNvGrpSpPr/>
+        <p:nvPr/>
+      </p:nvGrpSpPr>
+      <p:grpSpPr>
+        <a:xfrm>
+          <a:off x="0" y="0"/>
+          <a:ext cx="0" cy="0"/>
+          <a:chOff x="0" y="0"/>
+          <a:chExt cx="0" cy="0"/>
+        </a:xfrm>
+      </p:grpSpPr>
+      <p:sp>
+        <p:nvSpPr>
+          <p:cNvPr id="3" name="Rectangle 2"/>
+          <p:cNvSpPr/>
+          <p:nvPr/>
+        </p:nvSpPr>
+        <p:spPr>
+          <a:xfrm>
+            <a:off x="265286" y="316496"/>
+            <a:ext cx="9010599" cy="369332"/>
+          </a:xfrm>
+          <a:prstGeom prst="rect">
+            <a:avLst/>
+          </a:prstGeom>
+        </p:spPr>
+        <p:txBody>
+          <a:bodyPr wrap="square">
+            <a:spAutoFit/>
+          </a:bodyPr>
+          <a:lstStyle/>
+          <a:p>
+            <a:r>
+              <a:rPr lang="en-US" b="1" dirty="0"/>
+              <a:t>AArch64 Special Registers – System Registers – System Control Register</a:t>
+            </a:r>
+            <a:endParaRPr lang="en-US" dirty="0"/>
+          </a:p>
+        </p:txBody>
+      </p:sp>
+      <p:graphicFrame>
+        <p:nvGraphicFramePr>
+          <p:cNvPr id="8" name="Table 7"/>
+          <p:cNvGraphicFramePr>
+            <a:graphicFrameLocks noGrp="1"/>
+          </p:cNvGraphicFramePr>
+          <p:nvPr>
+            <p:extLst>
+              <p:ext uri="{D42A27DB-BD31-4B8C-83A1-F6EECF244321}">
+                <p14:modId xmlns:p14="http://schemas.microsoft.com/office/powerpoint/2010/main" val="1496017836"/>
+              </p:ext>
+            </p:extLst>
+          </p:nvPr>
+        </p:nvGraphicFramePr>
+        <p:xfrm>
+          <a:off x="714375" y="685828"/>
+          <a:ext cx="11020424" cy="5796280"/>
+        </p:xfrm>
+        <a:graphic>
+          <a:graphicData uri="http://schemas.openxmlformats.org/drawingml/2006/table">
+            <a:tbl>
+              <a:tblPr firstRow="1" bandRow="1">
+                <a:tableStyleId>{5C22544A-7EE6-4342-B048-85BDC9FD1C3A}</a:tableStyleId>
+              </a:tblPr>
+              <a:tblGrid>
+                <a:gridCol w="952500">
+                  <a:extLst>
+                    <a:ext uri="{9D8B030D-6E8A-4147-A177-3AD203B41FA5}">
+                      <a16:colId xmlns:a16="http://schemas.microsoft.com/office/drawing/2014/main" val="2138778611"/>
+                    </a:ext>
+                  </a:extLst>
+                </a:gridCol>
+                <a:gridCol w="10067924">
+                  <a:extLst>
+                    <a:ext uri="{9D8B030D-6E8A-4147-A177-3AD203B41FA5}">
+                      <a16:colId xmlns:a16="http://schemas.microsoft.com/office/drawing/2014/main" val="3864147338"/>
+                    </a:ext>
+                  </a:extLst>
+                </a:gridCol>
+              </a:tblGrid>
+              <a:tr h="370840">
+                <a:tc>
+                  <a:txBody>
+                    <a:bodyPr/>
+                    <a:lstStyle/>
+                    <a:p>
+                      <a:pPr algn="ctr"/>
+                      <a:r>
+                        <a:rPr lang="en-US" dirty="0"/>
+                        <a:t>Bit </a:t>
+                      </a:r>
+                    </a:p>
+                  </a:txBody>
+                  <a:tcPr/>
+                </a:tc>
+                <a:tc>
+                  <a:txBody>
+                    <a:bodyPr/>
+                    <a:lstStyle/>
+                    <a:p>
+                      <a:pPr algn="ctr"/>
+                      <a:r>
+                        <a:rPr lang="en-US" dirty="0"/>
+                        <a:t>Description</a:t>
+                      </a:r>
+                    </a:p>
+                  </a:txBody>
+                  <a:tcPr/>
+                </a:tc>
+                <a:extLst>
+                  <a:ext uri="{0D108BD9-81ED-4DB2-BD59-A6C34878D82A}">
+                    <a16:rowId xmlns:a16="http://schemas.microsoft.com/office/drawing/2014/main" val="1134022493"/>
+                  </a:ext>
+                </a:extLst>
+              </a:tr>
+              <a:tr h="370840">
+                <a:tc>
+                  <a:txBody>
+                    <a:bodyPr/>
+                    <a:lstStyle/>
+                    <a:p>
+                      <a:r>
+                        <a:rPr lang="en-US" sz="1200" b="1" i="0" u="none" strike="noStrike" kern="1200" baseline="0" dirty="0">
+                          <a:solidFill>
+                            <a:schemeClr val="dk1"/>
+                          </a:solidFill>
+                          <a:latin typeface="+mn-lt"/>
+                          <a:ea typeface="+mn-ea"/>
+                          <a:cs typeface="+mn-cs"/>
+                        </a:rPr>
+                        <a:t>UCI</a:t>
+                      </a:r>
+                      <a:endParaRPr lang="en-US" sz="1200" dirty="0"/>
+                    </a:p>
+                  </a:txBody>
+                  <a:tcPr/>
+                </a:tc>
+                <a:tc>
+                  <a:txBody>
+                    <a:bodyPr/>
+                    <a:lstStyle/>
+                    <a:p>
+                      <a:r>
+                        <a:rPr lang="en-US" sz="1200" b="0" i="0" u="none" strike="noStrike" kern="1200" baseline="0" dirty="0">
+                          <a:solidFill>
+                            <a:schemeClr val="dk1"/>
+                          </a:solidFill>
+                          <a:latin typeface="+mn-lt"/>
+                          <a:ea typeface="+mn-ea"/>
+                          <a:cs typeface="+mn-cs"/>
+                        </a:rPr>
+                        <a:t>When set, enables EL0 access in AArch64 for DC CVAU, DC CIVAC, DC CVAC, and IC IVAU instructions.</a:t>
+                      </a:r>
+                      <a:endParaRPr lang="en-US" sz="1200" dirty="0"/>
+                    </a:p>
+                  </a:txBody>
+                  <a:tcPr/>
+                </a:tc>
+                <a:extLst>
+                  <a:ext uri="{0D108BD9-81ED-4DB2-BD59-A6C34878D82A}">
+                    <a16:rowId xmlns:a16="http://schemas.microsoft.com/office/drawing/2014/main" val="2197707688"/>
+                  </a:ext>
+                </a:extLst>
+              </a:tr>
+              <a:tr h="370840">
+                <a:tc>
+                  <a:txBody>
+                    <a:bodyPr/>
+                    <a:lstStyle/>
+                    <a:p>
+                      <a:r>
+                        <a:rPr lang="en-US" sz="1200" b="1" i="0" u="none" strike="noStrike" kern="1200" baseline="0" dirty="0">
+                          <a:solidFill>
+                            <a:schemeClr val="dk1"/>
+                          </a:solidFill>
+                          <a:latin typeface="+mn-lt"/>
+                          <a:ea typeface="+mn-ea"/>
+                          <a:cs typeface="+mn-cs"/>
+                        </a:rPr>
+                        <a:t>EE</a:t>
+                      </a:r>
+                      <a:endParaRPr lang="en-US" sz="1200" dirty="0"/>
+                    </a:p>
+                  </a:txBody>
+                  <a:tcPr/>
+                </a:tc>
+                <a:tc>
+                  <a:txBody>
+                    <a:bodyPr/>
+                    <a:lstStyle/>
+                    <a:p>
+                      <a:r>
+                        <a:rPr lang="en-US" sz="1200" b="0" i="0" u="none" strike="noStrike" kern="1200" baseline="0" dirty="0">
+                          <a:solidFill>
+                            <a:schemeClr val="dk1"/>
+                          </a:solidFill>
+                          <a:latin typeface="+mn-lt"/>
+                          <a:ea typeface="+mn-ea"/>
+                          <a:cs typeface="+mn-cs"/>
+                        </a:rPr>
+                        <a:t>Exception endianness. </a:t>
+                      </a:r>
+                    </a:p>
+                    <a:p>
+                      <a:r>
+                        <a:rPr lang="en-US" sz="1200" b="1" i="0" u="none" strike="noStrike" kern="1200" baseline="0" dirty="0">
+                          <a:solidFill>
+                            <a:schemeClr val="dk1"/>
+                          </a:solidFill>
+                          <a:latin typeface="+mn-lt"/>
+                          <a:ea typeface="+mn-ea"/>
+                          <a:cs typeface="+mn-cs"/>
+                        </a:rPr>
+                        <a:t>0 </a:t>
+                      </a:r>
+                      <a:r>
+                        <a:rPr lang="en-US" sz="1200" b="0" i="0" u="none" strike="noStrike" kern="1200" baseline="0" dirty="0">
+                          <a:solidFill>
+                            <a:schemeClr val="dk1"/>
+                          </a:solidFill>
+                          <a:latin typeface="+mn-lt"/>
+                          <a:ea typeface="+mn-ea"/>
+                          <a:cs typeface="+mn-cs"/>
+                        </a:rPr>
+                        <a:t>Little endian.</a:t>
+                      </a:r>
+                    </a:p>
+                    <a:p>
+                      <a:r>
+                        <a:rPr lang="en-US" sz="1200" b="1" i="0" u="none" strike="noStrike" kern="1200" baseline="0" dirty="0">
+                          <a:solidFill>
+                            <a:schemeClr val="dk1"/>
+                          </a:solidFill>
+                          <a:latin typeface="+mn-lt"/>
+                          <a:ea typeface="+mn-ea"/>
+                          <a:cs typeface="+mn-cs"/>
+                        </a:rPr>
+                        <a:t>1 </a:t>
+                      </a:r>
+                      <a:r>
+                        <a:rPr lang="en-US" sz="1200" b="0" i="0" u="none" strike="noStrike" kern="1200" baseline="0" dirty="0">
+                          <a:solidFill>
+                            <a:schemeClr val="dk1"/>
+                          </a:solidFill>
+                          <a:latin typeface="+mn-lt"/>
+                          <a:ea typeface="+mn-ea"/>
+                          <a:cs typeface="+mn-cs"/>
+                        </a:rPr>
+                        <a:t>Big endian.</a:t>
+                      </a:r>
+                      <a:endParaRPr lang="en-US" sz="1200" dirty="0"/>
+                    </a:p>
+                  </a:txBody>
+                  <a:tcPr/>
+                </a:tc>
+                <a:extLst>
+                  <a:ext uri="{0D108BD9-81ED-4DB2-BD59-A6C34878D82A}">
+                    <a16:rowId xmlns:a16="http://schemas.microsoft.com/office/drawing/2014/main" val="3894397679"/>
+                  </a:ext>
+                </a:extLst>
+              </a:tr>
+              <a:tr h="370840">
+                <a:tc>
+                  <a:txBody>
+                    <a:bodyPr/>
+                    <a:lstStyle/>
+                    <a:p>
+                      <a:r>
+                        <a:rPr lang="en-US" sz="1200" b="1" i="0" u="none" strike="noStrike" kern="1200" baseline="0" dirty="0">
+                          <a:solidFill>
+                            <a:schemeClr val="dk1"/>
+                          </a:solidFill>
+                          <a:latin typeface="+mn-lt"/>
+                          <a:ea typeface="+mn-ea"/>
+                          <a:cs typeface="+mn-cs"/>
+                        </a:rPr>
+                        <a:t>EOE</a:t>
+                      </a:r>
+                      <a:endParaRPr lang="en-US" sz="1200" dirty="0"/>
+                    </a:p>
+                  </a:txBody>
+                  <a:tcPr/>
+                </a:tc>
+                <a:tc>
+                  <a:txBody>
+                    <a:bodyPr/>
+                    <a:lstStyle/>
+                    <a:p>
+                      <a:r>
+                        <a:rPr lang="en-US" sz="1200" b="0" i="0" u="none" strike="noStrike" kern="1200" baseline="0" dirty="0">
+                          <a:solidFill>
+                            <a:schemeClr val="dk1"/>
+                          </a:solidFill>
+                          <a:latin typeface="+mn-lt"/>
+                          <a:ea typeface="+mn-ea"/>
+                          <a:cs typeface="+mn-cs"/>
+                        </a:rPr>
+                        <a:t>Endianness of explicit data accesses at EL0.</a:t>
+                      </a:r>
+                    </a:p>
+                    <a:p>
+                      <a:r>
+                        <a:rPr lang="en-US" sz="1200" b="1" i="0" u="none" strike="noStrike" kern="1200" baseline="0" dirty="0">
+                          <a:solidFill>
+                            <a:schemeClr val="dk1"/>
+                          </a:solidFill>
+                          <a:latin typeface="+mn-lt"/>
+                          <a:ea typeface="+mn-ea"/>
+                          <a:cs typeface="+mn-cs"/>
+                        </a:rPr>
+                        <a:t>0 </a:t>
+                      </a:r>
+                      <a:r>
+                        <a:rPr lang="en-US" sz="1200" b="0" i="0" u="none" strike="noStrike" kern="1200" baseline="0" dirty="0">
+                          <a:solidFill>
+                            <a:schemeClr val="dk1"/>
+                          </a:solidFill>
+                          <a:latin typeface="+mn-lt"/>
+                          <a:ea typeface="+mn-ea"/>
+                          <a:cs typeface="+mn-cs"/>
+                        </a:rPr>
+                        <a:t>Explicit data accesses at EL0 are little-endian.</a:t>
+                      </a:r>
+                    </a:p>
+                    <a:p>
+                      <a:r>
+                        <a:rPr lang="en-US" sz="1200" b="1" i="0" u="none" strike="noStrike" kern="1200" baseline="0" dirty="0">
+                          <a:solidFill>
+                            <a:schemeClr val="dk1"/>
+                          </a:solidFill>
+                          <a:latin typeface="+mn-lt"/>
+                          <a:ea typeface="+mn-ea"/>
+                          <a:cs typeface="+mn-cs"/>
+                        </a:rPr>
+                        <a:t>1 </a:t>
+                      </a:r>
+                      <a:r>
+                        <a:rPr lang="en-US" sz="1200" b="0" i="0" u="none" strike="noStrike" kern="1200" baseline="0" dirty="0">
+                          <a:solidFill>
+                            <a:schemeClr val="dk1"/>
+                          </a:solidFill>
+                          <a:latin typeface="+mn-lt"/>
+                          <a:ea typeface="+mn-ea"/>
+                          <a:cs typeface="+mn-cs"/>
+                        </a:rPr>
+                        <a:t>Explicit data accesses at EL0 are big-endian.</a:t>
+                      </a:r>
+                      <a:endParaRPr lang="en-US" sz="1200" dirty="0"/>
+                    </a:p>
+                  </a:txBody>
+                  <a:tcPr/>
+                </a:tc>
+                <a:extLst>
+                  <a:ext uri="{0D108BD9-81ED-4DB2-BD59-A6C34878D82A}">
+                    <a16:rowId xmlns:a16="http://schemas.microsoft.com/office/drawing/2014/main" val="576121154"/>
+                  </a:ext>
+                </a:extLst>
+              </a:tr>
+              <a:tr h="370840">
+                <a:tc>
+                  <a:txBody>
+                    <a:bodyPr/>
+                    <a:lstStyle/>
+                    <a:p>
+                      <a:r>
+                        <a:rPr lang="en-US" sz="1200" b="1" i="0" u="none" strike="noStrike" kern="1200" baseline="0" dirty="0">
+                          <a:solidFill>
+                            <a:schemeClr val="dk1"/>
+                          </a:solidFill>
+                          <a:latin typeface="+mn-lt"/>
+                          <a:ea typeface="+mn-ea"/>
+                          <a:cs typeface="+mn-cs"/>
+                        </a:rPr>
+                        <a:t>WXN</a:t>
+                      </a:r>
+                      <a:endParaRPr lang="en-US" sz="1200" dirty="0"/>
+                    </a:p>
+                  </a:txBody>
+                  <a:tcPr/>
+                </a:tc>
+                <a:tc>
+                  <a:txBody>
+                    <a:bodyPr/>
+                    <a:lstStyle/>
+                    <a:p>
+                      <a:r>
+                        <a:rPr lang="en-US" sz="1200" b="0" i="0" u="none" strike="noStrike" kern="1200" baseline="0" dirty="0">
+                          <a:solidFill>
+                            <a:schemeClr val="dk1"/>
+                          </a:solidFill>
+                          <a:latin typeface="+mn-lt"/>
+                          <a:ea typeface="+mn-ea"/>
+                          <a:cs typeface="+mn-cs"/>
+                        </a:rPr>
+                        <a:t>Write permission implies XN (</a:t>
+                      </a:r>
+                      <a:r>
+                        <a:rPr lang="en-US" sz="1200" b="0" i="0" u="none" strike="noStrike" kern="1200" baseline="0" dirty="0" err="1">
+                          <a:solidFill>
+                            <a:schemeClr val="dk1"/>
+                          </a:solidFill>
+                          <a:latin typeface="+mn-lt"/>
+                          <a:ea typeface="+mn-ea"/>
+                          <a:cs typeface="+mn-cs"/>
+                        </a:rPr>
+                        <a:t>eXecute</a:t>
+                      </a:r>
+                      <a:r>
+                        <a:rPr lang="en-US" sz="1200" b="0" i="0" u="none" strike="noStrike" kern="1200" baseline="0" dirty="0">
+                          <a:solidFill>
+                            <a:schemeClr val="dk1"/>
+                          </a:solidFill>
+                          <a:latin typeface="+mn-lt"/>
+                          <a:ea typeface="+mn-ea"/>
+                          <a:cs typeface="+mn-cs"/>
+                        </a:rPr>
+                        <a:t> Never).</a:t>
+                      </a:r>
+                    </a:p>
+                    <a:p>
+                      <a:r>
+                        <a:rPr lang="en-US" sz="1200" b="1" i="0" u="none" strike="noStrike" kern="1200" baseline="0" dirty="0">
+                          <a:solidFill>
+                            <a:schemeClr val="dk1"/>
+                          </a:solidFill>
+                          <a:latin typeface="+mn-lt"/>
+                          <a:ea typeface="+mn-ea"/>
+                          <a:cs typeface="+mn-cs"/>
+                        </a:rPr>
+                        <a:t>0 </a:t>
+                      </a:r>
+                      <a:r>
+                        <a:rPr lang="en-US" sz="1200" b="0" i="0" u="none" strike="noStrike" kern="1200" baseline="0" dirty="0">
+                          <a:solidFill>
+                            <a:schemeClr val="dk1"/>
+                          </a:solidFill>
+                          <a:latin typeface="+mn-lt"/>
+                          <a:ea typeface="+mn-ea"/>
+                          <a:cs typeface="+mn-cs"/>
+                        </a:rPr>
+                        <a:t>Regions with write permission are not forced to XN.</a:t>
+                      </a:r>
+                    </a:p>
+                    <a:p>
+                      <a:r>
+                        <a:rPr lang="en-US" sz="1200" b="1" i="0" u="none" strike="noStrike" kern="1200" baseline="0" dirty="0">
+                          <a:solidFill>
+                            <a:schemeClr val="dk1"/>
+                          </a:solidFill>
+                          <a:latin typeface="+mn-lt"/>
+                          <a:ea typeface="+mn-ea"/>
+                          <a:cs typeface="+mn-cs"/>
+                        </a:rPr>
+                        <a:t>1 </a:t>
+                      </a:r>
+                      <a:r>
+                        <a:rPr lang="en-US" sz="1200" b="0" i="0" u="none" strike="noStrike" kern="1200" baseline="0" dirty="0">
+                          <a:solidFill>
+                            <a:schemeClr val="dk1"/>
+                          </a:solidFill>
+                          <a:latin typeface="+mn-lt"/>
+                          <a:ea typeface="+mn-ea"/>
+                          <a:cs typeface="+mn-cs"/>
+                        </a:rPr>
+                        <a:t>Regions with write permission are forced to XN.</a:t>
+                      </a:r>
+                      <a:endParaRPr lang="en-US" sz="1200" dirty="0"/>
+                    </a:p>
+                  </a:txBody>
+                  <a:tcPr/>
+                </a:tc>
+                <a:extLst>
+                  <a:ext uri="{0D108BD9-81ED-4DB2-BD59-A6C34878D82A}">
+                    <a16:rowId xmlns:a16="http://schemas.microsoft.com/office/drawing/2014/main" val="3910591810"/>
+                  </a:ext>
+                </a:extLst>
+              </a:tr>
+              <a:tr h="370840">
+                <a:tc>
+                  <a:txBody>
+                    <a:bodyPr/>
+                    <a:lstStyle/>
+                    <a:p>
+                      <a:r>
+                        <a:rPr lang="en-US" sz="1200" b="1" i="0" u="none" strike="noStrike" kern="1200" baseline="0" dirty="0" err="1">
+                          <a:solidFill>
+                            <a:schemeClr val="dk1"/>
+                          </a:solidFill>
+                          <a:latin typeface="+mn-lt"/>
+                          <a:ea typeface="+mn-ea"/>
+                          <a:cs typeface="+mn-cs"/>
+                        </a:rPr>
+                        <a:t>nTWE</a:t>
+                      </a:r>
+                      <a:endParaRPr lang="en-US" sz="1200" dirty="0"/>
+                    </a:p>
+                  </a:txBody>
+                  <a:tcPr/>
+                </a:tc>
+                <a:tc>
+                  <a:txBody>
+                    <a:bodyPr/>
+                    <a:lstStyle/>
+                    <a:p>
+                      <a:r>
+                        <a:rPr lang="en-US" sz="1200" b="0" i="0" u="none" strike="noStrike" kern="1200" baseline="0" dirty="0">
+                          <a:solidFill>
+                            <a:schemeClr val="dk1"/>
+                          </a:solidFill>
+                          <a:latin typeface="+mn-lt"/>
+                          <a:ea typeface="+mn-ea"/>
+                          <a:cs typeface="+mn-cs"/>
+                        </a:rPr>
+                        <a:t>Not trap WFE. A value of 1 means that WFE instructions are executed as normal.</a:t>
+                      </a:r>
+                      <a:endParaRPr lang="en-US" sz="1200" dirty="0"/>
+                    </a:p>
+                  </a:txBody>
+                  <a:tcPr/>
+                </a:tc>
+                <a:extLst>
+                  <a:ext uri="{0D108BD9-81ED-4DB2-BD59-A6C34878D82A}">
+                    <a16:rowId xmlns:a16="http://schemas.microsoft.com/office/drawing/2014/main" val="3433535694"/>
+                  </a:ext>
+                </a:extLst>
+              </a:tr>
+              <a:tr h="370840">
+                <a:tc>
+                  <a:txBody>
+                    <a:bodyPr/>
+                    <a:lstStyle/>
+                    <a:p>
+                      <a:r>
+                        <a:rPr lang="en-US" sz="1200" b="1" i="0" u="none" strike="noStrike" kern="1200" baseline="0" dirty="0" err="1">
+                          <a:solidFill>
+                            <a:schemeClr val="dk1"/>
+                          </a:solidFill>
+                          <a:latin typeface="+mn-lt"/>
+                          <a:ea typeface="+mn-ea"/>
+                          <a:cs typeface="+mn-cs"/>
+                        </a:rPr>
+                        <a:t>nTWI</a:t>
+                      </a:r>
+                      <a:endParaRPr lang="en-US" sz="1200" dirty="0"/>
+                    </a:p>
+                  </a:txBody>
+                  <a:tcPr/>
+                </a:tc>
+                <a:tc>
+                  <a:txBody>
+                    <a:bodyPr/>
+                    <a:lstStyle/>
+                    <a:p>
+                      <a:r>
+                        <a:rPr lang="en-US" sz="1200" b="0" i="0" u="none" strike="noStrike" kern="1200" baseline="0" dirty="0">
+                          <a:solidFill>
+                            <a:schemeClr val="dk1"/>
+                          </a:solidFill>
+                          <a:latin typeface="+mn-lt"/>
+                          <a:ea typeface="+mn-ea"/>
+                          <a:cs typeface="+mn-cs"/>
+                        </a:rPr>
+                        <a:t>Not trap WFI. A value of 1 means that WFI instructions are executed as normal.</a:t>
+                      </a:r>
+                      <a:endParaRPr lang="en-US" sz="1200" dirty="0"/>
+                    </a:p>
+                  </a:txBody>
+                  <a:tcPr/>
+                </a:tc>
+                <a:extLst>
+                  <a:ext uri="{0D108BD9-81ED-4DB2-BD59-A6C34878D82A}">
+                    <a16:rowId xmlns:a16="http://schemas.microsoft.com/office/drawing/2014/main" val="2774353637"/>
+                  </a:ext>
+                </a:extLst>
+              </a:tr>
+              <a:tr h="370840">
+                <a:tc>
+                  <a:txBody>
+                    <a:bodyPr/>
+                    <a:lstStyle/>
+                    <a:p>
+                      <a:r>
+                        <a:rPr lang="en-US" sz="1200" b="1" i="0" u="none" strike="noStrike" kern="1200" baseline="0" dirty="0">
+                          <a:solidFill>
+                            <a:schemeClr val="dk1"/>
+                          </a:solidFill>
+                          <a:latin typeface="+mn-lt"/>
+                          <a:ea typeface="+mn-ea"/>
+                          <a:cs typeface="+mn-cs"/>
+                        </a:rPr>
+                        <a:t>UCT</a:t>
+                      </a:r>
+                      <a:endParaRPr lang="en-US" sz="1200" dirty="0"/>
+                    </a:p>
+                  </a:txBody>
+                  <a:tcPr/>
+                </a:tc>
+                <a:tc>
+                  <a:txBody>
+                    <a:bodyPr/>
+                    <a:lstStyle/>
+                    <a:p>
+                      <a:r>
+                        <a:rPr lang="en-US" sz="1200" b="0" i="0" u="none" strike="noStrike" kern="1200" baseline="0" dirty="0">
+                          <a:solidFill>
+                            <a:schemeClr val="dk1"/>
+                          </a:solidFill>
+                          <a:latin typeface="+mn-lt"/>
+                          <a:ea typeface="+mn-ea"/>
+                          <a:cs typeface="+mn-cs"/>
+                        </a:rPr>
+                        <a:t>When set, enables EL0 access in AArch64 to the CTR_EL0 register</a:t>
+                      </a:r>
+                      <a:endParaRPr lang="en-US" sz="1200" dirty="0"/>
+                    </a:p>
+                  </a:txBody>
+                  <a:tcPr/>
+                </a:tc>
+                <a:extLst>
+                  <a:ext uri="{0D108BD9-81ED-4DB2-BD59-A6C34878D82A}">
+                    <a16:rowId xmlns:a16="http://schemas.microsoft.com/office/drawing/2014/main" val="743218865"/>
+                  </a:ext>
+                </a:extLst>
+              </a:tr>
+              <a:tr h="370840">
+                <a:tc>
+                  <a:txBody>
+                    <a:bodyPr/>
+                    <a:lstStyle/>
+                    <a:p>
+                      <a:r>
+                        <a:rPr lang="en-US" sz="1200" b="1" i="0" u="none" strike="noStrike" kern="1200" baseline="0" dirty="0">
+                          <a:solidFill>
+                            <a:schemeClr val="dk1"/>
+                          </a:solidFill>
+                          <a:latin typeface="+mn-lt"/>
+                          <a:ea typeface="+mn-ea"/>
+                          <a:cs typeface="+mn-cs"/>
+                        </a:rPr>
+                        <a:t>DZE</a:t>
+                      </a:r>
+                      <a:endParaRPr lang="en-US" sz="1200" dirty="0"/>
+                    </a:p>
+                  </a:txBody>
+                  <a:tcPr/>
+                </a:tc>
+                <a:tc>
+                  <a:txBody>
+                    <a:bodyPr/>
+                    <a:lstStyle/>
+                    <a:p>
+                      <a:r>
+                        <a:rPr lang="en-US" sz="1200" b="0" i="0" u="none" strike="noStrike" kern="1200" baseline="0" dirty="0">
+                          <a:solidFill>
+                            <a:schemeClr val="dk1"/>
+                          </a:solidFill>
+                          <a:latin typeface="+mn-lt"/>
+                          <a:ea typeface="+mn-ea"/>
+                          <a:cs typeface="+mn-cs"/>
+                        </a:rPr>
+                        <a:t>Access to DC ZVA instruction at EL0</a:t>
+                      </a:r>
+                    </a:p>
+                    <a:p>
+                      <a:r>
+                        <a:rPr lang="en-US" sz="1200" b="1" i="0" u="none" strike="noStrike" kern="1200" baseline="0" dirty="0">
+                          <a:solidFill>
+                            <a:schemeClr val="dk1"/>
+                          </a:solidFill>
+                          <a:latin typeface="+mn-lt"/>
+                          <a:ea typeface="+mn-ea"/>
+                          <a:cs typeface="+mn-cs"/>
+                        </a:rPr>
+                        <a:t>0 </a:t>
+                      </a:r>
+                      <a:r>
+                        <a:rPr lang="en-US" sz="1200" b="0" i="0" u="none" strike="noStrike" kern="1200" baseline="0" dirty="0">
+                          <a:solidFill>
+                            <a:schemeClr val="dk1"/>
+                          </a:solidFill>
+                          <a:latin typeface="+mn-lt"/>
+                          <a:ea typeface="+mn-ea"/>
+                          <a:cs typeface="+mn-cs"/>
+                        </a:rPr>
+                        <a:t>Execution prohibited.</a:t>
+                      </a:r>
+                    </a:p>
+                    <a:p>
+                      <a:r>
+                        <a:rPr lang="en-US" sz="1200" b="1" i="0" u="none" strike="noStrike" kern="1200" baseline="0" dirty="0">
+                          <a:solidFill>
+                            <a:schemeClr val="dk1"/>
+                          </a:solidFill>
+                          <a:latin typeface="+mn-lt"/>
+                          <a:ea typeface="+mn-ea"/>
+                          <a:cs typeface="+mn-cs"/>
+                        </a:rPr>
+                        <a:t>1 </a:t>
+                      </a:r>
+                      <a:r>
+                        <a:rPr lang="en-US" sz="1200" b="0" i="0" u="none" strike="noStrike" kern="1200" baseline="0" dirty="0">
+                          <a:solidFill>
+                            <a:schemeClr val="dk1"/>
+                          </a:solidFill>
+                          <a:latin typeface="+mn-lt"/>
+                          <a:ea typeface="+mn-ea"/>
+                          <a:cs typeface="+mn-cs"/>
+                        </a:rPr>
+                        <a:t>Execution allowed.</a:t>
+                      </a:r>
+                      <a:endParaRPr lang="en-US" sz="1200" dirty="0"/>
+                    </a:p>
+                  </a:txBody>
+                  <a:tcPr/>
+                </a:tc>
+                <a:extLst>
+                  <a:ext uri="{0D108BD9-81ED-4DB2-BD59-A6C34878D82A}">
+                    <a16:rowId xmlns:a16="http://schemas.microsoft.com/office/drawing/2014/main" val="3926636366"/>
+                  </a:ext>
+                </a:extLst>
+              </a:tr>
+              <a:tr h="370840">
+                <a:tc>
+                  <a:txBody>
+                    <a:bodyPr/>
+                    <a:lstStyle/>
+                    <a:p>
+                      <a:r>
+                        <a:rPr lang="en-US" sz="1200" b="1" i="0" u="none" strike="noStrike" kern="1200" baseline="0" dirty="0">
+                          <a:solidFill>
+                            <a:schemeClr val="dk1"/>
+                          </a:solidFill>
+                          <a:latin typeface="+mn-lt"/>
+                          <a:ea typeface="+mn-ea"/>
+                          <a:cs typeface="+mn-cs"/>
+                        </a:rPr>
+                        <a:t>I</a:t>
+                      </a:r>
+                      <a:endParaRPr lang="en-US" sz="1200" dirty="0"/>
+                    </a:p>
+                  </a:txBody>
+                  <a:tcPr/>
+                </a:tc>
+                <a:tc>
+                  <a:txBody>
+                    <a:bodyPr/>
+                    <a:lstStyle/>
+                    <a:p>
+                      <a:r>
+                        <a:rPr lang="en-US" sz="1200" b="0" i="0" u="none" strike="noStrike" kern="1200" baseline="0" dirty="0">
+                          <a:solidFill>
+                            <a:schemeClr val="dk1"/>
+                          </a:solidFill>
+                          <a:latin typeface="+mn-lt"/>
+                          <a:ea typeface="+mn-ea"/>
+                          <a:cs typeface="+mn-cs"/>
+                        </a:rPr>
+                        <a:t>Instruction cache enable.</a:t>
+                      </a:r>
+                      <a:endParaRPr lang="en-US" sz="1200" dirty="0"/>
+                    </a:p>
+                  </a:txBody>
+                  <a:tcPr/>
+                </a:tc>
+                <a:extLst>
+                  <a:ext uri="{0D108BD9-81ED-4DB2-BD59-A6C34878D82A}">
+                    <a16:rowId xmlns:a16="http://schemas.microsoft.com/office/drawing/2014/main" val="3769711014"/>
+                  </a:ext>
+                </a:extLst>
+              </a:tr>
+              <a:tr h="370840">
+                <a:tc>
+                  <a:txBody>
+                    <a:bodyPr/>
+                    <a:lstStyle/>
+                    <a:p>
+                      <a:r>
+                        <a:rPr lang="en-US" sz="1200" b="1" i="0" u="none" strike="noStrike" kern="1200" baseline="0" dirty="0">
+                          <a:solidFill>
+                            <a:schemeClr val="dk1"/>
+                          </a:solidFill>
+                          <a:latin typeface="+mn-lt"/>
+                          <a:ea typeface="+mn-ea"/>
+                          <a:cs typeface="+mn-cs"/>
+                        </a:rPr>
+                        <a:t>UMA</a:t>
+                      </a:r>
+                      <a:endParaRPr lang="en-US" sz="1200" dirty="0"/>
+                    </a:p>
+                  </a:txBody>
+                  <a:tcPr/>
+                </a:tc>
+                <a:tc>
+                  <a:txBody>
+                    <a:bodyPr/>
+                    <a:lstStyle/>
+                    <a:p>
+                      <a:r>
+                        <a:rPr lang="en-US" sz="1200" b="0" i="0" u="none" strike="noStrike" kern="1200" baseline="0" dirty="0">
+                          <a:solidFill>
+                            <a:schemeClr val="dk1"/>
+                          </a:solidFill>
+                          <a:latin typeface="+mn-lt"/>
+                          <a:ea typeface="+mn-ea"/>
+                          <a:cs typeface="+mn-cs"/>
+                        </a:rPr>
+                        <a:t>User Mask Access. Controls access to interrupt masks from EL0, when EL0 is using AArch64.</a:t>
+                      </a:r>
+                      <a:endParaRPr lang="en-US" sz="1200" dirty="0"/>
+                    </a:p>
+                  </a:txBody>
+                  <a:tcPr/>
+                </a:tc>
+                <a:extLst>
+                  <a:ext uri="{0D108BD9-81ED-4DB2-BD59-A6C34878D82A}">
+                    <a16:rowId xmlns:a16="http://schemas.microsoft.com/office/drawing/2014/main" val="1794207842"/>
+                  </a:ext>
+                </a:extLst>
+              </a:tr>
+              <a:tr h="370840">
+                <a:tc>
+                  <a:txBody>
+                    <a:bodyPr/>
+                    <a:lstStyle/>
+                    <a:p>
+                      <a:r>
+                        <a:rPr lang="en-US" sz="1200" b="1" i="0" u="none" strike="noStrike" kern="1200" baseline="0" dirty="0">
+                          <a:solidFill>
+                            <a:schemeClr val="dk1"/>
+                          </a:solidFill>
+                          <a:latin typeface="+mn-lt"/>
+                          <a:ea typeface="+mn-ea"/>
+                          <a:cs typeface="+mn-cs"/>
+                        </a:rPr>
+                        <a:t>SED</a:t>
+                      </a:r>
+                      <a:endParaRPr lang="en-US" sz="1200" dirty="0"/>
+                    </a:p>
+                  </a:txBody>
+                  <a:tcPr/>
+                </a:tc>
+                <a:tc>
+                  <a:txBody>
+                    <a:bodyPr/>
+                    <a:lstStyle/>
+                    <a:p>
+                      <a:r>
+                        <a:rPr lang="en-US" sz="1200" b="0" i="0" u="none" strike="noStrike" kern="1200" baseline="0" dirty="0">
+                          <a:solidFill>
+                            <a:schemeClr val="dk1"/>
+                          </a:solidFill>
+                          <a:latin typeface="+mn-lt"/>
+                          <a:ea typeface="+mn-ea"/>
+                          <a:cs typeface="+mn-cs"/>
+                        </a:rPr>
+                        <a:t>SETEND Disable. Disables SETEND (Set Endianness) instructions at EL0 using AArch32.</a:t>
+                      </a:r>
+                    </a:p>
+                    <a:p>
+                      <a:r>
+                        <a:rPr lang="en-US" sz="1200" b="1" i="0" u="none" strike="noStrike" kern="1200" baseline="0" dirty="0">
+                          <a:solidFill>
+                            <a:schemeClr val="dk1"/>
+                          </a:solidFill>
+                          <a:latin typeface="+mn-lt"/>
+                          <a:ea typeface="+mn-ea"/>
+                          <a:cs typeface="+mn-cs"/>
+                        </a:rPr>
+                        <a:t>0 </a:t>
+                      </a:r>
+                      <a:r>
+                        <a:rPr lang="en-US" sz="1200" b="0" i="0" u="none" strike="noStrike" kern="1200" baseline="0" dirty="0">
+                          <a:solidFill>
+                            <a:schemeClr val="dk1"/>
+                          </a:solidFill>
+                          <a:latin typeface="+mn-lt"/>
+                          <a:ea typeface="+mn-ea"/>
+                          <a:cs typeface="+mn-cs"/>
+                        </a:rPr>
+                        <a:t>SETEND instructions are enabled.</a:t>
+                      </a:r>
+                    </a:p>
+                    <a:p>
+                      <a:r>
+                        <a:rPr lang="en-US" sz="1200" b="1" i="0" u="none" strike="noStrike" kern="1200" baseline="0" dirty="0">
+                          <a:solidFill>
+                            <a:schemeClr val="dk1"/>
+                          </a:solidFill>
+                          <a:latin typeface="+mn-lt"/>
+                          <a:ea typeface="+mn-ea"/>
+                          <a:cs typeface="+mn-cs"/>
+                        </a:rPr>
+                        <a:t>1 </a:t>
+                      </a:r>
+                      <a:r>
+                        <a:rPr lang="en-US" sz="1200" b="0" i="0" u="none" strike="noStrike" kern="1200" baseline="0" dirty="0">
+                          <a:solidFill>
+                            <a:schemeClr val="dk1"/>
+                          </a:solidFill>
+                          <a:latin typeface="+mn-lt"/>
+                          <a:ea typeface="+mn-ea"/>
+                          <a:cs typeface="+mn-cs"/>
+                        </a:rPr>
+                        <a:t>The SETEND instruction is disabled.</a:t>
+                      </a:r>
+                      <a:endParaRPr lang="en-US" sz="1200" dirty="0"/>
+                    </a:p>
+                  </a:txBody>
+                  <a:tcPr/>
+                </a:tc>
+                <a:extLst>
+                  <a:ext uri="{0D108BD9-81ED-4DB2-BD59-A6C34878D82A}">
+                    <a16:rowId xmlns:a16="http://schemas.microsoft.com/office/drawing/2014/main" val="554735847"/>
+                  </a:ext>
+                </a:extLst>
+              </a:tr>
+            </a:tbl>
+          </a:graphicData>
+        </a:graphic>
+      </p:graphicFrame>
+    </p:spTree>
+    <p:extLst>
+      <p:ext uri="{BB962C8B-B14F-4D97-AF65-F5344CB8AC3E}">
+        <p14:creationId xmlns:p14="http://schemas.microsoft.com/office/powerpoint/2010/main" val="1373828171"/>
+      </p:ext>
+    </p:extLst>
+  </p:cSld>
+  <p:clrMapOvr>
+    <a:masterClrMapping/>
+  </p:clrMapOvr>
+</p:sld>
+</file>
+
+<file path=ppt/slides/slide15.xml><?xml version="1.0" encoding="utf-8"?>
+<p:sld xmlns:a="http://schemas.openxmlformats.org/drawingml/2006/main" xmlns:r="http://schemas.openxmlformats.org/officeDocument/2006/relationships" xmlns:p="http://schemas.openxmlformats.org/presentationml/2006/main">
+  <p:cSld>
+    <p:spTree>
+      <p:nvGrpSpPr>
+        <p:cNvPr id="1" name=""/>
+        <p:cNvGrpSpPr/>
+        <p:nvPr/>
+      </p:nvGrpSpPr>
+      <p:grpSpPr>
+        <a:xfrm>
+          <a:off x="0" y="0"/>
+          <a:ext cx="0" cy="0"/>
+          <a:chOff x="0" y="0"/>
+          <a:chExt cx="0" cy="0"/>
+        </a:xfrm>
+      </p:grpSpPr>
+      <p:sp>
+        <p:nvSpPr>
+          <p:cNvPr id="3" name="Rectangle 2"/>
+          <p:cNvSpPr/>
+          <p:nvPr/>
+        </p:nvSpPr>
+        <p:spPr>
+          <a:xfrm>
+            <a:off x="265286" y="316496"/>
+            <a:ext cx="9010599" cy="369332"/>
+          </a:xfrm>
+          <a:prstGeom prst="rect">
+            <a:avLst/>
+          </a:prstGeom>
+        </p:spPr>
+        <p:txBody>
+          <a:bodyPr wrap="square">
+            <a:spAutoFit/>
+          </a:bodyPr>
+          <a:lstStyle/>
+          <a:p>
+            <a:r>
+              <a:rPr lang="en-US" b="1" dirty="0"/>
+              <a:t>AArch64 Special Registers – System Registers – System Control Register</a:t>
+            </a:r>
+            <a:endParaRPr lang="en-US" dirty="0"/>
+          </a:p>
+        </p:txBody>
+      </p:sp>
+      <p:graphicFrame>
+        <p:nvGraphicFramePr>
+          <p:cNvPr id="8" name="Table 7"/>
+          <p:cNvGraphicFramePr>
+            <a:graphicFrameLocks noGrp="1"/>
+          </p:cNvGraphicFramePr>
+          <p:nvPr>
+            <p:extLst>
+              <p:ext uri="{D42A27DB-BD31-4B8C-83A1-F6EECF244321}">
+                <p14:modId xmlns:p14="http://schemas.microsoft.com/office/powerpoint/2010/main" val="2626598245"/>
+              </p:ext>
+            </p:extLst>
+          </p:nvPr>
+        </p:nvGraphicFramePr>
+        <p:xfrm>
+          <a:off x="389060" y="1055104"/>
+          <a:ext cx="10601325" cy="3322320"/>
+        </p:xfrm>
+        <a:graphic>
+          <a:graphicData uri="http://schemas.openxmlformats.org/drawingml/2006/table">
+            <a:tbl>
+              <a:tblPr firstRow="1" bandRow="1">
+                <a:tableStyleId>{5C22544A-7EE6-4342-B048-85BDC9FD1C3A}</a:tableStyleId>
+              </a:tblPr>
+              <a:tblGrid>
+                <a:gridCol w="870463">
+                  <a:extLst>
+                    <a:ext uri="{9D8B030D-6E8A-4147-A177-3AD203B41FA5}">
+                      <a16:colId xmlns:a16="http://schemas.microsoft.com/office/drawing/2014/main" val="2138778611"/>
+                    </a:ext>
+                  </a:extLst>
+                </a:gridCol>
+                <a:gridCol w="9730862">
+                  <a:extLst>
+                    <a:ext uri="{9D8B030D-6E8A-4147-A177-3AD203B41FA5}">
+                      <a16:colId xmlns:a16="http://schemas.microsoft.com/office/drawing/2014/main" val="3864147338"/>
+                    </a:ext>
+                  </a:extLst>
+                </a:gridCol>
+              </a:tblGrid>
+              <a:tr h="370840">
+                <a:tc>
+                  <a:txBody>
+                    <a:bodyPr/>
+                    <a:lstStyle/>
+                    <a:p>
+                      <a:pPr algn="ctr"/>
+                      <a:r>
+                        <a:rPr lang="en-US" dirty="0"/>
+                        <a:t>Bit </a:t>
+                      </a:r>
+                    </a:p>
+                  </a:txBody>
+                  <a:tcPr/>
+                </a:tc>
+                <a:tc>
+                  <a:txBody>
+                    <a:bodyPr/>
+                    <a:lstStyle/>
+                    <a:p>
+                      <a:pPr algn="ctr"/>
+                      <a:r>
+                        <a:rPr lang="en-US" dirty="0"/>
+                        <a:t>Description</a:t>
+                      </a:r>
+                    </a:p>
+                  </a:txBody>
+                  <a:tcPr/>
+                </a:tc>
+                <a:extLst>
+                  <a:ext uri="{0D108BD9-81ED-4DB2-BD59-A6C34878D82A}">
+                    <a16:rowId xmlns:a16="http://schemas.microsoft.com/office/drawing/2014/main" val="1134022493"/>
+                  </a:ext>
+                </a:extLst>
+              </a:tr>
+              <a:tr h="370840">
+                <a:tc>
+                  <a:txBody>
+                    <a:bodyPr/>
+                    <a:lstStyle/>
+                    <a:p>
+                      <a:r>
+                        <a:rPr lang="en-US" sz="1200" b="1" i="0" u="none" strike="noStrike" kern="1200" baseline="0" dirty="0">
+                          <a:solidFill>
+                            <a:schemeClr val="dk1"/>
+                          </a:solidFill>
+                          <a:latin typeface="+mn-lt"/>
+                          <a:ea typeface="+mn-ea"/>
+                          <a:cs typeface="+mn-cs"/>
+                        </a:rPr>
+                        <a:t>ITD</a:t>
+                      </a:r>
+                      <a:endParaRPr lang="en-US" sz="1200" dirty="0"/>
+                    </a:p>
+                  </a:txBody>
+                  <a:tcPr/>
+                </a:tc>
+                <a:tc>
+                  <a:txBody>
+                    <a:bodyPr/>
+                    <a:lstStyle/>
+                    <a:p>
+                      <a:r>
+                        <a:rPr lang="en-US" sz="1200" b="0" i="0" u="none" strike="noStrike" kern="1200" baseline="0" dirty="0">
+                          <a:solidFill>
+                            <a:schemeClr val="dk1"/>
+                          </a:solidFill>
+                          <a:latin typeface="+mn-lt"/>
+                          <a:ea typeface="+mn-ea"/>
+                          <a:cs typeface="+mn-cs"/>
+                        </a:rPr>
+                        <a:t>IT (If Then Instruction) Disable. The possible values of this bit are:</a:t>
+                      </a:r>
+                    </a:p>
+                    <a:p>
+                      <a:r>
+                        <a:rPr lang="en-US" sz="1200" b="1" i="0" u="none" strike="noStrike" kern="1200" baseline="0" dirty="0">
+                          <a:solidFill>
+                            <a:schemeClr val="dk1"/>
+                          </a:solidFill>
+                          <a:latin typeface="+mn-lt"/>
+                          <a:ea typeface="+mn-ea"/>
+                          <a:cs typeface="+mn-cs"/>
+                        </a:rPr>
+                        <a:t>0 </a:t>
+                      </a:r>
+                      <a:r>
+                        <a:rPr lang="en-US" sz="1200" b="0" i="0" u="none" strike="noStrike" kern="1200" baseline="0" dirty="0">
+                          <a:solidFill>
+                            <a:schemeClr val="dk1"/>
+                          </a:solidFill>
+                          <a:latin typeface="+mn-lt"/>
+                          <a:ea typeface="+mn-ea"/>
+                          <a:cs typeface="+mn-cs"/>
+                        </a:rPr>
+                        <a:t>The IT instruction is available.</a:t>
+                      </a:r>
+                    </a:p>
+                    <a:p>
+                      <a:r>
+                        <a:rPr lang="en-US" sz="1200" b="1" i="0" u="none" strike="noStrike" kern="1200" baseline="0" dirty="0">
+                          <a:solidFill>
+                            <a:schemeClr val="dk1"/>
+                          </a:solidFill>
+                          <a:latin typeface="+mn-lt"/>
+                          <a:ea typeface="+mn-ea"/>
+                          <a:cs typeface="+mn-cs"/>
+                        </a:rPr>
+                        <a:t>1 </a:t>
+                      </a:r>
+                      <a:r>
+                        <a:rPr lang="en-US" sz="1200" b="0" i="0" u="none" strike="noStrike" kern="1200" baseline="0" dirty="0">
+                          <a:solidFill>
+                            <a:schemeClr val="dk1"/>
+                          </a:solidFill>
+                          <a:latin typeface="+mn-lt"/>
+                          <a:ea typeface="+mn-ea"/>
+                          <a:cs typeface="+mn-cs"/>
+                        </a:rPr>
+                        <a:t>The IT instruction is treated as a 16-bit instruction. Only another 16-bit instruction, or the first half of a 32-bit instruction, can follow.</a:t>
+                      </a:r>
+                      <a:endParaRPr lang="en-US" sz="1200" dirty="0"/>
+                    </a:p>
+                  </a:txBody>
+                  <a:tcPr/>
+                </a:tc>
+                <a:extLst>
+                  <a:ext uri="{0D108BD9-81ED-4DB2-BD59-A6C34878D82A}">
+                    <a16:rowId xmlns:a16="http://schemas.microsoft.com/office/drawing/2014/main" val="2197707688"/>
+                  </a:ext>
+                </a:extLst>
+              </a:tr>
+              <a:tr h="370840">
+                <a:tc>
+                  <a:txBody>
+                    <a:bodyPr/>
+                    <a:lstStyle/>
+                    <a:p>
+                      <a:r>
+                        <a:rPr lang="en-US" sz="1200" b="1" i="0" u="none" strike="noStrike" kern="1200" baseline="0" dirty="0">
+                          <a:solidFill>
+                            <a:schemeClr val="dk1"/>
+                          </a:solidFill>
+                          <a:latin typeface="+mn-lt"/>
+                          <a:ea typeface="+mn-ea"/>
+                          <a:cs typeface="+mn-cs"/>
+                        </a:rPr>
+                        <a:t>CP15BEN</a:t>
+                      </a:r>
+                      <a:endParaRPr lang="en-US" sz="1200" dirty="0"/>
+                    </a:p>
+                  </a:txBody>
+                  <a:tcPr/>
+                </a:tc>
+                <a:tc>
+                  <a:txBody>
+                    <a:bodyPr/>
+                    <a:lstStyle/>
+                    <a:p>
+                      <a:r>
+                        <a:rPr lang="en-US" sz="1200" b="0" i="0" u="none" strike="noStrike" kern="1200" baseline="0" dirty="0">
+                          <a:solidFill>
+                            <a:schemeClr val="dk1"/>
+                          </a:solidFill>
+                          <a:latin typeface="+mn-lt"/>
+                          <a:ea typeface="+mn-ea"/>
+                          <a:cs typeface="+mn-cs"/>
+                        </a:rPr>
+                        <a:t>CP15 barrier enable. If implemented, it is an enable bit for the AArch32 CP15 DMB, DSB, and ISB barrier operations.</a:t>
+                      </a:r>
+                      <a:endParaRPr lang="en-US" sz="1200" dirty="0"/>
+                    </a:p>
+                  </a:txBody>
+                  <a:tcPr/>
+                </a:tc>
+                <a:extLst>
+                  <a:ext uri="{0D108BD9-81ED-4DB2-BD59-A6C34878D82A}">
+                    <a16:rowId xmlns:a16="http://schemas.microsoft.com/office/drawing/2014/main" val="3894397679"/>
+                  </a:ext>
+                </a:extLst>
+              </a:tr>
+              <a:tr h="370840">
+                <a:tc>
+                  <a:txBody>
+                    <a:bodyPr/>
+                    <a:lstStyle/>
+                    <a:p>
+                      <a:r>
+                        <a:rPr lang="en-US" sz="1200" b="1" i="0" u="none" strike="noStrike" kern="1200" baseline="0" dirty="0">
+                          <a:solidFill>
+                            <a:schemeClr val="dk1"/>
+                          </a:solidFill>
+                          <a:latin typeface="+mn-lt"/>
+                          <a:ea typeface="+mn-ea"/>
+                          <a:cs typeface="+mn-cs"/>
+                        </a:rPr>
+                        <a:t>SA0</a:t>
+                      </a:r>
+                      <a:endParaRPr lang="en-US" sz="1200" dirty="0"/>
+                    </a:p>
+                  </a:txBody>
+                  <a:tcPr/>
+                </a:tc>
+                <a:tc>
+                  <a:txBody>
+                    <a:bodyPr/>
+                    <a:lstStyle/>
+                    <a:p>
+                      <a:r>
+                        <a:rPr lang="en-US" sz="1200" b="0" i="0" u="none" strike="noStrike" kern="1200" baseline="0" dirty="0">
+                          <a:solidFill>
+                            <a:schemeClr val="dk1"/>
+                          </a:solidFill>
+                          <a:latin typeface="+mn-lt"/>
+                          <a:ea typeface="+mn-ea"/>
+                          <a:cs typeface="+mn-cs"/>
+                        </a:rPr>
+                        <a:t>Stack Alignment Check Enable for EL0.</a:t>
+                      </a:r>
+                      <a:endParaRPr lang="en-US" sz="1200" dirty="0"/>
+                    </a:p>
+                  </a:txBody>
+                  <a:tcPr/>
+                </a:tc>
+                <a:extLst>
+                  <a:ext uri="{0D108BD9-81ED-4DB2-BD59-A6C34878D82A}">
+                    <a16:rowId xmlns:a16="http://schemas.microsoft.com/office/drawing/2014/main" val="576121154"/>
+                  </a:ext>
+                </a:extLst>
+              </a:tr>
+              <a:tr h="370840">
+                <a:tc>
+                  <a:txBody>
+                    <a:bodyPr/>
+                    <a:lstStyle/>
+                    <a:p>
+                      <a:r>
+                        <a:rPr lang="en-US" sz="1200" b="1" i="0" u="none" strike="noStrike" kern="1200" baseline="0" dirty="0">
+                          <a:solidFill>
+                            <a:schemeClr val="dk1"/>
+                          </a:solidFill>
+                          <a:latin typeface="+mn-lt"/>
+                          <a:ea typeface="+mn-ea"/>
+                          <a:cs typeface="+mn-cs"/>
+                        </a:rPr>
+                        <a:t>SA</a:t>
+                      </a:r>
+                      <a:endParaRPr lang="en-US" sz="1200" dirty="0"/>
+                    </a:p>
+                  </a:txBody>
+                  <a:tcPr/>
+                </a:tc>
+                <a:tc>
+                  <a:txBody>
+                    <a:bodyPr/>
+                    <a:lstStyle/>
+                    <a:p>
+                      <a:r>
+                        <a:rPr lang="en-US" sz="1200" b="0" i="0" u="none" strike="noStrike" kern="1200" baseline="0" dirty="0">
+                          <a:solidFill>
+                            <a:schemeClr val="dk1"/>
+                          </a:solidFill>
+                          <a:latin typeface="+mn-lt"/>
+                          <a:ea typeface="+mn-ea"/>
+                          <a:cs typeface="+mn-cs"/>
+                        </a:rPr>
+                        <a:t>Stack Alignment Check Enable.</a:t>
+                      </a:r>
+                      <a:endParaRPr lang="en-US" sz="1200" dirty="0"/>
+                    </a:p>
+                  </a:txBody>
+                  <a:tcPr/>
+                </a:tc>
+                <a:extLst>
+                  <a:ext uri="{0D108BD9-81ED-4DB2-BD59-A6C34878D82A}">
+                    <a16:rowId xmlns:a16="http://schemas.microsoft.com/office/drawing/2014/main" val="3910591810"/>
+                  </a:ext>
+                </a:extLst>
+              </a:tr>
+              <a:tr h="370840">
+                <a:tc>
+                  <a:txBody>
+                    <a:bodyPr/>
+                    <a:lstStyle/>
+                    <a:p>
+                      <a:r>
+                        <a:rPr lang="en-US" sz="1200" b="1" i="0" u="none" strike="noStrike" kern="1200" baseline="0" dirty="0">
+                          <a:solidFill>
+                            <a:schemeClr val="dk1"/>
+                          </a:solidFill>
+                          <a:latin typeface="+mn-lt"/>
+                          <a:ea typeface="+mn-ea"/>
+                          <a:cs typeface="+mn-cs"/>
+                        </a:rPr>
+                        <a:t>C</a:t>
+                      </a:r>
+                      <a:endParaRPr lang="en-US" sz="1200" dirty="0"/>
+                    </a:p>
+                  </a:txBody>
+                  <a:tcPr/>
+                </a:tc>
+                <a:tc>
+                  <a:txBody>
+                    <a:bodyPr/>
+                    <a:lstStyle/>
+                    <a:p>
+                      <a:r>
+                        <a:rPr lang="en-US" sz="1200" b="0" i="0" u="none" strike="noStrike" kern="1200" baseline="0" dirty="0">
+                          <a:solidFill>
+                            <a:schemeClr val="dk1"/>
+                          </a:solidFill>
+                          <a:latin typeface="+mn-lt"/>
+                          <a:ea typeface="+mn-ea"/>
+                          <a:cs typeface="+mn-cs"/>
+                        </a:rPr>
+                        <a:t>Data cache enable. This is an enable bit for data caches at EL0 and EL1. Data</a:t>
+                      </a:r>
+                    </a:p>
+                    <a:p>
+                      <a:r>
+                        <a:rPr lang="en-US" sz="1200" b="0" i="0" u="none" strike="noStrike" kern="1200" baseline="0" dirty="0">
+                          <a:solidFill>
+                            <a:schemeClr val="dk1"/>
+                          </a:solidFill>
+                          <a:latin typeface="+mn-lt"/>
+                          <a:ea typeface="+mn-ea"/>
+                          <a:cs typeface="+mn-cs"/>
+                        </a:rPr>
+                        <a:t>accesses to cacheable Normal memory are cached.</a:t>
+                      </a:r>
+                      <a:endParaRPr lang="en-US" sz="1200" dirty="0"/>
+                    </a:p>
+                  </a:txBody>
+                  <a:tcPr/>
+                </a:tc>
+                <a:extLst>
+                  <a:ext uri="{0D108BD9-81ED-4DB2-BD59-A6C34878D82A}">
+                    <a16:rowId xmlns:a16="http://schemas.microsoft.com/office/drawing/2014/main" val="3433535694"/>
+                  </a:ext>
+                </a:extLst>
+              </a:tr>
+              <a:tr h="370840">
+                <a:tc>
+                  <a:txBody>
+                    <a:bodyPr/>
+                    <a:lstStyle/>
+                    <a:p>
+                      <a:r>
+                        <a:rPr lang="en-US" sz="1200" b="1" i="0" u="none" strike="noStrike" kern="1200" baseline="0" dirty="0">
+                          <a:solidFill>
+                            <a:schemeClr val="dk1"/>
+                          </a:solidFill>
+                          <a:latin typeface="+mn-lt"/>
+                          <a:ea typeface="+mn-ea"/>
+                          <a:cs typeface="+mn-cs"/>
+                        </a:rPr>
+                        <a:t>A</a:t>
+                      </a:r>
+                      <a:endParaRPr lang="en-US" sz="1200" dirty="0"/>
+                    </a:p>
+                  </a:txBody>
+                  <a:tcPr/>
+                </a:tc>
+                <a:tc>
+                  <a:txBody>
+                    <a:bodyPr/>
+                    <a:lstStyle/>
+                    <a:p>
+                      <a:r>
+                        <a:rPr lang="en-US" sz="1200" b="0" i="0" u="none" strike="noStrike" kern="1200" baseline="0" dirty="0">
+                          <a:solidFill>
+                            <a:schemeClr val="dk1"/>
+                          </a:solidFill>
+                          <a:latin typeface="+mn-lt"/>
+                          <a:ea typeface="+mn-ea"/>
+                          <a:cs typeface="+mn-cs"/>
+                        </a:rPr>
+                        <a:t>Alignment check enable bit.</a:t>
+                      </a:r>
+                      <a:endParaRPr lang="en-US" sz="1200" dirty="0"/>
+                    </a:p>
+                  </a:txBody>
+                  <a:tcPr/>
+                </a:tc>
+                <a:extLst>
+                  <a:ext uri="{0D108BD9-81ED-4DB2-BD59-A6C34878D82A}">
+                    <a16:rowId xmlns:a16="http://schemas.microsoft.com/office/drawing/2014/main" val="2774353637"/>
+                  </a:ext>
+                </a:extLst>
+              </a:tr>
+              <a:tr h="370840">
+                <a:tc>
+                  <a:txBody>
+                    <a:bodyPr/>
+                    <a:lstStyle/>
+                    <a:p>
+                      <a:r>
+                        <a:rPr lang="en-US" sz="1200" b="1" i="0" u="none" strike="noStrike" kern="1200" baseline="0" dirty="0">
+                          <a:solidFill>
+                            <a:schemeClr val="dk1"/>
+                          </a:solidFill>
+                          <a:latin typeface="+mn-lt"/>
+                          <a:ea typeface="+mn-ea"/>
+                          <a:cs typeface="+mn-cs"/>
+                        </a:rPr>
+                        <a:t>M</a:t>
+                      </a:r>
+                      <a:endParaRPr lang="en-US" sz="1200" dirty="0"/>
+                    </a:p>
+                  </a:txBody>
+                  <a:tcPr/>
+                </a:tc>
+                <a:tc>
+                  <a:txBody>
+                    <a:bodyPr/>
+                    <a:lstStyle/>
+                    <a:p>
+                      <a:r>
+                        <a:rPr lang="en-US" sz="1200" b="0" i="0" u="none" strike="noStrike" kern="1200" baseline="0" dirty="0">
+                          <a:solidFill>
+                            <a:schemeClr val="dk1"/>
+                          </a:solidFill>
+                          <a:latin typeface="+mn-lt"/>
+                          <a:ea typeface="+mn-ea"/>
+                          <a:cs typeface="+mn-cs"/>
+                        </a:rPr>
+                        <a:t>Enable the MMU</a:t>
+                      </a:r>
+                      <a:endParaRPr lang="en-US" sz="1200" dirty="0"/>
+                    </a:p>
+                  </a:txBody>
+                  <a:tcPr/>
+                </a:tc>
+                <a:extLst>
+                  <a:ext uri="{0D108BD9-81ED-4DB2-BD59-A6C34878D82A}">
+                    <a16:rowId xmlns:a16="http://schemas.microsoft.com/office/drawing/2014/main" val="743218865"/>
+                  </a:ext>
+                </a:extLst>
+              </a:tr>
+            </a:tbl>
+          </a:graphicData>
+        </a:graphic>
+      </p:graphicFrame>
+    </p:spTree>
+    <p:extLst>
+      <p:ext uri="{BB962C8B-B14F-4D97-AF65-F5344CB8AC3E}">
+        <p14:creationId xmlns:p14="http://schemas.microsoft.com/office/powerpoint/2010/main" val="3001219996"/>
+      </p:ext>
+    </p:extLst>
+  </p:cSld>
+  <p:clrMapOvr>
+    <a:masterClrMapping/>
+  </p:clrMapOvr>
+</p:sld>
+</file>
+
+<file path=ppt/slides/slide16.xml><?xml version="1.0" encoding="utf-8"?>
+<p:sld xmlns:a="http://schemas.openxmlformats.org/drawingml/2006/main" xmlns:r="http://schemas.openxmlformats.org/officeDocument/2006/relationships" xmlns:p="http://schemas.openxmlformats.org/presentationml/2006/main">
+  <p:cSld>
+    <p:spTree>
+      <p:nvGrpSpPr>
+        <p:cNvPr id="1" name=""/>
+        <p:cNvGrpSpPr/>
+        <p:nvPr/>
+      </p:nvGrpSpPr>
+      <p:grpSpPr>
+        <a:xfrm>
+          <a:off x="0" y="0"/>
+          <a:ext cx="0" cy="0"/>
+          <a:chOff x="0" y="0"/>
+          <a:chExt cx="0" cy="0"/>
+        </a:xfrm>
+      </p:grpSpPr>
+      <p:sp>
+        <p:nvSpPr>
+          <p:cNvPr id="4" name="Rectangle 3"/>
+          <p:cNvSpPr/>
+          <p:nvPr/>
+        </p:nvSpPr>
+        <p:spPr>
+          <a:xfrm>
+            <a:off x="265286" y="316496"/>
+            <a:ext cx="9010599" cy="369332"/>
+          </a:xfrm>
+          <a:prstGeom prst="rect">
+            <a:avLst/>
+          </a:prstGeom>
+        </p:spPr>
+        <p:txBody>
+          <a:bodyPr wrap="square">
+            <a:spAutoFit/>
+          </a:bodyPr>
+          <a:lstStyle/>
+          <a:p>
+            <a:r>
+              <a:rPr lang="en-US" b="1" dirty="0"/>
+              <a:t>AArch64 Special Registers – Processor State</a:t>
+            </a:r>
+            <a:endParaRPr lang="en-US" dirty="0"/>
+          </a:p>
+        </p:txBody>
+      </p:sp>
+      <p:sp>
+        <p:nvSpPr>
+          <p:cNvPr id="10" name="Rectangle 9"/>
+          <p:cNvSpPr/>
+          <p:nvPr/>
+        </p:nvSpPr>
+        <p:spPr>
+          <a:xfrm>
+            <a:off x="5524500" y="1053584"/>
+            <a:ext cx="6096000" cy="646331"/>
+          </a:xfrm>
+          <a:prstGeom prst="rect">
+            <a:avLst/>
+          </a:prstGeom>
+        </p:spPr>
+        <p:txBody>
+          <a:bodyPr>
+            <a:spAutoFit/>
+          </a:bodyPr>
+          <a:lstStyle/>
+          <a:p>
+            <a:endParaRPr lang="en-US" dirty="0"/>
+          </a:p>
+          <a:p>
+            <a:endParaRPr lang="en-US" dirty="0"/>
+          </a:p>
+        </p:txBody>
+      </p:sp>
+    </p:spTree>
+    <p:extLst>
+      <p:ext uri="{BB962C8B-B14F-4D97-AF65-F5344CB8AC3E}">
+        <p14:creationId xmlns:p14="http://schemas.microsoft.com/office/powerpoint/2010/main" val="2521060112"/>
+      </p:ext>
+    </p:extLst>
+  </p:cSld>
+  <p:clrMapOvr>
+    <a:masterClrMapping/>
+  </p:clrMapOvr>
+</p:sld>
+</file>
+
+<file path=ppt/slides/slide17.xml><?xml version="1.0" encoding="utf-8"?>
+<p:sld xmlns:a="http://schemas.openxmlformats.org/drawingml/2006/main" xmlns:r="http://schemas.openxmlformats.org/officeDocument/2006/relationships" xmlns:p="http://schemas.openxmlformats.org/presentationml/2006/main">
+  <p:cSld>
+    <p:spTree>
+      <p:nvGrpSpPr>
+        <p:cNvPr id="1" name=""/>
+        <p:cNvGrpSpPr/>
+        <p:nvPr/>
+      </p:nvGrpSpPr>
+      <p:grpSpPr>
+        <a:xfrm>
+          <a:off x="0" y="0"/>
+          <a:ext cx="0" cy="0"/>
+          <a:chOff x="0" y="0"/>
+          <a:chExt cx="0" cy="0"/>
+        </a:xfrm>
+      </p:grpSpPr>
+      <p:sp>
+        <p:nvSpPr>
+          <p:cNvPr id="4" name="Rectangle 3"/>
+          <p:cNvSpPr/>
+          <p:nvPr/>
+        </p:nvSpPr>
+        <p:spPr>
+          <a:xfrm>
+            <a:off x="265286" y="316496"/>
+            <a:ext cx="9010599" cy="369332"/>
+          </a:xfrm>
+          <a:prstGeom prst="rect">
+            <a:avLst/>
+          </a:prstGeom>
+        </p:spPr>
+        <p:txBody>
+          <a:bodyPr wrap="square">
+            <a:spAutoFit/>
+          </a:bodyPr>
+          <a:lstStyle/>
+          <a:p>
+            <a:r>
+              <a:rPr lang="en-US" b="1" dirty="0"/>
+              <a:t>AArch64 Special Registers – Endianness  / Byte Ordering</a:t>
+            </a:r>
+            <a:endParaRPr lang="en-US" dirty="0"/>
+          </a:p>
+        </p:txBody>
+      </p:sp>
+      <p:pic>
+        <p:nvPicPr>
+          <p:cNvPr id="8" name="Picture 7"/>
+          <p:cNvPicPr>
+            <a:picLocks noChangeAspect="1"/>
+          </p:cNvPicPr>
+          <p:nvPr/>
+        </p:nvPicPr>
+        <p:blipFill>
+          <a:blip r:embed="rId2"/>
+          <a:stretch>
+            <a:fillRect/>
+          </a:stretch>
+        </p:blipFill>
+        <p:spPr>
+          <a:xfrm>
+            <a:off x="2988285" y="2789421"/>
+            <a:ext cx="4333875" cy="1866900"/>
+          </a:xfrm>
+          <a:prstGeom prst="rect">
+            <a:avLst/>
+          </a:prstGeom>
+          <a:effectLst>
+            <a:outerShdw blurRad="63500" sx="102000" sy="102000" algn="ctr" rotWithShape="0">
+              <a:prstClr val="black">
+                <a:alpha val="40000"/>
+              </a:prstClr>
+            </a:outerShdw>
+          </a:effectLst>
+        </p:spPr>
+      </p:pic>
+      <p:sp>
+        <p:nvSpPr>
+          <p:cNvPr id="9" name="Rectangle 8"/>
+          <p:cNvSpPr/>
+          <p:nvPr/>
+        </p:nvSpPr>
+        <p:spPr>
+          <a:xfrm>
+            <a:off x="691253" y="1053584"/>
+            <a:ext cx="4256293" cy="369332"/>
+          </a:xfrm>
+          <a:prstGeom prst="rect">
+            <a:avLst/>
+          </a:prstGeom>
+        </p:spPr>
+        <p:txBody>
+          <a:bodyPr wrap="none">
+            <a:spAutoFit/>
+          </a:bodyPr>
+          <a:lstStyle/>
+          <a:p>
+            <a:r>
+              <a:rPr lang="en-US" dirty="0">
+                <a:latin typeface="TimesNewRomanPSMT"/>
+              </a:rPr>
+              <a:t>two basic ways of viewing bytes in memory</a:t>
+            </a:r>
+            <a:endParaRPr lang="en-US" dirty="0"/>
+          </a:p>
+        </p:txBody>
+      </p:sp>
+      <p:sp>
+        <p:nvSpPr>
+          <p:cNvPr id="10" name="Rectangle 9"/>
+          <p:cNvSpPr/>
+          <p:nvPr/>
+        </p:nvSpPr>
+        <p:spPr>
+          <a:xfrm>
+            <a:off x="5524500" y="1053584"/>
+            <a:ext cx="6096000" cy="646331"/>
+          </a:xfrm>
+          <a:prstGeom prst="rect">
+            <a:avLst/>
+          </a:prstGeom>
+        </p:spPr>
+        <p:txBody>
+          <a:bodyPr>
+            <a:spAutoFit/>
+          </a:bodyPr>
+          <a:lstStyle/>
+          <a:p>
+            <a:r>
+              <a:rPr lang="en-US" i="1" dirty="0">
+                <a:latin typeface="TimesNewRomanPS-ItalicMT"/>
+              </a:rPr>
+              <a:t>Little-Endian </a:t>
+            </a:r>
+            <a:r>
+              <a:rPr lang="en-US" dirty="0">
+                <a:latin typeface="TimesNewRomanPSMT"/>
+              </a:rPr>
+              <a:t>(LE) or</a:t>
+            </a:r>
+          </a:p>
+          <a:p>
+            <a:r>
+              <a:rPr lang="en-US" i="1" dirty="0">
+                <a:latin typeface="TimesNewRomanPS-ItalicMT"/>
+              </a:rPr>
+              <a:t>Big-Endian </a:t>
+            </a:r>
+            <a:r>
+              <a:rPr lang="en-US" dirty="0">
+                <a:latin typeface="TimesNewRomanPSMT"/>
+              </a:rPr>
+              <a:t>(BE).</a:t>
+            </a:r>
+            <a:endParaRPr lang="en-US" dirty="0"/>
+          </a:p>
+        </p:txBody>
+      </p:sp>
+      <p:sp>
+        <p:nvSpPr>
+          <p:cNvPr id="11" name="Rectangle 10"/>
+          <p:cNvSpPr/>
+          <p:nvPr/>
+        </p:nvSpPr>
+        <p:spPr>
+          <a:xfrm>
+            <a:off x="636735" y="1956254"/>
+            <a:ext cx="10345590" cy="369332"/>
+          </a:xfrm>
+          <a:prstGeom prst="rect">
+            <a:avLst/>
+          </a:prstGeom>
+        </p:spPr>
+        <p:txBody>
+          <a:bodyPr wrap="square">
+            <a:spAutoFit/>
+          </a:bodyPr>
+          <a:lstStyle/>
+          <a:p>
+            <a:r>
+              <a:rPr lang="en-US" dirty="0">
+                <a:latin typeface="TimesNewRomanPSMT"/>
+              </a:rPr>
+              <a:t>On big-endian machines, the most significant byte of an object in memory is stored at the lowest address</a:t>
+            </a:r>
+            <a:endParaRPr lang="en-US" dirty="0"/>
+          </a:p>
+        </p:txBody>
+      </p:sp>
+      <p:sp>
+        <p:nvSpPr>
+          <p:cNvPr id="12" name="Rectangle 11"/>
+          <p:cNvSpPr/>
+          <p:nvPr/>
+        </p:nvSpPr>
+        <p:spPr>
+          <a:xfrm>
+            <a:off x="636735" y="2233253"/>
+            <a:ext cx="10640865" cy="369332"/>
+          </a:xfrm>
+          <a:prstGeom prst="rect">
+            <a:avLst/>
+          </a:prstGeom>
+        </p:spPr>
+        <p:txBody>
+          <a:bodyPr wrap="square">
+            <a:spAutoFit/>
+          </a:bodyPr>
+          <a:lstStyle/>
+          <a:p>
+            <a:r>
+              <a:rPr lang="en-US" dirty="0">
+                <a:latin typeface="TimesNewRomanPSMT"/>
+              </a:rPr>
+              <a:t>On little-endian machines, the least significant byte is stored at the lowest address</a:t>
+            </a:r>
+            <a:endParaRPr lang="en-US" dirty="0"/>
+          </a:p>
+        </p:txBody>
+      </p:sp>
+      <p:sp>
+        <p:nvSpPr>
+          <p:cNvPr id="13" name="Rectangle 12"/>
+          <p:cNvSpPr/>
+          <p:nvPr/>
+        </p:nvSpPr>
+        <p:spPr>
+          <a:xfrm>
+            <a:off x="691253" y="5119328"/>
+            <a:ext cx="10640865" cy="923330"/>
+          </a:xfrm>
+          <a:prstGeom prst="rect">
+            <a:avLst/>
+          </a:prstGeom>
+        </p:spPr>
+        <p:txBody>
+          <a:bodyPr wrap="square">
+            <a:spAutoFit/>
+          </a:bodyPr>
+          <a:lstStyle/>
+          <a:p>
+            <a:r>
+              <a:rPr lang="en-US" dirty="0">
+                <a:latin typeface="TimesNewRomanPSMT"/>
+              </a:rPr>
+              <a:t>Endianness is controlled independently for each EL3,2,1 via </a:t>
+            </a:r>
+          </a:p>
+          <a:p>
+            <a:r>
+              <a:rPr lang="en-US" dirty="0">
+                <a:latin typeface="TimesNewRomanPSMT"/>
+              </a:rPr>
+              <a:t>	</a:t>
+            </a:r>
+            <a:r>
+              <a:rPr lang="en-US" dirty="0"/>
+              <a:t>SCTLR_EL</a:t>
+            </a:r>
+            <a:r>
+              <a:rPr lang="en-US" i="1" dirty="0"/>
+              <a:t>n</a:t>
+            </a:r>
+            <a:r>
+              <a:rPr lang="en-US" dirty="0"/>
+              <a:t>.EE = 0 		</a:t>
+            </a:r>
+            <a:r>
+              <a:rPr lang="en-US" dirty="0">
+                <a:sym typeface="Wingdings" panose="05000000000000000000" pitchFamily="2" charset="2"/>
+              </a:rPr>
+              <a:t> </a:t>
+            </a:r>
+            <a:r>
+              <a:rPr lang="en-US" dirty="0" err="1">
+                <a:sym typeface="Wingdings" panose="05000000000000000000" pitchFamily="2" charset="2"/>
+              </a:rPr>
+              <a:t>LittleEndian</a:t>
+            </a:r>
+            <a:endParaRPr lang="en-US" dirty="0"/>
+          </a:p>
+          <a:p>
+            <a:r>
+              <a:rPr lang="en-US" dirty="0"/>
+              <a:t>	SCTLR_EL</a:t>
+            </a:r>
+            <a:r>
+              <a:rPr lang="en-US" i="1" dirty="0"/>
+              <a:t>n</a:t>
+            </a:r>
+            <a:r>
+              <a:rPr lang="en-US" dirty="0"/>
+              <a:t>.EE = 1	 		</a:t>
+            </a:r>
+            <a:r>
+              <a:rPr lang="en-US" dirty="0">
+                <a:sym typeface="Wingdings" panose="05000000000000000000" pitchFamily="2" charset="2"/>
+              </a:rPr>
+              <a:t> </a:t>
+            </a:r>
+            <a:r>
+              <a:rPr lang="en-US" dirty="0" err="1">
+                <a:sym typeface="Wingdings" panose="05000000000000000000" pitchFamily="2" charset="2"/>
+              </a:rPr>
+              <a:t>BigEndian</a:t>
+            </a:r>
+            <a:endParaRPr lang="en-US" dirty="0"/>
+          </a:p>
+        </p:txBody>
+      </p:sp>
+      <p:sp>
+        <p:nvSpPr>
+          <p:cNvPr id="14" name="Rectangle 13"/>
+          <p:cNvSpPr/>
+          <p:nvPr/>
+        </p:nvSpPr>
+        <p:spPr>
+          <a:xfrm>
+            <a:off x="691253" y="6320999"/>
+            <a:ext cx="6997428" cy="369332"/>
+          </a:xfrm>
+          <a:prstGeom prst="rect">
+            <a:avLst/>
+          </a:prstGeom>
+        </p:spPr>
+        <p:txBody>
+          <a:bodyPr wrap="none">
+            <a:spAutoFit/>
+          </a:bodyPr>
+          <a:lstStyle/>
+          <a:p>
+            <a:r>
+              <a:rPr lang="en-US" dirty="0">
+                <a:latin typeface="TimesNewRomanPSMT"/>
+              </a:rPr>
+              <a:t>At EL1,      </a:t>
+            </a:r>
+            <a:r>
+              <a:rPr lang="en-US" dirty="0"/>
+              <a:t>SCTLR_EL1.</a:t>
+            </a:r>
+            <a:r>
+              <a:rPr lang="en-US" b="1" dirty="0"/>
+              <a:t>E0E</a:t>
+            </a:r>
+            <a:r>
+              <a:rPr lang="en-US" dirty="0"/>
+              <a:t> </a:t>
+            </a:r>
+            <a:r>
+              <a:rPr lang="en-US" dirty="0">
+                <a:latin typeface="TimesNewRomanPSMT"/>
+              </a:rPr>
+              <a:t>controls the data endianness setting for EL0.</a:t>
+            </a:r>
+            <a:endParaRPr lang="en-US" dirty="0"/>
+          </a:p>
+        </p:txBody>
+      </p:sp>
+    </p:spTree>
+    <p:extLst>
+      <p:ext uri="{BB962C8B-B14F-4D97-AF65-F5344CB8AC3E}">
+        <p14:creationId xmlns:p14="http://schemas.microsoft.com/office/powerpoint/2010/main" val="262109845"/>
+      </p:ext>
+    </p:extLst>
+  </p:cSld>
+  <p:clrMapOvr>
+    <a:masterClrMapping/>
+  </p:clrMapOvr>
+</p:sld>
+</file>
+
+<file path=ppt/slides/slide18.xml><?xml version="1.0" encoding="utf-8"?>
+<p:sld xmlns:a="http://schemas.openxmlformats.org/drawingml/2006/main" xmlns:r="http://schemas.openxmlformats.org/officeDocument/2006/relationships" xmlns:p="http://schemas.openxmlformats.org/presentationml/2006/main">
+  <p:cSld>
+    <p:spTree>
+      <p:nvGrpSpPr>
+        <p:cNvPr id="1" name=""/>
+        <p:cNvGrpSpPr/>
+        <p:nvPr/>
+      </p:nvGrpSpPr>
+      <p:grpSpPr>
+        <a:xfrm>
+          <a:off x="0" y="0"/>
+          <a:ext cx="0" cy="0"/>
+          <a:chOff x="0" y="0"/>
+          <a:chExt cx="0" cy="0"/>
+        </a:xfrm>
+      </p:grpSpPr>
+      <p:sp>
+        <p:nvSpPr>
+          <p:cNvPr id="4" name="Rectangle 3"/>
+          <p:cNvSpPr/>
+          <p:nvPr/>
+        </p:nvSpPr>
+        <p:spPr>
+          <a:xfrm>
+            <a:off x="265286" y="316496"/>
+            <a:ext cx="9010599" cy="369332"/>
+          </a:xfrm>
+          <a:prstGeom prst="rect">
+            <a:avLst/>
+          </a:prstGeom>
+        </p:spPr>
+        <p:txBody>
+          <a:bodyPr wrap="square">
+            <a:spAutoFit/>
+          </a:bodyPr>
+          <a:lstStyle/>
+          <a:p>
+            <a:r>
+              <a:rPr lang="en-US" b="1" dirty="0"/>
+              <a:t>AArch64 Special Registers – </a:t>
+            </a:r>
+            <a:r>
+              <a:rPr lang="en-US" b="1" dirty="0"/>
+              <a:t>NEON and floating-point registers</a:t>
+            </a:r>
+            <a:endParaRPr lang="en-US" dirty="0"/>
+          </a:p>
+        </p:txBody>
+      </p:sp>
+      <p:sp>
+        <p:nvSpPr>
+          <p:cNvPr id="10" name="Rectangle 9"/>
+          <p:cNvSpPr/>
+          <p:nvPr/>
+        </p:nvSpPr>
+        <p:spPr>
+          <a:xfrm>
+            <a:off x="5524500" y="1053584"/>
+            <a:ext cx="6096000" cy="646331"/>
+          </a:xfrm>
+          <a:prstGeom prst="rect">
+            <a:avLst/>
+          </a:prstGeom>
+        </p:spPr>
+        <p:txBody>
+          <a:bodyPr>
+            <a:spAutoFit/>
+          </a:bodyPr>
+          <a:lstStyle/>
+          <a:p>
+            <a:endParaRPr lang="en-US" dirty="0"/>
+          </a:p>
+          <a:p>
+            <a:endParaRPr lang="en-US" dirty="0"/>
+          </a:p>
+        </p:txBody>
+      </p:sp>
+    </p:spTree>
+    <p:extLst>
+      <p:ext uri="{BB962C8B-B14F-4D97-AF65-F5344CB8AC3E}">
+        <p14:creationId xmlns:p14="http://schemas.microsoft.com/office/powerpoint/2010/main" val="3519467716"/>
+      </p:ext>
+    </p:extLst>
+  </p:cSld>
+  <p:clrMapOvr>
+    <a:masterClrMapping/>
+  </p:clrMapOvr>
+</p:sld>
+</file>
+
 <file path=ppt/slides/slide2.xml><?xml version="1.0" encoding="utf-8"?>
 <p:sld xmlns:a="http://schemas.openxmlformats.org/drawingml/2006/main" xmlns:r="http://schemas.openxmlformats.org/officeDocument/2006/relationships" xmlns:p="http://schemas.openxmlformats.org/presentationml/2006/main">
   <p:cSld>
@@ -6090,7 +9557,7 @@
               <a:rPr lang="en-US" b="1" dirty="0">
                 <a:latin typeface="Arial-BoldMT"/>
               </a:rPr>
-              <a:t>ARMv8 registers</a:t>
+              <a:t>ARMv8 General Purpose Registers (32bit / 64bit mode)</a:t>
             </a:r>
             <a:endParaRPr lang="en-US" dirty="0"/>
           </a:p>
@@ -6190,6 +9657,135 @@
           </p:spPr>
         </p:pic>
       </p:grpSp>
+      <p:sp>
+        <p:nvSpPr>
+          <p:cNvPr id="7" name="Rectangle 6"/>
+          <p:cNvSpPr/>
+          <p:nvPr/>
+        </p:nvSpPr>
+        <p:spPr>
+          <a:xfrm>
+            <a:off x="1324969" y="4419761"/>
+            <a:ext cx="8592753" cy="646331"/>
+          </a:xfrm>
+          <a:prstGeom prst="rect">
+            <a:avLst/>
+          </a:prstGeom>
+        </p:spPr>
+        <p:txBody>
+          <a:bodyPr wrap="square">
+            <a:spAutoFit/>
+          </a:bodyPr>
+          <a:lstStyle/>
+          <a:p>
+            <a:r>
+              <a:rPr lang="en-US" dirty="0">
+                <a:latin typeface="TimesNewRomanPSMT"/>
+              </a:rPr>
+              <a:t>32-bit W register forms the lower half of the corresponding 64-bit X register.</a:t>
+            </a:r>
+          </a:p>
+          <a:p>
+            <a:r>
+              <a:rPr lang="en-US" dirty="0">
+                <a:latin typeface="TimesNewRomanPSMT"/>
+              </a:rPr>
+              <a:t>That is, W0 maps onto the lower word of X0</a:t>
+            </a:r>
+            <a:r>
+              <a:rPr lang="en-US" dirty="0"/>
+              <a:t>.</a:t>
+            </a:r>
+          </a:p>
+        </p:txBody>
+      </p:sp>
+      <p:sp>
+        <p:nvSpPr>
+          <p:cNvPr id="9" name="Rectangle 8"/>
+          <p:cNvSpPr/>
+          <p:nvPr/>
+        </p:nvSpPr>
+        <p:spPr>
+          <a:xfrm>
+            <a:off x="1324969" y="5336373"/>
+            <a:ext cx="10087446" cy="1477328"/>
+          </a:xfrm>
+          <a:prstGeom prst="rect">
+            <a:avLst/>
+          </a:prstGeom>
+        </p:spPr>
+        <p:txBody>
+          <a:bodyPr wrap="square">
+            <a:spAutoFit/>
+          </a:bodyPr>
+          <a:lstStyle/>
+          <a:p>
+            <a:r>
+              <a:rPr lang="en-US" dirty="0">
+                <a:latin typeface="TimesNewRomanPSMT"/>
+              </a:rPr>
+              <a:t>Reads from W registers disregard the higher 32 bits of the corresponding X register and leave</a:t>
+            </a:r>
+          </a:p>
+          <a:p>
+            <a:r>
+              <a:rPr lang="en-US" dirty="0">
+                <a:latin typeface="TimesNewRomanPSMT"/>
+              </a:rPr>
+              <a:t>them unchanged.</a:t>
+            </a:r>
+          </a:p>
+          <a:p>
+            <a:r>
+              <a:rPr lang="en-US" dirty="0">
+                <a:latin typeface="TimesNewRomanPSMT"/>
+              </a:rPr>
+              <a:t> </a:t>
+            </a:r>
+          </a:p>
+          <a:p>
+            <a:r>
+              <a:rPr lang="en-US" dirty="0">
+                <a:latin typeface="TimesNewRomanPSMT"/>
+              </a:rPr>
+              <a:t>Writes to W registers set the higher 32 bits of the X register to zero. That is,</a:t>
+            </a:r>
+          </a:p>
+          <a:p>
+            <a:r>
+              <a:rPr lang="en-US" dirty="0">
+                <a:latin typeface="TimesNewRomanPSMT"/>
+              </a:rPr>
+              <a:t>writing </a:t>
+            </a:r>
+            <a:r>
+              <a:rPr lang="en-US" sz="1400" dirty="0">
+                <a:latin typeface="LucidaSansTypewriteX"/>
+              </a:rPr>
+              <a:t>0xFFFFFFFF </a:t>
+            </a:r>
+            <a:r>
+              <a:rPr lang="en-US" dirty="0">
+                <a:latin typeface="TimesNewRomanPSMT"/>
+              </a:rPr>
+              <a:t>into W0 sets X0 to </a:t>
+            </a:r>
+            <a:r>
+              <a:rPr lang="en-US" sz="1400" dirty="0">
+                <a:latin typeface="LucidaSansTypewriteX"/>
+              </a:rPr>
+              <a:t>0x00000000FFFFFFFF</a:t>
+            </a:r>
+            <a:r>
+              <a:rPr lang="en-US" dirty="0">
+                <a:latin typeface="TimesNewRomanPSMT"/>
+              </a:rPr>
+              <a:t>.</a:t>
+            </a:r>
+            <a:endParaRPr lang="en-US" dirty="0"/>
+          </a:p>
+        </p:txBody>
+      </p:sp>
     </p:spTree>
     <p:extLst>
       <p:ext uri="{BB962C8B-B14F-4D97-AF65-F5344CB8AC3E}">
@@ -6220,6 +9816,30 @@
           <a:chExt cx="0" cy="0"/>
         </a:xfrm>
       </p:grpSpPr>
+      <p:pic>
+        <p:nvPicPr>
+          <p:cNvPr id="9" name="Picture 8"/>
+          <p:cNvPicPr>
+            <a:picLocks noChangeAspect="1"/>
+          </p:cNvPicPr>
+          <p:nvPr/>
+        </p:nvPicPr>
+        <p:blipFill>
+          <a:blip r:embed="rId2"/>
+          <a:stretch>
+            <a:fillRect/>
+          </a:stretch>
+        </p:blipFill>
+        <p:spPr>
+          <a:xfrm>
+            <a:off x="7386950" y="4996472"/>
+            <a:ext cx="2646001" cy="1896696"/>
+          </a:xfrm>
+          <a:prstGeom prst="rect">
+            <a:avLst/>
+          </a:prstGeom>
+        </p:spPr>
+      </p:pic>
       <p:sp>
         <p:nvSpPr>
           <p:cNvPr id="4" name="Rectangle 3"/>
@@ -6242,19 +9862,1384 @@
           <a:lstStyle/>
           <a:p>
             <a:r>
-              <a:rPr lang="en-US" b="1" dirty="0">
-                <a:latin typeface="Arial-BoldMT"/>
-              </a:rPr>
-              <a:t>Fundamentals of ARMv8</a:t>
-            </a:r>
-            <a:endParaRPr lang="en-US" dirty="0"/>
-          </a:p>
-        </p:txBody>
-      </p:sp>
+              <a:rPr lang="en-US" b="1" dirty="0"/>
+              <a:t>AArch64 Special Registers</a:t>
+            </a:r>
+            <a:endParaRPr lang="en-US" dirty="0"/>
+          </a:p>
+        </p:txBody>
+      </p:sp>
+      <p:sp>
+        <p:nvSpPr>
+          <p:cNvPr id="2" name="Rectangle 1"/>
+          <p:cNvSpPr/>
+          <p:nvPr/>
+        </p:nvSpPr>
+        <p:spPr>
+          <a:xfrm>
+            <a:off x="665284" y="819835"/>
+            <a:ext cx="10764715" cy="369332"/>
+          </a:xfrm>
+          <a:prstGeom prst="rect">
+            <a:avLst/>
+          </a:prstGeom>
+        </p:spPr>
+        <p:txBody>
+          <a:bodyPr wrap="square">
+            <a:spAutoFit/>
+          </a:bodyPr>
+          <a:lstStyle/>
+          <a:p>
+            <a:r>
+              <a:rPr lang="en-US" dirty="0">
+                <a:latin typeface="TimesNewRomanPSMT"/>
+              </a:rPr>
+              <a:t>In addition to the 31 core registers, there are also several special registers.</a:t>
+            </a:r>
+            <a:endParaRPr lang="en-US" dirty="0"/>
+          </a:p>
+        </p:txBody>
+      </p:sp>
+      <p:pic>
+        <p:nvPicPr>
+          <p:cNvPr id="3" name="Picture 2"/>
+          <p:cNvPicPr>
+            <a:picLocks noChangeAspect="1"/>
+          </p:cNvPicPr>
+          <p:nvPr/>
+        </p:nvPicPr>
+        <p:blipFill>
+          <a:blip r:embed="rId3"/>
+          <a:stretch>
+            <a:fillRect/>
+          </a:stretch>
+        </p:blipFill>
+        <p:spPr>
+          <a:xfrm>
+            <a:off x="1099796" y="1713230"/>
+            <a:ext cx="7341577" cy="1712502"/>
+          </a:xfrm>
+          <a:prstGeom prst="rect">
+            <a:avLst/>
+          </a:prstGeom>
+        </p:spPr>
+      </p:pic>
+      <p:sp>
+        <p:nvSpPr>
+          <p:cNvPr id="7" name="Rectangle 6"/>
+          <p:cNvSpPr/>
+          <p:nvPr/>
+        </p:nvSpPr>
+        <p:spPr>
+          <a:xfrm>
+            <a:off x="718037" y="3791877"/>
+            <a:ext cx="10360271" cy="369332"/>
+          </a:xfrm>
+          <a:prstGeom prst="rect">
+            <a:avLst/>
+          </a:prstGeom>
+        </p:spPr>
+        <p:txBody>
+          <a:bodyPr wrap="square">
+            <a:spAutoFit/>
+          </a:bodyPr>
+          <a:lstStyle/>
+          <a:p>
+            <a:r>
+              <a:rPr lang="en-US" dirty="0">
+                <a:latin typeface="TimesNewRomanPSMT"/>
+              </a:rPr>
+              <a:t>Many instructions are encoded such that the number 31 represents the zero register, ZR (WZR/XZR).</a:t>
+            </a:r>
+            <a:endParaRPr lang="en-US" dirty="0"/>
+          </a:p>
+        </p:txBody>
+      </p:sp>
+      <p:sp>
+        <p:nvSpPr>
+          <p:cNvPr id="8" name="Rectangle 7"/>
+          <p:cNvSpPr/>
+          <p:nvPr/>
+        </p:nvSpPr>
+        <p:spPr>
+          <a:xfrm>
+            <a:off x="718037" y="4129138"/>
+            <a:ext cx="11309840" cy="646331"/>
+          </a:xfrm>
+          <a:prstGeom prst="rect">
+            <a:avLst/>
+          </a:prstGeom>
+        </p:spPr>
+        <p:txBody>
+          <a:bodyPr wrap="square">
+            <a:spAutoFit/>
+          </a:bodyPr>
+          <a:lstStyle/>
+          <a:p>
+            <a:r>
+              <a:rPr lang="en-US" dirty="0">
+                <a:latin typeface="TimesNewRomanPSMT"/>
+              </a:rPr>
+              <a:t>Also a restricted group of instructions where one or more of the arguments are encoded such that number 31 represents the </a:t>
+            </a:r>
+            <a:r>
+              <a:rPr lang="en-US" i="1" dirty="0">
+                <a:latin typeface="TimesNewRomanPS-ItalicMT"/>
+              </a:rPr>
+              <a:t>Stack Pointer </a:t>
+            </a:r>
+            <a:r>
+              <a:rPr lang="en-US" dirty="0">
+                <a:latin typeface="TimesNewRomanPSMT"/>
+              </a:rPr>
+              <a:t>(SP).</a:t>
+            </a:r>
+            <a:endParaRPr lang="en-US" dirty="0"/>
+          </a:p>
+        </p:txBody>
+      </p:sp>
+      <p:sp>
+        <p:nvSpPr>
+          <p:cNvPr id="10" name="Rectangle 9"/>
+          <p:cNvSpPr/>
+          <p:nvPr/>
+        </p:nvSpPr>
+        <p:spPr>
+          <a:xfrm>
+            <a:off x="1828799" y="5675366"/>
+            <a:ext cx="4932484" cy="923330"/>
+          </a:xfrm>
+          <a:prstGeom prst="rect">
+            <a:avLst/>
+          </a:prstGeom>
+        </p:spPr>
+        <p:txBody>
+          <a:bodyPr wrap="square">
+            <a:spAutoFit/>
+          </a:bodyPr>
+          <a:lstStyle/>
+          <a:p>
+            <a:r>
+              <a:rPr lang="en-US" dirty="0">
+                <a:latin typeface="TimesNewRomanPSMT"/>
+              </a:rPr>
+              <a:t>Note : </a:t>
+            </a:r>
+          </a:p>
+          <a:p>
+            <a:r>
+              <a:rPr lang="en-US" dirty="0">
+                <a:latin typeface="TimesNewRomanPSMT"/>
+              </a:rPr>
+              <a:t>64-bit form of the SP register does not use an X prefix.</a:t>
+            </a:r>
+            <a:endParaRPr lang="en-US" dirty="0"/>
+          </a:p>
+        </p:txBody>
+      </p:sp>
+      <p:sp>
+        <p:nvSpPr>
+          <p:cNvPr id="11" name="Oval 10"/>
+          <p:cNvSpPr/>
+          <p:nvPr/>
+        </p:nvSpPr>
+        <p:spPr>
+          <a:xfrm>
+            <a:off x="7404535" y="6286497"/>
+            <a:ext cx="420618" cy="254977"/>
+          </a:xfrm>
+          <a:prstGeom prst="ellipse">
+            <a:avLst/>
+          </a:prstGeom>
+          <a:noFill/>
+        </p:spPr>
+        <p:style>
+          <a:lnRef idx="2">
+            <a:schemeClr val="accent1">
+              <a:shade val="50000"/>
+            </a:schemeClr>
+          </a:lnRef>
+          <a:fillRef idx="1">
+            <a:schemeClr val="accent1"/>
+          </a:fillRef>
+          <a:effectRef idx="0">
+            <a:schemeClr val="accent1"/>
+          </a:effectRef>
+          <a:fontRef idx="minor">
+            <a:schemeClr val="lt1"/>
+          </a:fontRef>
+        </p:style>
+        <p:txBody>
+          <a:bodyPr rtlCol="0" anchor="ctr"/>
+          <a:lstStyle/>
+          <a:p>
+            <a:pPr algn="ctr"/>
+            <a:endParaRPr lang="en-US"/>
+          </a:p>
+        </p:txBody>
+      </p:sp>
+      <p:cxnSp>
+        <p:nvCxnSpPr>
+          <p:cNvPr id="13" name="Straight Arrow Connector 12"/>
+          <p:cNvCxnSpPr>
+            <a:stCxn id="11" idx="1"/>
+            <a:endCxn id="10" idx="3"/>
+          </p:cNvCxnSpPr>
+          <p:nvPr/>
+        </p:nvCxnSpPr>
+        <p:spPr>
+          <a:xfrm flipH="1" flipV="1">
+            <a:off x="6761283" y="6137031"/>
+            <a:ext cx="704850" cy="186807"/>
+          </a:xfrm>
+          <a:prstGeom prst="straightConnector1">
+            <a:avLst/>
+          </a:prstGeom>
+          <a:ln w="31750">
+            <a:tailEnd type="triangle"/>
+          </a:ln>
+        </p:spPr>
+        <p:style>
+          <a:lnRef idx="1">
+            <a:schemeClr val="accent1"/>
+          </a:lnRef>
+          <a:fillRef idx="0">
+            <a:schemeClr val="accent1"/>
+          </a:fillRef>
+          <a:effectRef idx="0">
+            <a:schemeClr val="accent1"/>
+          </a:effectRef>
+          <a:fontRef idx="minor">
+            <a:schemeClr val="tx1"/>
+          </a:fontRef>
+        </p:style>
+      </p:cxnSp>
+      <p:pic>
+        <p:nvPicPr>
+          <p:cNvPr id="16" name="Picture 15"/>
+          <p:cNvPicPr>
+            <a:picLocks noChangeAspect="1"/>
+          </p:cNvPicPr>
+          <p:nvPr/>
+        </p:nvPicPr>
+        <p:blipFill>
+          <a:blip r:embed="rId4"/>
+          <a:stretch>
+            <a:fillRect/>
+          </a:stretch>
+        </p:blipFill>
+        <p:spPr>
+          <a:xfrm>
+            <a:off x="8060054" y="4847934"/>
+            <a:ext cx="1960685" cy="171645"/>
+          </a:xfrm>
+          <a:prstGeom prst="rect">
+            <a:avLst/>
+          </a:prstGeom>
+        </p:spPr>
+      </p:pic>
+      <p:pic>
+        <p:nvPicPr>
+          <p:cNvPr id="17" name="Picture 16"/>
+          <p:cNvPicPr>
+            <a:picLocks noChangeAspect="1"/>
+          </p:cNvPicPr>
+          <p:nvPr/>
+        </p:nvPicPr>
+        <p:blipFill>
+          <a:blip r:embed="rId5"/>
+          <a:stretch>
+            <a:fillRect/>
+          </a:stretch>
+        </p:blipFill>
+        <p:spPr>
+          <a:xfrm>
+            <a:off x="6349458" y="1422628"/>
+            <a:ext cx="2074985" cy="207600"/>
+          </a:xfrm>
+          <a:prstGeom prst="rect">
+            <a:avLst/>
+          </a:prstGeom>
+        </p:spPr>
+      </p:pic>
     </p:spTree>
     <p:extLst>
       <p:ext uri="{BB962C8B-B14F-4D97-AF65-F5344CB8AC3E}">
         <p14:creationId xmlns:p14="http://schemas.microsoft.com/office/powerpoint/2010/main" val="500158562"/>
+      </p:ext>
+    </p:extLst>
+  </p:cSld>
+  <p:clrMapOvr>
+    <a:masterClrMapping/>
+  </p:clrMapOvr>
+</p:sld>
+</file>
+
+<file path=ppt/slides/slide5.xml><?xml version="1.0" encoding="utf-8"?>
+<p:sld xmlns:a="http://schemas.openxmlformats.org/drawingml/2006/main" xmlns:r="http://schemas.openxmlformats.org/officeDocument/2006/relationships" xmlns:p="http://schemas.openxmlformats.org/presentationml/2006/main">
+  <p:cSld>
+    <p:spTree>
+      <p:nvGrpSpPr>
+        <p:cNvPr id="1" name=""/>
+        <p:cNvGrpSpPr/>
+        <p:nvPr/>
+      </p:nvGrpSpPr>
+      <p:grpSpPr>
+        <a:xfrm>
+          <a:off x="0" y="0"/>
+          <a:ext cx="0" cy="0"/>
+          <a:chOff x="0" y="0"/>
+          <a:chExt cx="0" cy="0"/>
+        </a:xfrm>
+      </p:grpSpPr>
+      <p:sp>
+        <p:nvSpPr>
+          <p:cNvPr id="4" name="Rectangle 3"/>
+          <p:cNvSpPr/>
+          <p:nvPr/>
+        </p:nvSpPr>
+        <p:spPr>
+          <a:xfrm>
+            <a:off x="265286" y="316496"/>
+            <a:ext cx="9010599" cy="369332"/>
+          </a:xfrm>
+          <a:prstGeom prst="rect">
+            <a:avLst/>
+          </a:prstGeom>
+        </p:spPr>
+        <p:txBody>
+          <a:bodyPr wrap="square">
+            <a:spAutoFit/>
+          </a:bodyPr>
+          <a:lstStyle/>
+          <a:p>
+            <a:r>
+              <a:rPr lang="en-US" b="1" dirty="0"/>
+              <a:t>AArch64 Special Registers</a:t>
+            </a:r>
+            <a:endParaRPr lang="en-US" dirty="0"/>
+          </a:p>
+        </p:txBody>
+      </p:sp>
+      <p:sp>
+        <p:nvSpPr>
+          <p:cNvPr id="5" name="Rectangle 4"/>
+          <p:cNvSpPr/>
+          <p:nvPr/>
+        </p:nvSpPr>
+        <p:spPr>
+          <a:xfrm>
+            <a:off x="489439" y="934052"/>
+            <a:ext cx="10175630" cy="1477328"/>
+          </a:xfrm>
+          <a:prstGeom prst="rect">
+            <a:avLst/>
+          </a:prstGeom>
+        </p:spPr>
+        <p:txBody>
+          <a:bodyPr wrap="square">
+            <a:spAutoFit/>
+          </a:bodyPr>
+          <a:lstStyle/>
+          <a:p>
+            <a:r>
+              <a:rPr lang="en-US" dirty="0">
+                <a:latin typeface="TimesNewRomanPSMT"/>
+              </a:rPr>
+              <a:t>The Exception Return </a:t>
+            </a:r>
+            <a:r>
+              <a:rPr lang="en-US" sz="1200" dirty="0">
+                <a:latin typeface="Corbel" panose="020B0503020204020204" pitchFamily="34" charset="0"/>
+              </a:rPr>
+              <a:t>(ERET)</a:t>
+            </a:r>
+            <a:r>
+              <a:rPr lang="en-US" sz="1200" dirty="0">
+                <a:latin typeface="TimesNewRomanPSMT"/>
+              </a:rPr>
+              <a:t> </a:t>
+            </a:r>
+            <a:r>
+              <a:rPr lang="en-US" dirty="0">
+                <a:latin typeface="TimesNewRomanPSMT"/>
+              </a:rPr>
+              <a:t>state is held in the following dedicated registers for each Exception level:</a:t>
+            </a:r>
+          </a:p>
+          <a:p>
+            <a:r>
+              <a:rPr lang="en-US" dirty="0">
+                <a:latin typeface="TimesNewRomanPSMT"/>
+              </a:rPr>
+              <a:t>• </a:t>
+            </a:r>
+            <a:r>
+              <a:rPr lang="en-US" i="1" dirty="0">
+                <a:latin typeface="TimesNewRomanPS-ItalicMT"/>
+              </a:rPr>
+              <a:t>Exception Link Register </a:t>
+            </a:r>
+            <a:r>
+              <a:rPr lang="en-US" dirty="0">
+                <a:latin typeface="TimesNewRomanPSMT"/>
+              </a:rPr>
+              <a:t>(ELR).</a:t>
+            </a:r>
+          </a:p>
+          <a:p>
+            <a:r>
+              <a:rPr lang="en-US" dirty="0">
+                <a:latin typeface="TimesNewRomanPSMT"/>
+              </a:rPr>
+              <a:t>• </a:t>
+            </a:r>
+            <a:r>
+              <a:rPr lang="en-US" i="1" dirty="0">
+                <a:latin typeface="TimesNewRomanPS-ItalicMT"/>
+              </a:rPr>
+              <a:t>Saved Processor State Register </a:t>
+            </a:r>
+            <a:r>
+              <a:rPr lang="en-US" dirty="0">
+                <a:latin typeface="TimesNewRomanPSMT"/>
+              </a:rPr>
+              <a:t>(SPSR).</a:t>
+            </a:r>
+          </a:p>
+          <a:p>
+            <a:endParaRPr lang="en-US" dirty="0">
+              <a:latin typeface="TimesNewRomanPSMT"/>
+            </a:endParaRPr>
+          </a:p>
+          <a:p>
+            <a:r>
+              <a:rPr lang="en-US" dirty="0">
+                <a:latin typeface="TimesNewRomanPSMT"/>
+              </a:rPr>
+              <a:t>There is a dedicated SP per Exception level, but it is not used to hold return state</a:t>
+            </a:r>
+            <a:endParaRPr lang="en-US" dirty="0"/>
+          </a:p>
+        </p:txBody>
+      </p:sp>
+      <p:pic>
+        <p:nvPicPr>
+          <p:cNvPr id="7" name="Picture 6"/>
+          <p:cNvPicPr>
+            <a:picLocks noChangeAspect="1"/>
+          </p:cNvPicPr>
+          <p:nvPr/>
+        </p:nvPicPr>
+        <p:blipFill>
+          <a:blip r:embed="rId2"/>
+          <a:stretch>
+            <a:fillRect/>
+          </a:stretch>
+        </p:blipFill>
+        <p:spPr>
+          <a:xfrm>
+            <a:off x="2901461" y="3160346"/>
+            <a:ext cx="5919005" cy="1393393"/>
+          </a:xfrm>
+          <a:prstGeom prst="rect">
+            <a:avLst/>
+          </a:prstGeom>
+        </p:spPr>
+      </p:pic>
+      <p:pic>
+        <p:nvPicPr>
+          <p:cNvPr id="8" name="Picture 7"/>
+          <p:cNvPicPr>
+            <a:picLocks noChangeAspect="1"/>
+          </p:cNvPicPr>
+          <p:nvPr/>
+        </p:nvPicPr>
+        <p:blipFill>
+          <a:blip r:embed="rId3"/>
+          <a:stretch>
+            <a:fillRect/>
+          </a:stretch>
+        </p:blipFill>
+        <p:spPr>
+          <a:xfrm>
+            <a:off x="5723792" y="2915752"/>
+            <a:ext cx="3096673" cy="244594"/>
+          </a:xfrm>
+          <a:prstGeom prst="rect">
+            <a:avLst/>
+          </a:prstGeom>
+        </p:spPr>
+      </p:pic>
+    </p:spTree>
+    <p:extLst>
+      <p:ext uri="{BB962C8B-B14F-4D97-AF65-F5344CB8AC3E}">
+        <p14:creationId xmlns:p14="http://schemas.microsoft.com/office/powerpoint/2010/main" val="617027324"/>
+      </p:ext>
+    </p:extLst>
+  </p:cSld>
+  <p:clrMapOvr>
+    <a:masterClrMapping/>
+  </p:clrMapOvr>
+</p:sld>
+</file>
+
+<file path=ppt/slides/slide6.xml><?xml version="1.0" encoding="utf-8"?>
+<p:sld xmlns:a="http://schemas.openxmlformats.org/drawingml/2006/main" xmlns:r="http://schemas.openxmlformats.org/officeDocument/2006/relationships" xmlns:p="http://schemas.openxmlformats.org/presentationml/2006/main">
+  <p:cSld>
+    <p:spTree>
+      <p:nvGrpSpPr>
+        <p:cNvPr id="1" name=""/>
+        <p:cNvGrpSpPr/>
+        <p:nvPr/>
+      </p:nvGrpSpPr>
+      <p:grpSpPr>
+        <a:xfrm>
+          <a:off x="0" y="0"/>
+          <a:ext cx="0" cy="0"/>
+          <a:chOff x="0" y="0"/>
+          <a:chExt cx="0" cy="0"/>
+        </a:xfrm>
+      </p:grpSpPr>
+      <p:sp>
+        <p:nvSpPr>
+          <p:cNvPr id="4" name="Rectangle 3"/>
+          <p:cNvSpPr/>
+          <p:nvPr/>
+        </p:nvSpPr>
+        <p:spPr>
+          <a:xfrm>
+            <a:off x="265286" y="316496"/>
+            <a:ext cx="9010599" cy="369332"/>
+          </a:xfrm>
+          <a:prstGeom prst="rect">
+            <a:avLst/>
+          </a:prstGeom>
+        </p:spPr>
+        <p:txBody>
+          <a:bodyPr wrap="square">
+            <a:spAutoFit/>
+          </a:bodyPr>
+          <a:lstStyle/>
+          <a:p>
+            <a:r>
+              <a:rPr lang="en-US" b="1" dirty="0"/>
+              <a:t>AArch64 Special Registers - Zero Register</a:t>
+            </a:r>
+            <a:endParaRPr lang="en-US" dirty="0"/>
+          </a:p>
+        </p:txBody>
+      </p:sp>
+      <p:sp>
+        <p:nvSpPr>
+          <p:cNvPr id="2" name="Rectangle 1"/>
+          <p:cNvSpPr/>
+          <p:nvPr/>
+        </p:nvSpPr>
+        <p:spPr>
+          <a:xfrm>
+            <a:off x="853975" y="1125388"/>
+            <a:ext cx="6545382" cy="369332"/>
+          </a:xfrm>
+          <a:prstGeom prst="rect">
+            <a:avLst/>
+          </a:prstGeom>
+        </p:spPr>
+        <p:txBody>
+          <a:bodyPr wrap="none">
+            <a:spAutoFit/>
+          </a:bodyPr>
+          <a:lstStyle/>
+          <a:p>
+            <a:r>
+              <a:rPr lang="en-US" dirty="0">
+                <a:latin typeface="TimesNewRomanPSMT"/>
+              </a:rPr>
+              <a:t>The zero register reads as zero when used as a source register [Read]</a:t>
+            </a:r>
+            <a:endParaRPr lang="en-US" dirty="0"/>
+          </a:p>
+        </p:txBody>
+      </p:sp>
+      <p:sp>
+        <p:nvSpPr>
+          <p:cNvPr id="3" name="Rectangle 2"/>
+          <p:cNvSpPr/>
+          <p:nvPr/>
+        </p:nvSpPr>
+        <p:spPr>
+          <a:xfrm>
+            <a:off x="853975" y="1637520"/>
+            <a:ext cx="6096000" cy="369332"/>
+          </a:xfrm>
+          <a:prstGeom prst="rect">
+            <a:avLst/>
+          </a:prstGeom>
+        </p:spPr>
+        <p:txBody>
+          <a:bodyPr>
+            <a:spAutoFit/>
+          </a:bodyPr>
+          <a:lstStyle/>
+          <a:p>
+            <a:r>
+              <a:rPr lang="en-US" dirty="0">
+                <a:latin typeface="TimesNewRomanPSMT"/>
+              </a:rPr>
+              <a:t>Discards the result when used as a destination register. [Write]</a:t>
+            </a:r>
+            <a:endParaRPr lang="en-US" dirty="0"/>
+          </a:p>
+        </p:txBody>
+      </p:sp>
+      <p:sp>
+        <p:nvSpPr>
+          <p:cNvPr id="5" name="Rectangle 4"/>
+          <p:cNvSpPr/>
+          <p:nvPr/>
+        </p:nvSpPr>
+        <p:spPr>
+          <a:xfrm>
+            <a:off x="853975" y="2149652"/>
+            <a:ext cx="4602542" cy="369332"/>
+          </a:xfrm>
+          <a:prstGeom prst="rect">
+            <a:avLst/>
+          </a:prstGeom>
+        </p:spPr>
+        <p:txBody>
+          <a:bodyPr wrap="none">
+            <a:spAutoFit/>
+          </a:bodyPr>
+          <a:lstStyle/>
+          <a:p>
+            <a:r>
+              <a:rPr lang="en-US" dirty="0">
+                <a:latin typeface="TimesNewRomanPSMT"/>
+              </a:rPr>
+              <a:t>ZR can be used in most, but not all instructions.</a:t>
+            </a:r>
+            <a:endParaRPr lang="en-US" dirty="0"/>
+          </a:p>
+        </p:txBody>
+      </p:sp>
+    </p:spTree>
+    <p:extLst>
+      <p:ext uri="{BB962C8B-B14F-4D97-AF65-F5344CB8AC3E}">
+        <p14:creationId xmlns:p14="http://schemas.microsoft.com/office/powerpoint/2010/main" val="54692068"/>
+      </p:ext>
+    </p:extLst>
+  </p:cSld>
+  <p:clrMapOvr>
+    <a:masterClrMapping/>
+  </p:clrMapOvr>
+</p:sld>
+</file>
+
+<file path=ppt/slides/slide7.xml><?xml version="1.0" encoding="utf-8"?>
+<p:sld xmlns:a="http://schemas.openxmlformats.org/drawingml/2006/main" xmlns:r="http://schemas.openxmlformats.org/officeDocument/2006/relationships" xmlns:p="http://schemas.openxmlformats.org/presentationml/2006/main">
+  <p:cSld>
+    <p:spTree>
+      <p:nvGrpSpPr>
+        <p:cNvPr id="1" name=""/>
+        <p:cNvGrpSpPr/>
+        <p:nvPr/>
+      </p:nvGrpSpPr>
+      <p:grpSpPr>
+        <a:xfrm>
+          <a:off x="0" y="0"/>
+          <a:ext cx="0" cy="0"/>
+          <a:chOff x="0" y="0"/>
+          <a:chExt cx="0" cy="0"/>
+        </a:xfrm>
+      </p:grpSpPr>
+      <p:sp>
+        <p:nvSpPr>
+          <p:cNvPr id="4" name="Rectangle 3"/>
+          <p:cNvSpPr/>
+          <p:nvPr/>
+        </p:nvSpPr>
+        <p:spPr>
+          <a:xfrm>
+            <a:off x="265286" y="316496"/>
+            <a:ext cx="9010599" cy="369332"/>
+          </a:xfrm>
+          <a:prstGeom prst="rect">
+            <a:avLst/>
+          </a:prstGeom>
+        </p:spPr>
+        <p:txBody>
+          <a:bodyPr wrap="square">
+            <a:spAutoFit/>
+          </a:bodyPr>
+          <a:lstStyle/>
+          <a:p>
+            <a:r>
+              <a:rPr lang="en-US" b="1" dirty="0"/>
+              <a:t>AArch64 Special Registers – Stack Pointer</a:t>
+            </a:r>
+            <a:endParaRPr lang="en-US" dirty="0"/>
+          </a:p>
+        </p:txBody>
+      </p:sp>
+      <p:sp>
+        <p:nvSpPr>
+          <p:cNvPr id="3" name="Rectangle 2"/>
+          <p:cNvSpPr/>
+          <p:nvPr/>
+        </p:nvSpPr>
+        <p:spPr>
+          <a:xfrm>
+            <a:off x="739675" y="1833128"/>
+            <a:ext cx="7789312" cy="369332"/>
+          </a:xfrm>
+          <a:prstGeom prst="rect">
+            <a:avLst/>
+          </a:prstGeom>
+        </p:spPr>
+        <p:txBody>
+          <a:bodyPr wrap="none">
+            <a:spAutoFit/>
+          </a:bodyPr>
+          <a:lstStyle/>
+          <a:p>
+            <a:r>
+              <a:rPr lang="en-US" dirty="0">
+                <a:latin typeface="TimesNewRomanPSMT"/>
+              </a:rPr>
+              <a:t>Stack pointer variant to use is decided upon the current processor Execution Level.</a:t>
+            </a:r>
+            <a:endParaRPr lang="en-US" dirty="0"/>
+          </a:p>
+        </p:txBody>
+      </p:sp>
+      <p:sp>
+        <p:nvSpPr>
+          <p:cNvPr id="2" name="Rectangle 1"/>
+          <p:cNvSpPr/>
+          <p:nvPr/>
+        </p:nvSpPr>
+        <p:spPr>
+          <a:xfrm>
+            <a:off x="739675" y="2391399"/>
+            <a:ext cx="11173902" cy="369332"/>
+          </a:xfrm>
+          <a:prstGeom prst="rect">
+            <a:avLst/>
+          </a:prstGeom>
+        </p:spPr>
+        <p:txBody>
+          <a:bodyPr wrap="square">
+            <a:spAutoFit/>
+          </a:bodyPr>
+          <a:lstStyle/>
+          <a:p>
+            <a:r>
+              <a:rPr lang="en-US" dirty="0">
+                <a:latin typeface="TimesNewRomanPSMT"/>
+              </a:rPr>
+              <a:t>By default, taking an exception selects the stack pointer for the target Exception level, </a:t>
+            </a:r>
+            <a:r>
+              <a:rPr lang="en-US" b="1" dirty="0" err="1">
+                <a:latin typeface="TimesNewRomanPSMT"/>
+              </a:rPr>
+              <a:t>SP_EL</a:t>
+            </a:r>
+            <a:r>
+              <a:rPr lang="en-US" b="1" i="1" dirty="0" err="1">
+                <a:latin typeface="TimesNewRomanPS-ItalicMT"/>
+              </a:rPr>
+              <a:t>n</a:t>
+            </a:r>
+            <a:endParaRPr lang="en-US" b="1" dirty="0"/>
+          </a:p>
+        </p:txBody>
+      </p:sp>
+      <p:sp>
+        <p:nvSpPr>
+          <p:cNvPr id="5" name="Rectangle 4"/>
+          <p:cNvSpPr/>
+          <p:nvPr/>
+        </p:nvSpPr>
+        <p:spPr>
+          <a:xfrm>
+            <a:off x="739675" y="1274857"/>
+            <a:ext cx="10357339" cy="369332"/>
+          </a:xfrm>
+          <a:prstGeom prst="rect">
+            <a:avLst/>
+          </a:prstGeom>
+        </p:spPr>
+        <p:txBody>
+          <a:bodyPr wrap="square">
+            <a:spAutoFit/>
+          </a:bodyPr>
+          <a:lstStyle/>
+          <a:p>
+            <a:r>
+              <a:rPr lang="en-US" dirty="0">
+                <a:latin typeface="TimesNewRomanPSMT"/>
+              </a:rPr>
+              <a:t>Each Exception level has its own stack pointer, SP_EL0, SP_EL1, SP_EL2, and SP_EL3.</a:t>
+            </a:r>
+            <a:endParaRPr lang="en-US" dirty="0"/>
+          </a:p>
+        </p:txBody>
+      </p:sp>
+      <p:sp>
+        <p:nvSpPr>
+          <p:cNvPr id="6" name="Rectangle 5"/>
+          <p:cNvSpPr/>
+          <p:nvPr/>
+        </p:nvSpPr>
+        <p:spPr>
+          <a:xfrm>
+            <a:off x="739675" y="3024527"/>
+            <a:ext cx="8158140" cy="369332"/>
+          </a:xfrm>
+          <a:prstGeom prst="rect">
+            <a:avLst/>
+          </a:prstGeom>
+        </p:spPr>
+        <p:txBody>
+          <a:bodyPr wrap="square">
+            <a:spAutoFit/>
+          </a:bodyPr>
+          <a:lstStyle/>
+          <a:p>
+            <a:r>
+              <a:rPr lang="en-US" dirty="0">
+                <a:latin typeface="TimesNewRomanPSMT"/>
+              </a:rPr>
+              <a:t>For example, taking an exception to EL1 selects SP_EL1</a:t>
+            </a:r>
+            <a:endParaRPr lang="en-US" dirty="0"/>
+          </a:p>
+        </p:txBody>
+      </p:sp>
+      <p:pic>
+        <p:nvPicPr>
+          <p:cNvPr id="7" name="Picture 6"/>
+          <p:cNvPicPr>
+            <a:picLocks noChangeAspect="1"/>
+          </p:cNvPicPr>
+          <p:nvPr/>
+        </p:nvPicPr>
+        <p:blipFill>
+          <a:blip r:embed="rId2"/>
+          <a:stretch>
+            <a:fillRect/>
+          </a:stretch>
+        </p:blipFill>
+        <p:spPr>
+          <a:xfrm>
+            <a:off x="8966344" y="4239024"/>
+            <a:ext cx="3015344" cy="2506629"/>
+          </a:xfrm>
+          <a:prstGeom prst="rect">
+            <a:avLst/>
+          </a:prstGeom>
+        </p:spPr>
+      </p:pic>
+      <p:sp>
+        <p:nvSpPr>
+          <p:cNvPr id="8" name="Rectangle 7"/>
+          <p:cNvSpPr/>
+          <p:nvPr/>
+        </p:nvSpPr>
+        <p:spPr>
+          <a:xfrm>
+            <a:off x="2900293" y="6376322"/>
+            <a:ext cx="5547352" cy="369332"/>
+          </a:xfrm>
+          <a:prstGeom prst="rect">
+            <a:avLst/>
+          </a:prstGeom>
+        </p:spPr>
+        <p:txBody>
+          <a:bodyPr wrap="none">
+            <a:spAutoFit/>
+          </a:bodyPr>
+          <a:lstStyle/>
+          <a:p>
+            <a:r>
+              <a:rPr lang="en-US" i="1" dirty="0">
+                <a:latin typeface="TimesNewRomanPS-ItalicMT"/>
+              </a:rPr>
+              <a:t>t </a:t>
+            </a:r>
+            <a:r>
+              <a:rPr lang="en-US" dirty="0">
+                <a:latin typeface="TimesNewRomanPSMT"/>
+              </a:rPr>
+              <a:t>suffix indicates that the SP_EL0 stack pointer is selected</a:t>
+            </a:r>
+            <a:endParaRPr lang="en-US" dirty="0"/>
+          </a:p>
+        </p:txBody>
+      </p:sp>
+      <p:sp>
+        <p:nvSpPr>
+          <p:cNvPr id="9" name="Rectangle 8"/>
+          <p:cNvSpPr/>
+          <p:nvPr/>
+        </p:nvSpPr>
+        <p:spPr>
+          <a:xfrm>
+            <a:off x="2870344" y="6006990"/>
+            <a:ext cx="6096000" cy="369332"/>
+          </a:xfrm>
+          <a:prstGeom prst="rect">
+            <a:avLst/>
+          </a:prstGeom>
+        </p:spPr>
+        <p:txBody>
+          <a:bodyPr>
+            <a:spAutoFit/>
+          </a:bodyPr>
+          <a:lstStyle/>
+          <a:p>
+            <a:r>
+              <a:rPr lang="en-US" i="1" dirty="0">
+                <a:latin typeface="TimesNewRomanPS-ItalicMT"/>
+              </a:rPr>
+              <a:t>h </a:t>
+            </a:r>
+            <a:r>
+              <a:rPr lang="en-US" dirty="0">
+                <a:latin typeface="TimesNewRomanPSMT"/>
+              </a:rPr>
+              <a:t>suffix indicates that the </a:t>
+            </a:r>
+            <a:r>
+              <a:rPr lang="en-US" dirty="0" err="1">
+                <a:latin typeface="TimesNewRomanPSMT"/>
+              </a:rPr>
+              <a:t>SP_EL</a:t>
+            </a:r>
+            <a:r>
+              <a:rPr lang="en-US" i="1" dirty="0" err="1">
+                <a:latin typeface="TimesNewRomanPS-ItalicMT"/>
+              </a:rPr>
+              <a:t>n</a:t>
+            </a:r>
+            <a:r>
+              <a:rPr lang="en-US" i="1" dirty="0">
+                <a:latin typeface="TimesNewRomanPS-ItalicMT"/>
+              </a:rPr>
+              <a:t> </a:t>
+            </a:r>
+            <a:r>
+              <a:rPr lang="en-US" dirty="0">
+                <a:latin typeface="TimesNewRomanPSMT"/>
+              </a:rPr>
+              <a:t>stack pointer is selected.</a:t>
+            </a:r>
+            <a:endParaRPr lang="en-US" dirty="0"/>
+          </a:p>
+        </p:txBody>
+      </p:sp>
+      <p:sp>
+        <p:nvSpPr>
+          <p:cNvPr id="10" name="Rectangle 9"/>
+          <p:cNvSpPr/>
+          <p:nvPr/>
+        </p:nvSpPr>
+        <p:spPr>
+          <a:xfrm>
+            <a:off x="739674" y="3708363"/>
+            <a:ext cx="8226670" cy="800219"/>
+          </a:xfrm>
+          <a:prstGeom prst="rect">
+            <a:avLst/>
+          </a:prstGeom>
+        </p:spPr>
+        <p:txBody>
+          <a:bodyPr wrap="square">
+            <a:spAutoFit/>
+          </a:bodyPr>
+          <a:lstStyle/>
+          <a:p>
+            <a:r>
+              <a:rPr lang="en-US" dirty="0">
+                <a:latin typeface="TimesNewRomanPSMT"/>
+              </a:rPr>
+              <a:t>When in AArch64 at an Exception level other than EL0, the processor can use either:</a:t>
+            </a:r>
+          </a:p>
+          <a:p>
+            <a:pPr marL="742950" lvl="1" indent="-285750">
+              <a:buFont typeface="Arial" panose="020B0604020202020204" pitchFamily="34" charset="0"/>
+              <a:buChar char="•"/>
+            </a:pPr>
+            <a:r>
+              <a:rPr lang="en-US" sz="1400" dirty="0">
+                <a:latin typeface="TimesNewRomanPSMT"/>
+              </a:rPr>
+              <a:t>A dedicated 64-bit stack pointer associated with that Exception level (</a:t>
+            </a:r>
+            <a:r>
+              <a:rPr lang="en-US" sz="1400" dirty="0" err="1">
+                <a:latin typeface="TimesNewRomanPSMT"/>
+              </a:rPr>
+              <a:t>SP_EL</a:t>
+            </a:r>
+            <a:r>
+              <a:rPr lang="en-US" sz="1400" i="1" dirty="0" err="1">
+                <a:latin typeface="TimesNewRomanPS-ItalicMT"/>
+              </a:rPr>
+              <a:t>n</a:t>
+            </a:r>
+            <a:r>
+              <a:rPr lang="en-US" sz="1400" dirty="0">
+                <a:latin typeface="TimesNewRomanPSMT"/>
+              </a:rPr>
+              <a:t>).</a:t>
+            </a:r>
+          </a:p>
+          <a:p>
+            <a:pPr marL="742950" lvl="1" indent="-285750">
+              <a:buFont typeface="Arial" panose="020B0604020202020204" pitchFamily="34" charset="0"/>
+              <a:buChar char="•"/>
+            </a:pPr>
+            <a:r>
+              <a:rPr lang="en-US" sz="1400" dirty="0">
+                <a:latin typeface="TimesNewRomanPSMT"/>
+              </a:rPr>
+              <a:t>The stack pointer associated with EL0 (SP_EL0).</a:t>
+            </a:r>
+            <a:endParaRPr lang="en-US" sz="1400" dirty="0"/>
+          </a:p>
+        </p:txBody>
+      </p:sp>
+    </p:spTree>
+    <p:extLst>
+      <p:ext uri="{BB962C8B-B14F-4D97-AF65-F5344CB8AC3E}">
+        <p14:creationId xmlns:p14="http://schemas.microsoft.com/office/powerpoint/2010/main" val="3763082202"/>
+      </p:ext>
+    </p:extLst>
+  </p:cSld>
+  <p:clrMapOvr>
+    <a:masterClrMapping/>
+  </p:clrMapOvr>
+</p:sld>
+</file>
+
+<file path=ppt/slides/slide8.xml><?xml version="1.0" encoding="utf-8"?>
+<p:sld xmlns:a="http://schemas.openxmlformats.org/drawingml/2006/main" xmlns:r="http://schemas.openxmlformats.org/officeDocument/2006/relationships" xmlns:p="http://schemas.openxmlformats.org/presentationml/2006/main">
+  <p:cSld>
+    <p:spTree>
+      <p:nvGrpSpPr>
+        <p:cNvPr id="1" name=""/>
+        <p:cNvGrpSpPr/>
+        <p:nvPr/>
+      </p:nvGrpSpPr>
+      <p:grpSpPr>
+        <a:xfrm>
+          <a:off x="0" y="0"/>
+          <a:ext cx="0" cy="0"/>
+          <a:chOff x="0" y="0"/>
+          <a:chExt cx="0" cy="0"/>
+        </a:xfrm>
+      </p:grpSpPr>
+      <p:sp>
+        <p:nvSpPr>
+          <p:cNvPr id="4" name="Rectangle 3"/>
+          <p:cNvSpPr/>
+          <p:nvPr/>
+        </p:nvSpPr>
+        <p:spPr>
+          <a:xfrm>
+            <a:off x="265286" y="316496"/>
+            <a:ext cx="9010599" cy="369332"/>
+          </a:xfrm>
+          <a:prstGeom prst="rect">
+            <a:avLst/>
+          </a:prstGeom>
+        </p:spPr>
+        <p:txBody>
+          <a:bodyPr wrap="square">
+            <a:spAutoFit/>
+          </a:bodyPr>
+          <a:lstStyle/>
+          <a:p>
+            <a:r>
+              <a:rPr lang="en-US" b="1" dirty="0"/>
+              <a:t>AArch64 Special Registers – Program Counter</a:t>
+            </a:r>
+            <a:endParaRPr lang="en-US" dirty="0"/>
+          </a:p>
+        </p:txBody>
+      </p:sp>
+      <p:sp>
+        <p:nvSpPr>
+          <p:cNvPr id="2" name="Rectangle 1"/>
+          <p:cNvSpPr/>
+          <p:nvPr/>
+        </p:nvSpPr>
+        <p:spPr>
+          <a:xfrm>
+            <a:off x="814753" y="1057103"/>
+            <a:ext cx="11046070" cy="2031325"/>
+          </a:xfrm>
+          <a:prstGeom prst="rect">
+            <a:avLst/>
+          </a:prstGeom>
+        </p:spPr>
+        <p:txBody>
+          <a:bodyPr wrap="square">
+            <a:spAutoFit/>
+          </a:bodyPr>
+          <a:lstStyle/>
+          <a:p>
+            <a:r>
+              <a:rPr lang="en-US" b="1" u="sng" dirty="0">
+                <a:latin typeface="TimesNewRomanPSMT"/>
+              </a:rPr>
+              <a:t>ARMv7 Drawback : </a:t>
+            </a:r>
+          </a:p>
+          <a:p>
+            <a:endParaRPr lang="en-US" dirty="0">
+              <a:latin typeface="TimesNewRomanPSMT"/>
+            </a:endParaRPr>
+          </a:p>
+          <a:p>
+            <a:r>
+              <a:rPr lang="en-US" dirty="0">
+                <a:latin typeface="TimesNewRomanPSMT"/>
+              </a:rPr>
+              <a:t>One feature of the original ARMv7 instruction set was the use of </a:t>
+            </a:r>
+            <a:r>
+              <a:rPr lang="en-US" sz="1400" dirty="0">
+                <a:latin typeface="LucidaSansTypewriteX"/>
+              </a:rPr>
+              <a:t>R15</a:t>
+            </a:r>
+            <a:r>
+              <a:rPr lang="en-US" dirty="0">
+                <a:latin typeface="TimesNewRomanPSMT"/>
+              </a:rPr>
+              <a:t>, the </a:t>
+            </a:r>
+            <a:r>
+              <a:rPr lang="en-US" i="1" dirty="0">
+                <a:latin typeface="TimesNewRomanPS-ItalicMT"/>
+              </a:rPr>
+              <a:t>Program Counter </a:t>
+            </a:r>
+            <a:r>
+              <a:rPr lang="en-US" dirty="0">
+                <a:latin typeface="TimesNewRomanPSMT"/>
+              </a:rPr>
+              <a:t>(PC) as a general-purpose register.</a:t>
+            </a:r>
+          </a:p>
+          <a:p>
+            <a:endParaRPr lang="en-US" dirty="0">
+              <a:latin typeface="TimesNewRomanPSMT"/>
+            </a:endParaRPr>
+          </a:p>
+          <a:p>
+            <a:r>
+              <a:rPr lang="en-US" dirty="0">
+                <a:latin typeface="TimesNewRomanPSMT"/>
+              </a:rPr>
+              <a:t>PC enabled some clever programming tricks, but it introduced complications for compilers and the design of complex pipelines.</a:t>
+            </a:r>
+            <a:endParaRPr lang="en-US" dirty="0"/>
+          </a:p>
+        </p:txBody>
+      </p:sp>
+      <p:sp>
+        <p:nvSpPr>
+          <p:cNvPr id="5" name="Rectangle 4"/>
+          <p:cNvSpPr/>
+          <p:nvPr/>
+        </p:nvSpPr>
+        <p:spPr>
+          <a:xfrm>
+            <a:off x="814753" y="3459704"/>
+            <a:ext cx="10808678" cy="2585323"/>
+          </a:xfrm>
+          <a:prstGeom prst="rect">
+            <a:avLst/>
+          </a:prstGeom>
+        </p:spPr>
+        <p:txBody>
+          <a:bodyPr wrap="square">
+            <a:spAutoFit/>
+          </a:bodyPr>
+          <a:lstStyle/>
+          <a:p>
+            <a:r>
+              <a:rPr lang="en-US" b="1" u="sng" dirty="0">
+                <a:latin typeface="TimesNewRomanPSMT"/>
+              </a:rPr>
+              <a:t>ARMv8 Enhancement : </a:t>
+            </a:r>
+          </a:p>
+          <a:p>
+            <a:endParaRPr lang="en-US" dirty="0">
+              <a:latin typeface="TimesNewRomanPSMT"/>
+            </a:endParaRPr>
+          </a:p>
+          <a:p>
+            <a:r>
+              <a:rPr lang="en-US" dirty="0">
+                <a:latin typeface="TimesNewRomanPSMT"/>
+              </a:rPr>
+              <a:t>Removing direct access to the PC in ARMv8 makes return prediction easier and simplifies the ABI specification.</a:t>
+            </a:r>
+          </a:p>
+          <a:p>
+            <a:endParaRPr lang="en-US" dirty="0">
+              <a:latin typeface="TimesNewRomanPSMT"/>
+            </a:endParaRPr>
+          </a:p>
+          <a:p>
+            <a:r>
+              <a:rPr lang="en-US" dirty="0">
+                <a:latin typeface="TimesNewRomanPSMT"/>
+              </a:rPr>
+              <a:t>PC is never accessible as a named register. </a:t>
+            </a:r>
+          </a:p>
+          <a:p>
+            <a:endParaRPr lang="en-US" dirty="0">
+              <a:latin typeface="TimesNewRomanPSMT"/>
+            </a:endParaRPr>
+          </a:p>
+          <a:p>
+            <a:r>
+              <a:rPr lang="en-US" dirty="0">
+                <a:latin typeface="TimesNewRomanPSMT"/>
+              </a:rPr>
+              <a:t>Its use is implicit in certain instructions such as PC-relative load and address generation.</a:t>
+            </a:r>
+          </a:p>
+          <a:p>
+            <a:endParaRPr lang="en-US" dirty="0">
+              <a:latin typeface="TimesNewRomanPSMT"/>
+            </a:endParaRPr>
+          </a:p>
+          <a:p>
+            <a:r>
+              <a:rPr lang="en-US" dirty="0">
+                <a:latin typeface="TimesNewRomanPSMT"/>
+              </a:rPr>
+              <a:t>PC cannot be specified as the destination of a data processing instruction or load instruction.</a:t>
+            </a:r>
+          </a:p>
+        </p:txBody>
+      </p:sp>
+    </p:spTree>
+    <p:extLst>
+      <p:ext uri="{BB962C8B-B14F-4D97-AF65-F5344CB8AC3E}">
+        <p14:creationId xmlns:p14="http://schemas.microsoft.com/office/powerpoint/2010/main" val="2275070503"/>
+      </p:ext>
+    </p:extLst>
+  </p:cSld>
+  <p:clrMapOvr>
+    <a:masterClrMapping/>
+  </p:clrMapOvr>
+</p:sld>
+</file>
+
+<file path=ppt/slides/slide9.xml><?xml version="1.0" encoding="utf-8"?>
+<p:sld xmlns:a="http://schemas.openxmlformats.org/drawingml/2006/main" xmlns:r="http://schemas.openxmlformats.org/officeDocument/2006/relationships" xmlns:p="http://schemas.openxmlformats.org/presentationml/2006/main">
+  <p:cSld>
+    <p:spTree>
+      <p:nvGrpSpPr>
+        <p:cNvPr id="1" name=""/>
+        <p:cNvGrpSpPr/>
+        <p:nvPr/>
+      </p:nvGrpSpPr>
+      <p:grpSpPr>
+        <a:xfrm>
+          <a:off x="0" y="0"/>
+          <a:ext cx="0" cy="0"/>
+          <a:chOff x="0" y="0"/>
+          <a:chExt cx="0" cy="0"/>
+        </a:xfrm>
+      </p:grpSpPr>
+      <p:sp>
+        <p:nvSpPr>
+          <p:cNvPr id="4" name="Rectangle 3"/>
+          <p:cNvSpPr/>
+          <p:nvPr/>
+        </p:nvSpPr>
+        <p:spPr>
+          <a:xfrm>
+            <a:off x="265286" y="316496"/>
+            <a:ext cx="9010599" cy="369332"/>
+          </a:xfrm>
+          <a:prstGeom prst="rect">
+            <a:avLst/>
+          </a:prstGeom>
+        </p:spPr>
+        <p:txBody>
+          <a:bodyPr wrap="square">
+            <a:spAutoFit/>
+          </a:bodyPr>
+          <a:lstStyle/>
+          <a:p>
+            <a:r>
+              <a:rPr lang="en-US" b="1" dirty="0"/>
+              <a:t>AArch64 Special Registers – Exception Link Register (ELR)</a:t>
+            </a:r>
+          </a:p>
+        </p:txBody>
+      </p:sp>
+      <p:sp>
+        <p:nvSpPr>
+          <p:cNvPr id="2" name="Rectangle 1"/>
+          <p:cNvSpPr/>
+          <p:nvPr/>
+        </p:nvSpPr>
+        <p:spPr>
+          <a:xfrm>
+            <a:off x="1725520" y="1222103"/>
+            <a:ext cx="6090129" cy="369332"/>
+          </a:xfrm>
+          <a:prstGeom prst="rect">
+            <a:avLst/>
+          </a:prstGeom>
+        </p:spPr>
+        <p:txBody>
+          <a:bodyPr wrap="none">
+            <a:spAutoFit/>
+          </a:bodyPr>
+          <a:lstStyle/>
+          <a:p>
+            <a:r>
+              <a:rPr lang="en-US" dirty="0">
+                <a:latin typeface="TimesNewRomanPSMT"/>
+              </a:rPr>
+              <a:t>The </a:t>
+            </a:r>
+            <a:r>
+              <a:rPr lang="en-US" i="1" dirty="0">
+                <a:latin typeface="TimesNewRomanPS-ItalicMT"/>
+              </a:rPr>
+              <a:t>Exception Link Register </a:t>
+            </a:r>
+            <a:r>
+              <a:rPr lang="en-US" dirty="0">
+                <a:latin typeface="TimesNewRomanPSMT"/>
+              </a:rPr>
+              <a:t>holds the exception return address.</a:t>
+            </a:r>
+            <a:endParaRPr lang="en-US" dirty="0"/>
+          </a:p>
+        </p:txBody>
+      </p:sp>
+    </p:spTree>
+    <p:extLst>
+      <p:ext uri="{BB962C8B-B14F-4D97-AF65-F5344CB8AC3E}">
+        <p14:creationId xmlns:p14="http://schemas.microsoft.com/office/powerpoint/2010/main" val="1892782482"/>
       </p:ext>
     </p:extLst>
   </p:cSld>
